--- a/Tharun DATA 516 Project PechaKucha.pptx
+++ b/Tharun DATA 516 Project PechaKucha.pptx
@@ -5,10 +5,18 @@
     <p:sldMasterId id="2147483648" r:id="rId1"/>
   </p:sldMasterIdLst>
   <p:sldIdLst>
-    <p:sldId id="256" r:id="rId2"/>
-    <p:sldId id="257" r:id="rId3"/>
-    <p:sldId id="261" r:id="rId4"/>
-    <p:sldId id="263" r:id="rId5"/>
+    <p:sldId id="264" r:id="rId2"/>
+    <p:sldId id="272" r:id="rId3"/>
+    <p:sldId id="268" r:id="rId4"/>
+    <p:sldId id="265" r:id="rId5"/>
+    <p:sldId id="266" r:id="rId6"/>
+    <p:sldId id="256" r:id="rId7"/>
+    <p:sldId id="273" r:id="rId8"/>
+    <p:sldId id="257" r:id="rId9"/>
+    <p:sldId id="274" r:id="rId10"/>
+    <p:sldId id="261" r:id="rId11"/>
+    <p:sldId id="270" r:id="rId12"/>
+    <p:sldId id="269" r:id="rId13"/>
   </p:sldIdLst>
   <p:sldSz cx="12192000" cy="6858000"/>
   <p:notesSz cx="6858000" cy="9144000"/>
@@ -182,35 +190,35 @@
               <a:buNone/>
               <a:defRPr sz="2400"/>
             </a:lvl1pPr>
-            <a:lvl2pPr marL="457200" indent="0" algn="ctr">
+            <a:lvl2pPr marL="457189" indent="0" algn="ctr">
               <a:buNone/>
               <a:defRPr sz="2000"/>
             </a:lvl2pPr>
-            <a:lvl3pPr marL="914400" indent="0" algn="ctr">
+            <a:lvl3pPr marL="914377" indent="0" algn="ctr">
               <a:buNone/>
               <a:defRPr sz="1800"/>
             </a:lvl3pPr>
-            <a:lvl4pPr marL="1371600" indent="0" algn="ctr">
+            <a:lvl4pPr marL="1371566" indent="0" algn="ctr">
               <a:buNone/>
               <a:defRPr sz="1600"/>
             </a:lvl4pPr>
-            <a:lvl5pPr marL="1828800" indent="0" algn="ctr">
+            <a:lvl5pPr marL="1828754" indent="0" algn="ctr">
               <a:buNone/>
               <a:defRPr sz="1600"/>
             </a:lvl5pPr>
-            <a:lvl6pPr marL="2286000" indent="0" algn="ctr">
+            <a:lvl6pPr marL="2285943" indent="0" algn="ctr">
               <a:buNone/>
               <a:defRPr sz="1600"/>
             </a:lvl6pPr>
-            <a:lvl7pPr marL="2743200" indent="0" algn="ctr">
+            <a:lvl7pPr marL="2743131" indent="0" algn="ctr">
               <a:buNone/>
               <a:defRPr sz="1600"/>
             </a:lvl7pPr>
-            <a:lvl8pPr marL="3200400" indent="0" algn="ctr">
+            <a:lvl8pPr marL="3200320" indent="0" algn="ctr">
               <a:buNone/>
               <a:defRPr sz="1600"/>
             </a:lvl8pPr>
-            <a:lvl9pPr marL="3657600" indent="0" algn="ctr">
+            <a:lvl9pPr marL="3657509" indent="0" algn="ctr">
               <a:buNone/>
               <a:defRPr sz="1600"/>
             </a:lvl9pPr>
@@ -501,7 +509,7 @@
         </p:nvSpPr>
         <p:spPr>
           <a:xfrm>
-            <a:off x="8724900" y="365125"/>
+            <a:off x="8724901" y="365125"/>
             <a:ext cx="2628900" cy="5811838"/>
           </a:xfrm>
         </p:spPr>
@@ -529,7 +537,7 @@
         </p:nvSpPr>
         <p:spPr>
           <a:xfrm>
-            <a:off x="838200" y="365125"/>
+            <a:off x="838201" y="365125"/>
             <a:ext cx="7734300" cy="5811838"/>
           </a:xfrm>
         </p:spPr>
@@ -851,7 +859,7 @@
         </p:nvSpPr>
         <p:spPr>
           <a:xfrm>
-            <a:off x="831850" y="1709738"/>
+            <a:off x="831851" y="1709740"/>
             <a:ext cx="10515600" cy="2852737"/>
           </a:xfrm>
         </p:spPr>
@@ -883,7 +891,7 @@
         </p:nvSpPr>
         <p:spPr>
           <a:xfrm>
-            <a:off x="831850" y="4589463"/>
+            <a:off x="831851" y="4589465"/>
             <a:ext cx="10515600" cy="1500187"/>
           </a:xfrm>
         </p:spPr>
@@ -900,7 +908,7 @@
                 </a:solidFill>
               </a:defRPr>
             </a:lvl1pPr>
-            <a:lvl2pPr marL="457200" indent="0">
+            <a:lvl2pPr marL="457189" indent="0">
               <a:buNone/>
               <a:defRPr sz="2000">
                 <a:solidFill>
@@ -910,7 +918,7 @@
                 </a:solidFill>
               </a:defRPr>
             </a:lvl2pPr>
-            <a:lvl3pPr marL="914400" indent="0">
+            <a:lvl3pPr marL="914377" indent="0">
               <a:buNone/>
               <a:defRPr sz="1800">
                 <a:solidFill>
@@ -920,7 +928,7 @@
                 </a:solidFill>
               </a:defRPr>
             </a:lvl3pPr>
-            <a:lvl4pPr marL="1371600" indent="0">
+            <a:lvl4pPr marL="1371566" indent="0">
               <a:buNone/>
               <a:defRPr sz="1600">
                 <a:solidFill>
@@ -930,7 +938,7 @@
                 </a:solidFill>
               </a:defRPr>
             </a:lvl4pPr>
-            <a:lvl5pPr marL="1828800" indent="0">
+            <a:lvl5pPr marL="1828754" indent="0">
               <a:buNone/>
               <a:defRPr sz="1600">
                 <a:solidFill>
@@ -940,7 +948,7 @@
                 </a:solidFill>
               </a:defRPr>
             </a:lvl5pPr>
-            <a:lvl6pPr marL="2286000" indent="0">
+            <a:lvl6pPr marL="2285943" indent="0">
               <a:buNone/>
               <a:defRPr sz="1600">
                 <a:solidFill>
@@ -950,7 +958,7 @@
                 </a:solidFill>
               </a:defRPr>
             </a:lvl6pPr>
-            <a:lvl7pPr marL="2743200" indent="0">
+            <a:lvl7pPr marL="2743131" indent="0">
               <a:buNone/>
               <a:defRPr sz="1600">
                 <a:solidFill>
@@ -960,7 +968,7 @@
                 </a:solidFill>
               </a:defRPr>
             </a:lvl7pPr>
-            <a:lvl8pPr marL="3200400" indent="0">
+            <a:lvl8pPr marL="3200320" indent="0">
               <a:buNone/>
               <a:defRPr sz="1600">
                 <a:solidFill>
@@ -970,7 +978,7 @@
                 </a:solidFill>
               </a:defRPr>
             </a:lvl8pPr>
-            <a:lvl9pPr marL="3657600" indent="0">
+            <a:lvl9pPr marL="3657509" indent="0">
               <a:buNone/>
               <a:defRPr sz="1600">
                 <a:solidFill>
@@ -1329,7 +1337,7 @@
         </p:nvSpPr>
         <p:spPr>
           <a:xfrm>
-            <a:off x="839788" y="365125"/>
+            <a:off x="839788" y="365127"/>
             <a:ext cx="10515600" cy="1325563"/>
           </a:xfrm>
         </p:spPr>
@@ -1357,7 +1365,7 @@
         </p:nvSpPr>
         <p:spPr>
           <a:xfrm>
-            <a:off x="839788" y="1681163"/>
+            <a:off x="839789" y="1681163"/>
             <a:ext cx="5157787" cy="823912"/>
           </a:xfrm>
         </p:spPr>
@@ -1368,35 +1376,35 @@
               <a:buNone/>
               <a:defRPr sz="2400" b="1"/>
             </a:lvl1pPr>
-            <a:lvl2pPr marL="457200" indent="0">
+            <a:lvl2pPr marL="457189" indent="0">
               <a:buNone/>
               <a:defRPr sz="2000" b="1"/>
             </a:lvl2pPr>
-            <a:lvl3pPr marL="914400" indent="0">
+            <a:lvl3pPr marL="914377" indent="0">
               <a:buNone/>
               <a:defRPr sz="1800" b="1"/>
             </a:lvl3pPr>
-            <a:lvl4pPr marL="1371600" indent="0">
+            <a:lvl4pPr marL="1371566" indent="0">
               <a:buNone/>
               <a:defRPr sz="1600" b="1"/>
             </a:lvl4pPr>
-            <a:lvl5pPr marL="1828800" indent="0">
+            <a:lvl5pPr marL="1828754" indent="0">
               <a:buNone/>
               <a:defRPr sz="1600" b="1"/>
             </a:lvl5pPr>
-            <a:lvl6pPr marL="2286000" indent="0">
+            <a:lvl6pPr marL="2285943" indent="0">
               <a:buNone/>
               <a:defRPr sz="1600" b="1"/>
             </a:lvl6pPr>
-            <a:lvl7pPr marL="2743200" indent="0">
+            <a:lvl7pPr marL="2743131" indent="0">
               <a:buNone/>
               <a:defRPr sz="1600" b="1"/>
             </a:lvl7pPr>
-            <a:lvl8pPr marL="3200400" indent="0">
+            <a:lvl8pPr marL="3200320" indent="0">
               <a:buNone/>
               <a:defRPr sz="1600" b="1"/>
             </a:lvl8pPr>
-            <a:lvl9pPr marL="3657600" indent="0">
+            <a:lvl9pPr marL="3657509" indent="0">
               <a:buNone/>
               <a:defRPr sz="1600" b="1"/>
             </a:lvl9pPr>
@@ -1422,7 +1430,7 @@
         </p:nvSpPr>
         <p:spPr>
           <a:xfrm>
-            <a:off x="839788" y="2505075"/>
+            <a:off x="839789" y="2505075"/>
             <a:ext cx="5157787" cy="3684588"/>
           </a:xfrm>
         </p:spPr>
@@ -1479,7 +1487,7 @@
         </p:nvSpPr>
         <p:spPr>
           <a:xfrm>
-            <a:off x="6172200" y="1681163"/>
+            <a:off x="6172201" y="1681163"/>
             <a:ext cx="5183188" cy="823912"/>
           </a:xfrm>
         </p:spPr>
@@ -1490,35 +1498,35 @@
               <a:buNone/>
               <a:defRPr sz="2400" b="1"/>
             </a:lvl1pPr>
-            <a:lvl2pPr marL="457200" indent="0">
+            <a:lvl2pPr marL="457189" indent="0">
               <a:buNone/>
               <a:defRPr sz="2000" b="1"/>
             </a:lvl2pPr>
-            <a:lvl3pPr marL="914400" indent="0">
+            <a:lvl3pPr marL="914377" indent="0">
               <a:buNone/>
               <a:defRPr sz="1800" b="1"/>
             </a:lvl3pPr>
-            <a:lvl4pPr marL="1371600" indent="0">
+            <a:lvl4pPr marL="1371566" indent="0">
               <a:buNone/>
               <a:defRPr sz="1600" b="1"/>
             </a:lvl4pPr>
-            <a:lvl5pPr marL="1828800" indent="0">
+            <a:lvl5pPr marL="1828754" indent="0">
               <a:buNone/>
               <a:defRPr sz="1600" b="1"/>
             </a:lvl5pPr>
-            <a:lvl6pPr marL="2286000" indent="0">
+            <a:lvl6pPr marL="2285943" indent="0">
               <a:buNone/>
               <a:defRPr sz="1600" b="1"/>
             </a:lvl6pPr>
-            <a:lvl7pPr marL="2743200" indent="0">
+            <a:lvl7pPr marL="2743131" indent="0">
               <a:buNone/>
               <a:defRPr sz="1600" b="1"/>
             </a:lvl7pPr>
-            <a:lvl8pPr marL="3200400" indent="0">
+            <a:lvl8pPr marL="3200320" indent="0">
               <a:buNone/>
               <a:defRPr sz="1600" b="1"/>
             </a:lvl8pPr>
-            <a:lvl9pPr marL="3657600" indent="0">
+            <a:lvl9pPr marL="3657509" indent="0">
               <a:buNone/>
               <a:defRPr sz="1600" b="1"/>
             </a:lvl9pPr>
@@ -1544,7 +1552,7 @@
         </p:nvSpPr>
         <p:spPr>
           <a:xfrm>
-            <a:off x="6172200" y="2505075"/>
+            <a:off x="6172201" y="2505075"/>
             <a:ext cx="5183188" cy="3684588"/>
           </a:xfrm>
         </p:spPr>
@@ -1941,7 +1949,7 @@
         </p:nvSpPr>
         <p:spPr>
           <a:xfrm>
-            <a:off x="5183188" y="987425"/>
+            <a:off x="5183188" y="987427"/>
             <a:ext cx="6172200" cy="4873625"/>
           </a:xfrm>
         </p:spPr>
@@ -2037,35 +2045,35 @@
               <a:buNone/>
               <a:defRPr sz="1600"/>
             </a:lvl1pPr>
-            <a:lvl2pPr marL="457200" indent="0">
+            <a:lvl2pPr marL="457189" indent="0">
               <a:buNone/>
               <a:defRPr sz="1400"/>
             </a:lvl2pPr>
-            <a:lvl3pPr marL="914400" indent="0">
+            <a:lvl3pPr marL="914377" indent="0">
               <a:buNone/>
               <a:defRPr sz="1200"/>
             </a:lvl3pPr>
-            <a:lvl4pPr marL="1371600" indent="0">
+            <a:lvl4pPr marL="1371566" indent="0">
               <a:buNone/>
               <a:defRPr sz="1000"/>
             </a:lvl4pPr>
-            <a:lvl5pPr marL="1828800" indent="0">
+            <a:lvl5pPr marL="1828754" indent="0">
               <a:buNone/>
               <a:defRPr sz="1000"/>
             </a:lvl5pPr>
-            <a:lvl6pPr marL="2286000" indent="0">
+            <a:lvl6pPr marL="2285943" indent="0">
               <a:buNone/>
               <a:defRPr sz="1000"/>
             </a:lvl6pPr>
-            <a:lvl7pPr marL="2743200" indent="0">
+            <a:lvl7pPr marL="2743131" indent="0">
               <a:buNone/>
               <a:defRPr sz="1000"/>
             </a:lvl7pPr>
-            <a:lvl8pPr marL="3200400" indent="0">
+            <a:lvl8pPr marL="3200320" indent="0">
               <a:buNone/>
               <a:defRPr sz="1000"/>
             </a:lvl8pPr>
-            <a:lvl9pPr marL="3657600" indent="0">
+            <a:lvl9pPr marL="3657509" indent="0">
               <a:buNone/>
               <a:defRPr sz="1000"/>
             </a:lvl9pPr>
@@ -2218,7 +2226,7 @@
         </p:nvSpPr>
         <p:spPr>
           <a:xfrm>
-            <a:off x="5183188" y="987425"/>
+            <a:off x="5183188" y="987427"/>
             <a:ext cx="6172200" cy="4873625"/>
           </a:xfrm>
         </p:spPr>
@@ -2229,35 +2237,35 @@
               <a:buNone/>
               <a:defRPr sz="3200"/>
             </a:lvl1pPr>
-            <a:lvl2pPr marL="457200" indent="0">
+            <a:lvl2pPr marL="457189" indent="0">
               <a:buNone/>
               <a:defRPr sz="2800"/>
             </a:lvl2pPr>
-            <a:lvl3pPr marL="914400" indent="0">
+            <a:lvl3pPr marL="914377" indent="0">
               <a:buNone/>
               <a:defRPr sz="2400"/>
             </a:lvl3pPr>
-            <a:lvl4pPr marL="1371600" indent="0">
+            <a:lvl4pPr marL="1371566" indent="0">
               <a:buNone/>
               <a:defRPr sz="2000"/>
             </a:lvl4pPr>
-            <a:lvl5pPr marL="1828800" indent="0">
+            <a:lvl5pPr marL="1828754" indent="0">
               <a:buNone/>
               <a:defRPr sz="2000"/>
             </a:lvl5pPr>
-            <a:lvl6pPr marL="2286000" indent="0">
+            <a:lvl6pPr marL="2285943" indent="0">
               <a:buNone/>
               <a:defRPr sz="2000"/>
             </a:lvl6pPr>
-            <a:lvl7pPr marL="2743200" indent="0">
+            <a:lvl7pPr marL="2743131" indent="0">
               <a:buNone/>
               <a:defRPr sz="2000"/>
             </a:lvl7pPr>
-            <a:lvl8pPr marL="3200400" indent="0">
+            <a:lvl8pPr marL="3200320" indent="0">
               <a:buNone/>
               <a:defRPr sz="2000"/>
             </a:lvl8pPr>
-            <a:lvl9pPr marL="3657600" indent="0">
+            <a:lvl9pPr marL="3657509" indent="0">
               <a:buNone/>
               <a:defRPr sz="2000"/>
             </a:lvl9pPr>
@@ -2290,35 +2298,35 @@
               <a:buNone/>
               <a:defRPr sz="1600"/>
             </a:lvl1pPr>
-            <a:lvl2pPr marL="457200" indent="0">
+            <a:lvl2pPr marL="457189" indent="0">
               <a:buNone/>
               <a:defRPr sz="1400"/>
             </a:lvl2pPr>
-            <a:lvl3pPr marL="914400" indent="0">
+            <a:lvl3pPr marL="914377" indent="0">
               <a:buNone/>
               <a:defRPr sz="1200"/>
             </a:lvl3pPr>
-            <a:lvl4pPr marL="1371600" indent="0">
+            <a:lvl4pPr marL="1371566" indent="0">
               <a:buNone/>
               <a:defRPr sz="1000"/>
             </a:lvl4pPr>
-            <a:lvl5pPr marL="1828800" indent="0">
+            <a:lvl5pPr marL="1828754" indent="0">
               <a:buNone/>
               <a:defRPr sz="1000"/>
             </a:lvl5pPr>
-            <a:lvl6pPr marL="2286000" indent="0">
+            <a:lvl6pPr marL="2285943" indent="0">
               <a:buNone/>
               <a:defRPr sz="1000"/>
             </a:lvl6pPr>
-            <a:lvl7pPr marL="2743200" indent="0">
+            <a:lvl7pPr marL="2743131" indent="0">
               <a:buNone/>
               <a:defRPr sz="1000"/>
             </a:lvl7pPr>
-            <a:lvl8pPr marL="3200400" indent="0">
+            <a:lvl8pPr marL="3200320" indent="0">
               <a:buNone/>
               <a:defRPr sz="1000"/>
             </a:lvl8pPr>
-            <a:lvl9pPr marL="3657600" indent="0">
+            <a:lvl9pPr marL="3657509" indent="0">
               <a:buNone/>
               <a:defRPr sz="1000"/>
             </a:lvl9pPr>
@@ -2444,7 +2452,7 @@
         </p:nvSpPr>
         <p:spPr>
           <a:xfrm>
-            <a:off x="838200" y="365125"/>
+            <a:off x="838200" y="365127"/>
             <a:ext cx="10515600" cy="1325563"/>
           </a:xfrm>
           <a:prstGeom prst="rect">
@@ -2539,7 +2547,7 @@
         </p:nvSpPr>
         <p:spPr>
           <a:xfrm>
-            <a:off x="838200" y="6356350"/>
+            <a:off x="838200" y="6356352"/>
             <a:ext cx="2743200" cy="365125"/>
           </a:xfrm>
           <a:prstGeom prst="rect">
@@ -2580,7 +2588,7 @@
         </p:nvSpPr>
         <p:spPr>
           <a:xfrm>
-            <a:off x="4038600" y="6356350"/>
+            <a:off x="4038600" y="6356352"/>
             <a:ext cx="4114800" cy="365125"/>
           </a:xfrm>
           <a:prstGeom prst="rect">
@@ -2617,7 +2625,7 @@
         </p:nvSpPr>
         <p:spPr>
           <a:xfrm>
-            <a:off x="8610600" y="6356350"/>
+            <a:off x="8610600" y="6356352"/>
             <a:ext cx="2743200" cy="365125"/>
           </a:xfrm>
           <a:prstGeom prst="rect">
@@ -2669,7 +2677,7 @@
   </p:sldLayoutIdLst>
   <p:txStyles>
     <p:titleStyle>
-      <a:lvl1pPr algn="l" defTabSz="914400" rtl="0" eaLnBrk="1" latinLnBrk="0" hangingPunct="1">
+      <a:lvl1pPr algn="l" defTabSz="914377" rtl="0" eaLnBrk="1" latinLnBrk="0" hangingPunct="1">
         <a:lnSpc>
           <a:spcPct val="90000"/>
         </a:lnSpc>
@@ -2688,7 +2696,7 @@
       </a:lvl1pPr>
     </p:titleStyle>
     <p:bodyStyle>
-      <a:lvl1pPr marL="228600" indent="-228600" algn="l" defTabSz="914400" rtl="0" eaLnBrk="1" latinLnBrk="0" hangingPunct="1">
+      <a:lvl1pPr marL="228594" indent="-228594" algn="l" defTabSz="914377" rtl="0" eaLnBrk="1" latinLnBrk="0" hangingPunct="1">
         <a:lnSpc>
           <a:spcPct val="90000"/>
         </a:lnSpc>
@@ -2706,7 +2714,7 @@
           <a:cs typeface="+mn-cs"/>
         </a:defRPr>
       </a:lvl1pPr>
-      <a:lvl2pPr marL="685800" indent="-228600" algn="l" defTabSz="914400" rtl="0" eaLnBrk="1" latinLnBrk="0" hangingPunct="1">
+      <a:lvl2pPr marL="685783" indent="-228594" algn="l" defTabSz="914377" rtl="0" eaLnBrk="1" latinLnBrk="0" hangingPunct="1">
         <a:lnSpc>
           <a:spcPct val="90000"/>
         </a:lnSpc>
@@ -2724,7 +2732,7 @@
           <a:cs typeface="+mn-cs"/>
         </a:defRPr>
       </a:lvl2pPr>
-      <a:lvl3pPr marL="1143000" indent="-228600" algn="l" defTabSz="914400" rtl="0" eaLnBrk="1" latinLnBrk="0" hangingPunct="1">
+      <a:lvl3pPr marL="1142971" indent="-228594" algn="l" defTabSz="914377" rtl="0" eaLnBrk="1" latinLnBrk="0" hangingPunct="1">
         <a:lnSpc>
           <a:spcPct val="90000"/>
         </a:lnSpc>
@@ -2742,7 +2750,7 @@
           <a:cs typeface="+mn-cs"/>
         </a:defRPr>
       </a:lvl3pPr>
-      <a:lvl4pPr marL="1600200" indent="-228600" algn="l" defTabSz="914400" rtl="0" eaLnBrk="1" latinLnBrk="0" hangingPunct="1">
+      <a:lvl4pPr marL="1600160" indent="-228594" algn="l" defTabSz="914377" rtl="0" eaLnBrk="1" latinLnBrk="0" hangingPunct="1">
         <a:lnSpc>
           <a:spcPct val="90000"/>
         </a:lnSpc>
@@ -2760,7 +2768,7 @@
           <a:cs typeface="+mn-cs"/>
         </a:defRPr>
       </a:lvl4pPr>
-      <a:lvl5pPr marL="2057400" indent="-228600" algn="l" defTabSz="914400" rtl="0" eaLnBrk="1" latinLnBrk="0" hangingPunct="1">
+      <a:lvl5pPr marL="2057349" indent="-228594" algn="l" defTabSz="914377" rtl="0" eaLnBrk="1" latinLnBrk="0" hangingPunct="1">
         <a:lnSpc>
           <a:spcPct val="90000"/>
         </a:lnSpc>
@@ -2778,7 +2786,7 @@
           <a:cs typeface="+mn-cs"/>
         </a:defRPr>
       </a:lvl5pPr>
-      <a:lvl6pPr marL="2514600" indent="-228600" algn="l" defTabSz="914400" rtl="0" eaLnBrk="1" latinLnBrk="0" hangingPunct="1">
+      <a:lvl6pPr marL="2514537" indent="-228594" algn="l" defTabSz="914377" rtl="0" eaLnBrk="1" latinLnBrk="0" hangingPunct="1">
         <a:lnSpc>
           <a:spcPct val="90000"/>
         </a:lnSpc>
@@ -2796,7 +2804,7 @@
           <a:cs typeface="+mn-cs"/>
         </a:defRPr>
       </a:lvl6pPr>
-      <a:lvl7pPr marL="2971800" indent="-228600" algn="l" defTabSz="914400" rtl="0" eaLnBrk="1" latinLnBrk="0" hangingPunct="1">
+      <a:lvl7pPr marL="2971726" indent="-228594" algn="l" defTabSz="914377" rtl="0" eaLnBrk="1" latinLnBrk="0" hangingPunct="1">
         <a:lnSpc>
           <a:spcPct val="90000"/>
         </a:lnSpc>
@@ -2814,7 +2822,7 @@
           <a:cs typeface="+mn-cs"/>
         </a:defRPr>
       </a:lvl7pPr>
-      <a:lvl8pPr marL="3429000" indent="-228600" algn="l" defTabSz="914400" rtl="0" eaLnBrk="1" latinLnBrk="0" hangingPunct="1">
+      <a:lvl8pPr marL="3428914" indent="-228594" algn="l" defTabSz="914377" rtl="0" eaLnBrk="1" latinLnBrk="0" hangingPunct="1">
         <a:lnSpc>
           <a:spcPct val="90000"/>
         </a:lnSpc>
@@ -2832,7 +2840,7 @@
           <a:cs typeface="+mn-cs"/>
         </a:defRPr>
       </a:lvl8pPr>
-      <a:lvl9pPr marL="3886200" indent="-228600" algn="l" defTabSz="914400" rtl="0" eaLnBrk="1" latinLnBrk="0" hangingPunct="1">
+      <a:lvl9pPr marL="3886103" indent="-228594" algn="l" defTabSz="914377" rtl="0" eaLnBrk="1" latinLnBrk="0" hangingPunct="1">
         <a:lnSpc>
           <a:spcPct val="90000"/>
         </a:lnSpc>
@@ -2855,7 +2863,7 @@
       <a:defPPr>
         <a:defRPr lang="en-US"/>
       </a:defPPr>
-      <a:lvl1pPr marL="0" algn="l" defTabSz="914400" rtl="0" eaLnBrk="1" latinLnBrk="0" hangingPunct="1">
+      <a:lvl1pPr marL="0" algn="l" defTabSz="914377" rtl="0" eaLnBrk="1" latinLnBrk="0" hangingPunct="1">
         <a:defRPr sz="1800" kern="1200">
           <a:solidFill>
             <a:schemeClr val="tx1"/>
@@ -2865,7 +2873,7 @@
           <a:cs typeface="+mn-cs"/>
         </a:defRPr>
       </a:lvl1pPr>
-      <a:lvl2pPr marL="457200" algn="l" defTabSz="914400" rtl="0" eaLnBrk="1" latinLnBrk="0" hangingPunct="1">
+      <a:lvl2pPr marL="457189" algn="l" defTabSz="914377" rtl="0" eaLnBrk="1" latinLnBrk="0" hangingPunct="1">
         <a:defRPr sz="1800" kern="1200">
           <a:solidFill>
             <a:schemeClr val="tx1"/>
@@ -2875,7 +2883,7 @@
           <a:cs typeface="+mn-cs"/>
         </a:defRPr>
       </a:lvl2pPr>
-      <a:lvl3pPr marL="914400" algn="l" defTabSz="914400" rtl="0" eaLnBrk="1" latinLnBrk="0" hangingPunct="1">
+      <a:lvl3pPr marL="914377" algn="l" defTabSz="914377" rtl="0" eaLnBrk="1" latinLnBrk="0" hangingPunct="1">
         <a:defRPr sz="1800" kern="1200">
           <a:solidFill>
             <a:schemeClr val="tx1"/>
@@ -2885,7 +2893,7 @@
           <a:cs typeface="+mn-cs"/>
         </a:defRPr>
       </a:lvl3pPr>
-      <a:lvl4pPr marL="1371600" algn="l" defTabSz="914400" rtl="0" eaLnBrk="1" latinLnBrk="0" hangingPunct="1">
+      <a:lvl4pPr marL="1371566" algn="l" defTabSz="914377" rtl="0" eaLnBrk="1" latinLnBrk="0" hangingPunct="1">
         <a:defRPr sz="1800" kern="1200">
           <a:solidFill>
             <a:schemeClr val="tx1"/>
@@ -2895,7 +2903,7 @@
           <a:cs typeface="+mn-cs"/>
         </a:defRPr>
       </a:lvl4pPr>
-      <a:lvl5pPr marL="1828800" algn="l" defTabSz="914400" rtl="0" eaLnBrk="1" latinLnBrk="0" hangingPunct="1">
+      <a:lvl5pPr marL="1828754" algn="l" defTabSz="914377" rtl="0" eaLnBrk="1" latinLnBrk="0" hangingPunct="1">
         <a:defRPr sz="1800" kern="1200">
           <a:solidFill>
             <a:schemeClr val="tx1"/>
@@ -2905,7 +2913,7 @@
           <a:cs typeface="+mn-cs"/>
         </a:defRPr>
       </a:lvl5pPr>
-      <a:lvl6pPr marL="2286000" algn="l" defTabSz="914400" rtl="0" eaLnBrk="1" latinLnBrk="0" hangingPunct="1">
+      <a:lvl6pPr marL="2285943" algn="l" defTabSz="914377" rtl="0" eaLnBrk="1" latinLnBrk="0" hangingPunct="1">
         <a:defRPr sz="1800" kern="1200">
           <a:solidFill>
             <a:schemeClr val="tx1"/>
@@ -2915,7 +2923,7 @@
           <a:cs typeface="+mn-cs"/>
         </a:defRPr>
       </a:lvl6pPr>
-      <a:lvl7pPr marL="2743200" algn="l" defTabSz="914400" rtl="0" eaLnBrk="1" latinLnBrk="0" hangingPunct="1">
+      <a:lvl7pPr marL="2743131" algn="l" defTabSz="914377" rtl="0" eaLnBrk="1" latinLnBrk="0" hangingPunct="1">
         <a:defRPr sz="1800" kern="1200">
           <a:solidFill>
             <a:schemeClr val="tx1"/>
@@ -2925,7 +2933,7 @@
           <a:cs typeface="+mn-cs"/>
         </a:defRPr>
       </a:lvl7pPr>
-      <a:lvl8pPr marL="3200400" algn="l" defTabSz="914400" rtl="0" eaLnBrk="1" latinLnBrk="0" hangingPunct="1">
+      <a:lvl8pPr marL="3200320" algn="l" defTabSz="914377" rtl="0" eaLnBrk="1" latinLnBrk="0" hangingPunct="1">
         <a:defRPr sz="1800" kern="1200">
           <a:solidFill>
             <a:schemeClr val="tx1"/>
@@ -2935,7 +2943,7 @@
           <a:cs typeface="+mn-cs"/>
         </a:defRPr>
       </a:lvl8pPr>
-      <a:lvl9pPr marL="3657600" algn="l" defTabSz="914400" rtl="0" eaLnBrk="1" latinLnBrk="0" hangingPunct="1">
+      <a:lvl9pPr marL="3657509" algn="l" defTabSz="914377" rtl="0" eaLnBrk="1" latinLnBrk="0" hangingPunct="1">
         <a:defRPr sz="1800" kern="1200">
           <a:solidFill>
             <a:schemeClr val="tx1"/>
@@ -2969,14 +2977,110 @@
       </p:grpSpPr>
       <p:pic>
         <p:nvPicPr>
-          <p:cNvPr id="5" name="Picture 4"/>
+          <p:cNvPr id="5122" name="Picture 2" descr="What is Big Tech's surveillance-based business model? - Amnesty  International"/>
+          <p:cNvPicPr>
+            <a:picLocks noChangeAspect="1" noChangeArrowheads="1"/>
+          </p:cNvPicPr>
+          <p:nvPr/>
+        </p:nvPicPr>
+        <p:blipFill>
+          <a:blip r:embed="rId2" cstate="print">
+            <a:extLst>
+              <a:ext uri="{28A0092B-C50C-407E-A947-70E740481C1C}">
+                <a14:useLocalDpi xmlns:a14="http://schemas.microsoft.com/office/drawing/2010/main" val="0"/>
+              </a:ext>
+            </a:extLst>
+          </a:blip>
+          <a:srcRect/>
+          <a:stretch>
+            <a:fillRect/>
+          </a:stretch>
+        </p:blipFill>
+        <p:spPr bwMode="auto">
+          <a:xfrm>
+            <a:off x="7809471" y="3585023"/>
+            <a:ext cx="4192728" cy="2061523"/>
+          </a:xfrm>
+          <a:prstGeom prst="rect">
+            <a:avLst/>
+          </a:prstGeom>
+          <a:noFill/>
+          <a:extLst>
+            <a:ext uri="{909E8E84-426E-40DD-AFC4-6F175D3DCCD1}">
+              <a14:hiddenFill xmlns:a14="http://schemas.microsoft.com/office/drawing/2010/main">
+                <a:solidFill>
+                  <a:srgbClr val="FFFFFF"/>
+                </a:solidFill>
+              </a14:hiddenFill>
+            </a:ext>
+          </a:extLst>
+        </p:spPr>
+      </p:pic>
+      <p:sp>
+        <p:nvSpPr>
+          <p:cNvPr id="2" name="Title 1"/>
+          <p:cNvSpPr>
+            <a:spLocks noGrp="1"/>
+          </p:cNvSpPr>
+          <p:nvPr>
+            <p:ph type="ctrTitle"/>
+          </p:nvPr>
+        </p:nvSpPr>
+        <p:spPr>
+          <a:xfrm>
+            <a:off x="749644" y="379314"/>
+            <a:ext cx="8748584" cy="782222"/>
+          </a:xfrm>
+        </p:spPr>
+        <p:txBody>
+          <a:bodyPr>
+            <a:normAutofit/>
+          </a:bodyPr>
+          <a:lstStyle/>
+          <a:p>
+            <a:pPr algn="l"/>
+            <a:r>
+              <a:rPr lang="en-US" sz="4400" dirty="0" smtClean="0"/>
+              <a:t>M</a:t>
+            </a:r>
+            <a:r>
+              <a:rPr lang="en-US" sz="4400" b="1" dirty="0" smtClean="0">
+                <a:solidFill>
+                  <a:srgbClr val="D8453E"/>
+                </a:solidFill>
+              </a:rPr>
+              <a:t>o</a:t>
+            </a:r>
+            <a:r>
+              <a:rPr lang="en-US" sz="4400" dirty="0" smtClean="0"/>
+              <a:t>tivati</a:t>
+            </a:r>
+            <a:r>
+              <a:rPr lang="en-US" sz="4400" b="1" dirty="0" smtClean="0">
+                <a:solidFill>
+                  <a:srgbClr val="F4D002"/>
+                </a:solidFill>
+              </a:rPr>
+              <a:t>o</a:t>
+            </a:r>
+            <a:r>
+              <a:rPr lang="en-US" sz="4400" dirty="0" smtClean="0"/>
+              <a:t>n</a:t>
+            </a:r>
+            <a:endParaRPr lang="en-US" sz="4400" dirty="0"/>
+          </a:p>
+        </p:txBody>
+      </p:sp>
+      <p:pic>
+        <p:nvPicPr>
+          <p:cNvPr id="4" name="Picture 3"/>
           <p:cNvPicPr>
             <a:picLocks noChangeAspect="1"/>
           </p:cNvPicPr>
           <p:nvPr/>
         </p:nvPicPr>
         <p:blipFill>
-          <a:blip r:embed="rId2">
+          <a:blip r:embed="rId3" cstate="print">
             <a:extLst>
               <a:ext uri="{28A0092B-C50C-407E-A947-70E740481C1C}">
                 <a14:useLocalDpi xmlns:a14="http://schemas.microsoft.com/office/drawing/2010/main" val="0"/>
@@ -2989,108 +3093,135 @@
         </p:blipFill>
         <p:spPr>
           <a:xfrm>
-            <a:off x="3284169" y="3500994"/>
-            <a:ext cx="8419600" cy="1628181"/>
+            <a:off x="8692906" y="717618"/>
+            <a:ext cx="1910447" cy="2367361"/>
           </a:xfrm>
           <a:prstGeom prst="rect">
             <a:avLst/>
           </a:prstGeom>
         </p:spPr>
       </p:pic>
-      <p:pic>
-        <p:nvPicPr>
-          <p:cNvPr id="6" name="Picture 5"/>
-          <p:cNvPicPr>
-            <a:picLocks noChangeAspect="1"/>
-          </p:cNvPicPr>
+      <p:sp>
+        <p:nvSpPr>
+          <p:cNvPr id="5" name="Subtitle 4"/>
+          <p:cNvSpPr>
+            <a:spLocks noGrp="1"/>
+          </p:cNvSpPr>
+          <p:nvPr>
+            <p:ph type="subTitle" idx="1"/>
+          </p:nvPr>
+        </p:nvSpPr>
+        <p:spPr>
+          <a:xfrm>
+            <a:off x="749646" y="1383957"/>
+            <a:ext cx="6746786" cy="4300151"/>
+          </a:xfrm>
+        </p:spPr>
+        <p:txBody>
+          <a:bodyPr>
+            <a:noAutofit/>
+          </a:bodyPr>
+          <a:lstStyle/>
+          <a:p>
+            <a:pPr marL="342900" indent="-342900" algn="l">
+              <a:buFont typeface="Arial" panose="020B0604020202020204" pitchFamily="34" charset="0"/>
+              <a:buChar char="•"/>
+            </a:pPr>
+            <a:r>
+              <a:rPr lang="en-US" dirty="0" smtClean="0"/>
+              <a:t>Digital </a:t>
+            </a:r>
+            <a:r>
+              <a:rPr lang="en-US" dirty="0"/>
+              <a:t>surveillance </a:t>
+            </a:r>
+            <a:r>
+              <a:rPr lang="en-US" dirty="0" smtClean="0"/>
+              <a:t>is the golden source to monitor the pandemics</a:t>
+            </a:r>
+          </a:p>
+          <a:p>
+            <a:pPr marL="342900" indent="-342900" algn="l">
+              <a:buFont typeface="Arial" panose="020B0604020202020204" pitchFamily="34" charset="0"/>
+              <a:buChar char="•"/>
+            </a:pPr>
+            <a:r>
+              <a:rPr lang="en-US" dirty="0" smtClean="0"/>
+              <a:t>Understand and enact on the true concerns of Milwaukee county citizens</a:t>
+            </a:r>
+          </a:p>
+          <a:p>
+            <a:pPr marL="342900" indent="-342900" algn="l">
+              <a:buFont typeface="Arial" panose="020B0604020202020204" pitchFamily="34" charset="0"/>
+              <a:buChar char="•"/>
+            </a:pPr>
+            <a:r>
+              <a:rPr lang="en-US" dirty="0" smtClean="0"/>
+              <a:t>Effective Test-Track-Treat</a:t>
+            </a:r>
+          </a:p>
+          <a:p>
+            <a:pPr marL="342900" indent="-342900" algn="l">
+              <a:buFont typeface="Arial" panose="020B0604020202020204" pitchFamily="34" charset="0"/>
+              <a:buChar char="•"/>
+            </a:pPr>
+            <a:r>
+              <a:rPr lang="en-US" dirty="0" smtClean="0"/>
+              <a:t>Design, target, and evaluate public education campaigns, Improve policy changes and prediction accuracy of models</a:t>
+            </a:r>
+          </a:p>
+        </p:txBody>
+      </p:sp>
+      <p:sp>
+        <p:nvSpPr>
+          <p:cNvPr id="7" name="Rectangle 6"/>
+          <p:cNvSpPr/>
           <p:nvPr/>
-        </p:nvPicPr>
-        <p:blipFill>
-          <a:blip r:embed="rId3">
-            <a:extLst>
-              <a:ext uri="{28A0092B-C50C-407E-A947-70E740481C1C}">
-                <a14:useLocalDpi xmlns:a14="http://schemas.microsoft.com/office/drawing/2010/main" val="0"/>
-              </a:ext>
-            </a:extLst>
-          </a:blip>
-          <a:stretch>
-            <a:fillRect/>
-          </a:stretch>
-        </p:blipFill>
-        <p:spPr>
-          <a:xfrm>
-            <a:off x="3284169" y="1872813"/>
-            <a:ext cx="8419600" cy="1628181"/>
+        </p:nvSpPr>
+        <p:spPr>
+          <a:xfrm>
+            <a:off x="0" y="0"/>
+            <a:ext cx="12192000" cy="6858000"/>
           </a:xfrm>
           <a:prstGeom prst="rect">
             <a:avLst/>
           </a:prstGeom>
-        </p:spPr>
-      </p:pic>
-      <p:pic>
-        <p:nvPicPr>
-          <p:cNvPr id="7" name="Picture 6"/>
-          <p:cNvPicPr>
-            <a:picLocks noChangeAspect="1"/>
-          </p:cNvPicPr>
-          <p:nvPr/>
-        </p:nvPicPr>
-        <p:blipFill>
-          <a:blip r:embed="rId4">
-            <a:extLst>
-              <a:ext uri="{28A0092B-C50C-407E-A947-70E740481C1C}">
-                <a14:useLocalDpi xmlns:a14="http://schemas.microsoft.com/office/drawing/2010/main" val="0"/>
-              </a:ext>
-            </a:extLst>
-          </a:blip>
-          <a:stretch>
-            <a:fillRect/>
-          </a:stretch>
-        </p:blipFill>
-        <p:spPr>
-          <a:xfrm>
-            <a:off x="3284170" y="5150273"/>
-            <a:ext cx="8419600" cy="1625349"/>
-          </a:xfrm>
-          <a:prstGeom prst="rect">
-            <a:avLst/>
-          </a:prstGeom>
-        </p:spPr>
-      </p:pic>
-      <p:pic>
-        <p:nvPicPr>
-          <p:cNvPr id="10" name="Picture 9"/>
-          <p:cNvPicPr>
-            <a:picLocks noChangeAspect="1"/>
-          </p:cNvPicPr>
-          <p:nvPr/>
-        </p:nvPicPr>
-        <p:blipFill>
-          <a:blip r:embed="rId5" cstate="print">
-            <a:extLst>
-              <a:ext uri="{28A0092B-C50C-407E-A947-70E740481C1C}">
-                <a14:useLocalDpi xmlns:a14="http://schemas.microsoft.com/office/drawing/2010/main" val="0"/>
-              </a:ext>
-            </a:extLst>
-          </a:blip>
-          <a:stretch>
-            <a:fillRect/>
-          </a:stretch>
-        </p:blipFill>
-        <p:spPr>
-          <a:xfrm>
-            <a:off x="2856066" y="104213"/>
-            <a:ext cx="9242854" cy="1768600"/>
-          </a:xfrm>
-          <a:prstGeom prst="rect">
-            <a:avLst/>
-          </a:prstGeom>
-        </p:spPr>
-      </p:pic>
+          <a:noFill/>
+          <a:ln w="60325">
+            <a:solidFill>
+              <a:srgbClr val="00461B"/>
+            </a:solidFill>
+          </a:ln>
+        </p:spPr>
+        <p:style>
+          <a:lnRef idx="2">
+            <a:schemeClr val="accent1">
+              <a:shade val="50000"/>
+            </a:schemeClr>
+          </a:lnRef>
+          <a:fillRef idx="1">
+            <a:schemeClr val="accent1"/>
+          </a:fillRef>
+          <a:effectRef idx="0">
+            <a:schemeClr val="accent1"/>
+          </a:effectRef>
+          <a:fontRef idx="minor">
+            <a:schemeClr val="lt1"/>
+          </a:fontRef>
+        </p:style>
+        <p:txBody>
+          <a:bodyPr rtlCol="0" anchor="ctr"/>
+          <a:lstStyle/>
+          <a:p>
+            <a:pPr algn="ctr"/>
+            <a:endParaRPr lang="en-US"/>
+          </a:p>
+        </p:txBody>
+      </p:sp>
     </p:spTree>
     <p:extLst>
       <p:ext uri="{BB962C8B-B14F-4D97-AF65-F5344CB8AC3E}">
-        <p14:creationId xmlns:p14="http://schemas.microsoft.com/office/powerpoint/2010/main" val="1254385945"/>
+        <p14:creationId xmlns:p14="http://schemas.microsoft.com/office/powerpoint/2010/main" val="2028706381"/>
       </p:ext>
     </p:extLst>
   </p:cSld>
@@ -3107,7 +3238,7 @@
 </p:sld>
 </file>
 
-<file path=ppt/slides/slide2.xml><?xml version="1.0" encoding="utf-8"?>
+<file path=ppt/slides/slide10.xml><?xml version="1.0" encoding="utf-8"?>
 <p:sld xmlns:a="http://schemas.openxmlformats.org/drawingml/2006/main" xmlns:r="http://schemas.openxmlformats.org/officeDocument/2006/relationships" xmlns:p="http://schemas.openxmlformats.org/presentationml/2006/main">
   <p:cSld>
     <p:spTree>
@@ -3136,143 +3267,25 @@
         </p:nvSpPr>
         <p:spPr>
           <a:xfrm>
-            <a:off x="838200" y="365126"/>
-            <a:ext cx="10515600" cy="475134"/>
+            <a:off x="414867" y="212725"/>
+            <a:ext cx="10515600" cy="587262"/>
           </a:xfrm>
         </p:spPr>
         <p:txBody>
           <a:bodyPr>
-            <a:normAutofit fontScale="90000"/>
+            <a:noAutofit/>
           </a:bodyPr>
           <a:lstStyle/>
           <a:p>
             <a:r>
               <a:rPr lang="en-US" dirty="0" smtClean="0"/>
-              <a:t>Difference-in-Difference</a:t>
+              <a:t>Correlation Takeaways 1 </a:t>
+            </a:r>
+            <a:r>
+              <a:rPr lang="en-US" sz="1200" dirty="0" smtClean="0"/>
+              <a:t>(SHORTNESS OF BREATH and PNEUMONIA)</a:t>
             </a:r>
             <a:endParaRPr lang="en-US" dirty="0"/>
-          </a:p>
-        </p:txBody>
-      </p:sp>
-      <p:pic>
-        <p:nvPicPr>
-          <p:cNvPr id="4" name="Picture 3"/>
-          <p:cNvPicPr>
-            <a:picLocks noChangeAspect="1"/>
-          </p:cNvPicPr>
-          <p:nvPr/>
-        </p:nvPicPr>
-        <p:blipFill rotWithShape="1">
-          <a:blip r:embed="rId2">
-            <a:extLst>
-              <a:ext uri="{28A0092B-C50C-407E-A947-70E740481C1C}">
-                <a14:useLocalDpi xmlns:a14="http://schemas.microsoft.com/office/drawing/2010/main" val="0"/>
-              </a:ext>
-            </a:extLst>
-          </a:blip>
-          <a:srcRect t="14835"/>
-          <a:stretch/>
-        </p:blipFill>
-        <p:spPr>
-          <a:xfrm>
-            <a:off x="5141251" y="1186254"/>
-            <a:ext cx="6976613" cy="5175158"/>
-          </a:xfrm>
-          <a:prstGeom prst="rect">
-            <a:avLst/>
-          </a:prstGeom>
-        </p:spPr>
-      </p:pic>
-      <p:sp>
-        <p:nvSpPr>
-          <p:cNvPr id="5" name="TextBox 4"/>
-          <p:cNvSpPr txBox="1"/>
-          <p:nvPr/>
-        </p:nvSpPr>
-        <p:spPr>
-          <a:xfrm>
-            <a:off x="5141251" y="924643"/>
-            <a:ext cx="7050749" cy="261610"/>
-          </a:xfrm>
-          <a:prstGeom prst="rect">
-            <a:avLst/>
-          </a:prstGeom>
-          <a:noFill/>
-        </p:spPr>
-        <p:txBody>
-          <a:bodyPr wrap="square" rtlCol="0">
-            <a:spAutoFit/>
-          </a:bodyPr>
-          <a:lstStyle/>
-          <a:p>
-            <a:r>
-              <a:rPr lang="en-US" sz="1100" dirty="0" smtClean="0"/>
-              <a:t>Impact of removing Mask Mandate on Symptom Searches (Milwaukee Vs. Other County with Continuous Mask Mandate)</a:t>
-            </a:r>
-            <a:endParaRPr lang="en-US" sz="1100" dirty="0"/>
-          </a:p>
-        </p:txBody>
-      </p:sp>
-    </p:spTree>
-    <p:extLst>
-      <p:ext uri="{BB962C8B-B14F-4D97-AF65-F5344CB8AC3E}">
-        <p14:creationId xmlns:p14="http://schemas.microsoft.com/office/powerpoint/2010/main" val="2001365770"/>
-      </p:ext>
-    </p:extLst>
-  </p:cSld>
-  <p:clrMapOvr>
-    <a:masterClrMapping/>
-  </p:clrMapOvr>
-  <p:timing>
-    <p:tnLst>
-      <p:par>
-        <p:cTn id="1" dur="indefinite" restart="never" nodeType="tmRoot"/>
-      </p:par>
-    </p:tnLst>
-  </p:timing>
-</p:sld>
-</file>
-
-<file path=ppt/slides/slide3.xml><?xml version="1.0" encoding="utf-8"?>
-<p:sld xmlns:a="http://schemas.openxmlformats.org/drawingml/2006/main" xmlns:r="http://schemas.openxmlformats.org/officeDocument/2006/relationships" xmlns:p="http://schemas.openxmlformats.org/presentationml/2006/main">
-  <p:cSld>
-    <p:spTree>
-      <p:nvGrpSpPr>
-        <p:cNvPr id="1" name=""/>
-        <p:cNvGrpSpPr/>
-        <p:nvPr/>
-      </p:nvGrpSpPr>
-      <p:grpSpPr>
-        <a:xfrm>
-          <a:off x="0" y="0"/>
-          <a:ext cx="0" cy="0"/>
-          <a:chOff x="0" y="0"/>
-          <a:chExt cx="0" cy="0"/>
-        </a:xfrm>
-      </p:grpSpPr>
-      <p:sp>
-        <p:nvSpPr>
-          <p:cNvPr id="2" name="Title 1"/>
-          <p:cNvSpPr>
-            <a:spLocks noGrp="1"/>
-          </p:cNvSpPr>
-          <p:nvPr>
-            <p:ph type="title"/>
-          </p:nvPr>
-        </p:nvSpPr>
-        <p:spPr>
-          <a:xfrm>
-            <a:off x="414867" y="212725"/>
-            <a:ext cx="10515600" cy="320675"/>
-          </a:xfrm>
-        </p:spPr>
-        <p:txBody>
-          <a:bodyPr>
-            <a:normAutofit fontScale="90000"/>
-          </a:bodyPr>
-          <a:lstStyle/>
-          <a:p>
-            <a:endParaRPr lang="en-US"/>
           </a:p>
         </p:txBody>
       </p:sp>
@@ -3297,8 +3310,8 @@
         </p:blipFill>
         <p:spPr>
           <a:xfrm>
-            <a:off x="7595285" y="799987"/>
-            <a:ext cx="4288781" cy="5647422"/>
+            <a:off x="3762195" y="799987"/>
+            <a:ext cx="4288781" cy="5647423"/>
           </a:xfrm>
           <a:prstGeom prst="rect">
             <a:avLst/>
@@ -3313,7 +3326,7 @@
         </p:nvSpPr>
         <p:spPr>
           <a:xfrm>
-            <a:off x="6606745" y="2496065"/>
+            <a:off x="2773655" y="2496066"/>
             <a:ext cx="1367481" cy="238897"/>
           </a:xfrm>
           <a:prstGeom prst="rect">
@@ -3322,9 +3335,7 @@
           <a:noFill/>
           <a:ln>
             <a:solidFill>
-              <a:schemeClr val="accent1">
-                <a:lumMod val="75000"/>
-              </a:schemeClr>
+              <a:srgbClr val="00461B"/>
             </a:solidFill>
           </a:ln>
         </p:spPr>
@@ -3345,23 +3356,23 @@
           </a:fontRef>
         </p:style>
         <p:txBody>
-          <a:bodyPr rtlCol="0" anchor="ctr"/>
+          <a:bodyPr rot="0" spcFirstLastPara="0" vertOverflow="overflow" horzOverflow="overflow" vert="horz" wrap="square" lIns="91440" tIns="45720" rIns="91440" bIns="45720" numCol="1" spcCol="0" rtlCol="0" fromWordArt="0" anchor="ctr" anchorCtr="0" forceAA="0" compatLnSpc="1">
+            <a:prstTxWarp prst="textNoShape">
+              <a:avLst/>
+            </a:prstTxWarp>
+            <a:noAutofit/>
+          </a:bodyPr>
           <a:lstStyle/>
           <a:p>
             <a:pPr algn="ctr"/>
             <a:r>
-              <a:rPr lang="en-US" sz="1000" dirty="0" smtClean="0">
+              <a:rPr lang="en-US" sz="1000" dirty="0">
                 <a:solidFill>
                   <a:schemeClr val="tx1"/>
                 </a:solidFill>
               </a:rPr>
               <a:t>Mask Mandate Started</a:t>
             </a:r>
-            <a:endParaRPr lang="en-US" sz="1000" dirty="0">
-              <a:solidFill>
-                <a:schemeClr val="tx1"/>
-              </a:solidFill>
-            </a:endParaRPr>
           </a:p>
         </p:txBody>
       </p:sp>
@@ -3373,7 +3384,7 @@
         </p:nvSpPr>
         <p:spPr>
           <a:xfrm>
-            <a:off x="6606745" y="4192143"/>
+            <a:off x="2773655" y="4192145"/>
             <a:ext cx="1367481" cy="238897"/>
           </a:xfrm>
           <a:prstGeom prst="rect">
@@ -3382,9 +3393,7 @@
           <a:noFill/>
           <a:ln>
             <a:solidFill>
-              <a:schemeClr val="accent1">
-                <a:lumMod val="75000"/>
-              </a:schemeClr>
+              <a:srgbClr val="00461B"/>
             </a:solidFill>
           </a:ln>
         </p:spPr>
@@ -3405,23 +3414,23 @@
           </a:fontRef>
         </p:style>
         <p:txBody>
-          <a:bodyPr rtlCol="0" anchor="ctr"/>
+          <a:bodyPr rot="0" spcFirstLastPara="0" vertOverflow="overflow" horzOverflow="overflow" vert="horz" wrap="square" lIns="91440" tIns="45720" rIns="91440" bIns="45720" numCol="1" spcCol="0" rtlCol="0" fromWordArt="0" anchor="ctr" anchorCtr="0" forceAA="0" compatLnSpc="1">
+            <a:prstTxWarp prst="textNoShape">
+              <a:avLst/>
+            </a:prstTxWarp>
+            <a:noAutofit/>
+          </a:bodyPr>
           <a:lstStyle/>
           <a:p>
             <a:pPr algn="ctr"/>
             <a:r>
-              <a:rPr lang="en-US" sz="1000" dirty="0" smtClean="0">
+              <a:rPr lang="en-US" sz="1000" dirty="0">
                 <a:solidFill>
                   <a:schemeClr val="tx1"/>
                 </a:solidFill>
               </a:rPr>
               <a:t>Mask Mandate Ended</a:t>
             </a:r>
-            <a:endParaRPr lang="en-US" sz="1000" dirty="0">
-              <a:solidFill>
-                <a:schemeClr val="tx1"/>
-              </a:solidFill>
-            </a:endParaRPr>
           </a:p>
         </p:txBody>
       </p:sp>
@@ -3433,7 +3442,7 @@
         </p:nvCxnSpPr>
         <p:spPr>
           <a:xfrm flipV="1">
-            <a:off x="7990702" y="2615513"/>
+            <a:off x="4157612" y="2615514"/>
             <a:ext cx="3253947" cy="1"/>
           </a:xfrm>
           <a:prstGeom prst="line">
@@ -3476,7 +3485,7 @@
         </p:nvCxnSpPr>
         <p:spPr>
           <a:xfrm flipV="1">
-            <a:off x="7982464" y="4311591"/>
+            <a:off x="4149374" y="4311593"/>
             <a:ext cx="3253947" cy="1"/>
           </a:xfrm>
           <a:prstGeom prst="line">
@@ -3519,7 +3528,7 @@
         </p:nvSpPr>
         <p:spPr>
           <a:xfrm>
-            <a:off x="6606744" y="3031065"/>
+            <a:off x="2773654" y="3031066"/>
             <a:ext cx="1367481" cy="238897"/>
           </a:xfrm>
           <a:prstGeom prst="rect">
@@ -3528,9 +3537,7 @@
           <a:noFill/>
           <a:ln>
             <a:solidFill>
-              <a:schemeClr val="accent1">
-                <a:lumMod val="75000"/>
-              </a:schemeClr>
+              <a:srgbClr val="00461B"/>
             </a:solidFill>
           </a:ln>
         </p:spPr>
@@ -3551,12 +3558,17 @@
           </a:fontRef>
         </p:style>
         <p:txBody>
-          <a:bodyPr rtlCol="0" anchor="ctr"/>
+          <a:bodyPr rot="0" spcFirstLastPara="0" vertOverflow="overflow" horzOverflow="overflow" vert="horz" wrap="square" lIns="91440" tIns="45720" rIns="91440" bIns="45720" numCol="1" spcCol="0" rtlCol="0" fromWordArt="0" anchor="ctr" anchorCtr="0" forceAA="0" compatLnSpc="1">
+            <a:prstTxWarp prst="textNoShape">
+              <a:avLst/>
+            </a:prstTxWarp>
+            <a:noAutofit/>
+          </a:bodyPr>
           <a:lstStyle/>
           <a:p>
             <a:pPr algn="ctr"/>
             <a:r>
-              <a:rPr lang="en-US" sz="1000" dirty="0" smtClean="0">
+              <a:rPr lang="en-US" sz="1000" dirty="0">
                 <a:solidFill>
                   <a:schemeClr val="tx1"/>
                 </a:solidFill>
@@ -3564,7 +3576,7 @@
               <a:t>5</a:t>
             </a:r>
             <a:r>
-              <a:rPr lang="en-US" sz="1000" baseline="30000" dirty="0" smtClean="0">
+              <a:rPr lang="en-US" sz="1000" baseline="30000" dirty="0">
                 <a:solidFill>
                   <a:schemeClr val="tx1"/>
                 </a:solidFill>
@@ -3572,18 +3584,13 @@
               <a:t>th</a:t>
             </a:r>
             <a:r>
-              <a:rPr lang="en-US" sz="1000" dirty="0" smtClean="0">
+              <a:rPr lang="en-US" sz="1000" dirty="0">
                 <a:solidFill>
                   <a:schemeClr val="tx1"/>
                 </a:solidFill>
               </a:rPr>
               <a:t> Change Point</a:t>
             </a:r>
-            <a:endParaRPr lang="en-US" sz="1000" dirty="0">
-              <a:solidFill>
-                <a:schemeClr val="tx1"/>
-              </a:solidFill>
-            </a:endParaRPr>
           </a:p>
         </p:txBody>
       </p:sp>
@@ -3595,7 +3602,7 @@
         </p:nvSpPr>
         <p:spPr>
           <a:xfrm>
-            <a:off x="6606743" y="3700504"/>
+            <a:off x="2773654" y="3700505"/>
             <a:ext cx="1367481" cy="238897"/>
           </a:xfrm>
           <a:prstGeom prst="rect">
@@ -3604,9 +3611,7 @@
           <a:noFill/>
           <a:ln>
             <a:solidFill>
-              <a:schemeClr val="accent1">
-                <a:lumMod val="75000"/>
-              </a:schemeClr>
+              <a:srgbClr val="00461B"/>
             </a:solidFill>
           </a:ln>
         </p:spPr>
@@ -3627,7 +3632,12 @@
           </a:fontRef>
         </p:style>
         <p:txBody>
-          <a:bodyPr rtlCol="0" anchor="ctr"/>
+          <a:bodyPr rot="0" spcFirstLastPara="0" vertOverflow="overflow" horzOverflow="overflow" vert="horz" wrap="square" lIns="91440" tIns="45720" rIns="91440" bIns="45720" numCol="1" spcCol="0" rtlCol="0" fromWordArt="0" anchor="ctr" anchorCtr="0" forceAA="0" compatLnSpc="1">
+            <a:prstTxWarp prst="textNoShape">
+              <a:avLst/>
+            </a:prstTxWarp>
+            <a:noAutofit/>
+          </a:bodyPr>
           <a:lstStyle/>
           <a:p>
             <a:pPr algn="ctr"/>
@@ -3640,7 +3650,7 @@
               <a:t>8</a:t>
             </a:r>
             <a:r>
-              <a:rPr lang="en-US" sz="1000" baseline="30000" dirty="0" smtClean="0">
+              <a:rPr lang="en-US" sz="1000" baseline="30000" dirty="0">
                 <a:solidFill>
                   <a:schemeClr val="tx1"/>
                 </a:solidFill>
@@ -3648,18 +3658,13 @@
               <a:t>th</a:t>
             </a:r>
             <a:r>
-              <a:rPr lang="en-US" sz="1000" dirty="0" smtClean="0">
+              <a:rPr lang="en-US" sz="1000" dirty="0">
                 <a:solidFill>
                   <a:schemeClr val="tx1"/>
                 </a:solidFill>
               </a:rPr>
               <a:t> Change Point</a:t>
             </a:r>
-            <a:endParaRPr lang="en-US" sz="1000" dirty="0">
-              <a:solidFill>
-                <a:schemeClr val="tx1"/>
-              </a:solidFill>
-            </a:endParaRPr>
           </a:p>
         </p:txBody>
       </p:sp>
@@ -3671,7 +3676,7 @@
         </p:nvCxnSpPr>
         <p:spPr>
           <a:xfrm flipV="1">
-            <a:off x="7970109" y="3816862"/>
+            <a:off x="4137018" y="3816864"/>
             <a:ext cx="3253947" cy="1"/>
           </a:xfrm>
           <a:prstGeom prst="line">
@@ -3709,7 +3714,320 @@
         </p:nvCxnSpPr>
         <p:spPr>
           <a:xfrm flipV="1">
-            <a:off x="7970109" y="3152227"/>
+            <a:off x="4137018" y="3152229"/>
+            <a:ext cx="3253947" cy="1"/>
+          </a:xfrm>
+          <a:prstGeom prst="line">
+            <a:avLst/>
+          </a:prstGeom>
+          <a:ln w="12700">
+            <a:solidFill>
+              <a:schemeClr val="accent2">
+                <a:lumMod val="50000"/>
+              </a:schemeClr>
+            </a:solidFill>
+            <a:prstDash val="sysDash"/>
+          </a:ln>
+        </p:spPr>
+        <p:style>
+          <a:lnRef idx="1">
+            <a:schemeClr val="accent3"/>
+          </a:lnRef>
+          <a:fillRef idx="0">
+            <a:schemeClr val="accent3"/>
+          </a:fillRef>
+          <a:effectRef idx="0">
+            <a:schemeClr val="accent3"/>
+          </a:effectRef>
+          <a:fontRef idx="minor">
+            <a:schemeClr val="tx1"/>
+          </a:fontRef>
+        </p:style>
+      </p:cxnSp>
+      <p:sp>
+        <p:nvSpPr>
+          <p:cNvPr id="18" name="Rectangle 17"/>
+          <p:cNvSpPr/>
+          <p:nvPr/>
+        </p:nvSpPr>
+        <p:spPr>
+          <a:xfrm>
+            <a:off x="414867" y="1523084"/>
+            <a:ext cx="2342311" cy="4401205"/>
+          </a:xfrm>
+          <a:prstGeom prst="rect">
+            <a:avLst/>
+          </a:prstGeom>
+        </p:spPr>
+        <p:txBody>
+          <a:bodyPr wrap="square">
+            <a:spAutoFit/>
+          </a:bodyPr>
+          <a:lstStyle/>
+          <a:p>
+            <a:pPr marL="285750" indent="-285750">
+              <a:buFont typeface="Arial" panose="020B0604020202020204" pitchFamily="34" charset="0"/>
+              <a:buChar char="•"/>
+            </a:pPr>
+            <a:r>
+              <a:rPr lang="en-US" sz="2000" dirty="0" smtClean="0"/>
+              <a:t>Shortness of Breath search term is strongly correlated with lag of 4 days when there is no mask mandate</a:t>
+            </a:r>
+          </a:p>
+          <a:p>
+            <a:pPr marL="285750" indent="-285750">
+              <a:buFont typeface="Arial" panose="020B0604020202020204" pitchFamily="34" charset="0"/>
+              <a:buChar char="•"/>
+            </a:pPr>
+            <a:endParaRPr lang="en-US" sz="2000" dirty="0" smtClean="0"/>
+          </a:p>
+          <a:p>
+            <a:pPr marL="285750" indent="-285750">
+              <a:buFont typeface="Arial" panose="020B0604020202020204" pitchFamily="34" charset="0"/>
+              <a:buChar char="•"/>
+            </a:pPr>
+            <a:r>
+              <a:rPr lang="en-US" sz="2000" dirty="0" smtClean="0"/>
+              <a:t>Pneumonia search term is highly correlated at day 11 with </a:t>
+            </a:r>
+            <a:r>
+              <a:rPr lang="en-US" sz="2000" b="1" dirty="0" smtClean="0">
+                <a:solidFill>
+                  <a:schemeClr val="accent1">
+                    <a:lumMod val="75000"/>
+                  </a:schemeClr>
+                </a:solidFill>
+              </a:rPr>
+              <a:t>confirmed cases </a:t>
+            </a:r>
+            <a:r>
+              <a:rPr lang="en-US" sz="2000" dirty="0" smtClean="0"/>
+              <a:t>and </a:t>
+            </a:r>
+            <a:r>
+              <a:rPr lang="en-US" sz="2000" b="1" dirty="0" smtClean="0">
+                <a:solidFill>
+                  <a:srgbClr val="D8453E"/>
+                </a:solidFill>
+              </a:rPr>
+              <a:t>fatalities</a:t>
+            </a:r>
+            <a:endParaRPr lang="en-US" sz="2000" b="1" dirty="0">
+              <a:solidFill>
+                <a:srgbClr val="D8453E"/>
+              </a:solidFill>
+            </a:endParaRPr>
+          </a:p>
+        </p:txBody>
+      </p:sp>
+      <p:sp>
+        <p:nvSpPr>
+          <p:cNvPr id="19" name="Rectangle 18"/>
+          <p:cNvSpPr/>
+          <p:nvPr/>
+        </p:nvSpPr>
+        <p:spPr>
+          <a:xfrm>
+            <a:off x="0" y="0"/>
+            <a:ext cx="12192000" cy="6858000"/>
+          </a:xfrm>
+          <a:prstGeom prst="rect">
+            <a:avLst/>
+          </a:prstGeom>
+          <a:noFill/>
+          <a:ln w="60325">
+            <a:solidFill>
+              <a:srgbClr val="00461B"/>
+            </a:solidFill>
+          </a:ln>
+        </p:spPr>
+        <p:style>
+          <a:lnRef idx="2">
+            <a:schemeClr val="accent1">
+              <a:shade val="50000"/>
+            </a:schemeClr>
+          </a:lnRef>
+          <a:fillRef idx="1">
+            <a:schemeClr val="accent1"/>
+          </a:fillRef>
+          <a:effectRef idx="0">
+            <a:schemeClr val="accent1"/>
+          </a:effectRef>
+          <a:fontRef idx="minor">
+            <a:schemeClr val="lt1"/>
+          </a:fontRef>
+        </p:style>
+        <p:txBody>
+          <a:bodyPr rtlCol="0" anchor="ctr"/>
+          <a:lstStyle/>
+          <a:p>
+            <a:pPr algn="ctr"/>
+            <a:endParaRPr lang="en-US"/>
+          </a:p>
+        </p:txBody>
+      </p:sp>
+      <p:pic>
+        <p:nvPicPr>
+          <p:cNvPr id="20" name="Picture 19"/>
+          <p:cNvPicPr>
+            <a:picLocks noChangeAspect="1"/>
+          </p:cNvPicPr>
+          <p:nvPr/>
+        </p:nvPicPr>
+        <p:blipFill rotWithShape="1">
+          <a:blip r:embed="rId3">
+            <a:extLst>
+              <a:ext uri="{28A0092B-C50C-407E-A947-70E740481C1C}">
+                <a14:useLocalDpi xmlns:a14="http://schemas.microsoft.com/office/drawing/2010/main" val="0"/>
+              </a:ext>
+            </a:extLst>
+          </a:blip>
+          <a:srcRect t="11651"/>
+          <a:stretch/>
+        </p:blipFill>
+        <p:spPr>
+          <a:xfrm>
+            <a:off x="7982465" y="799987"/>
+            <a:ext cx="4091063" cy="5646865"/>
+          </a:xfrm>
+          <a:prstGeom prst="rect">
+            <a:avLst/>
+          </a:prstGeom>
+        </p:spPr>
+      </p:pic>
+      <p:cxnSp>
+        <p:nvCxnSpPr>
+          <p:cNvPr id="23" name="Straight Connector 22"/>
+          <p:cNvCxnSpPr/>
+          <p:nvPr/>
+        </p:nvCxnSpPr>
+        <p:spPr>
+          <a:xfrm flipV="1">
+            <a:off x="7990703" y="2615514"/>
+            <a:ext cx="3253947" cy="1"/>
+          </a:xfrm>
+          <a:prstGeom prst="line">
+            <a:avLst/>
+          </a:prstGeom>
+          <a:ln>
+            <a:solidFill>
+              <a:srgbClr val="FFFF00"/>
+            </a:solidFill>
+          </a:ln>
+          <a:effectLst>
+            <a:glow rad="63500">
+              <a:schemeClr val="accent4">
+                <a:satMod val="175000"/>
+                <a:alpha val="40000"/>
+              </a:schemeClr>
+            </a:glow>
+          </a:effectLst>
+        </p:spPr>
+        <p:style>
+          <a:lnRef idx="3">
+            <a:schemeClr val="accent2"/>
+          </a:lnRef>
+          <a:fillRef idx="0">
+            <a:schemeClr val="accent2"/>
+          </a:fillRef>
+          <a:effectRef idx="2">
+            <a:schemeClr val="accent2"/>
+          </a:effectRef>
+          <a:fontRef idx="minor">
+            <a:schemeClr val="tx1"/>
+          </a:fontRef>
+        </p:style>
+      </p:cxnSp>
+      <p:cxnSp>
+        <p:nvCxnSpPr>
+          <p:cNvPr id="24" name="Straight Connector 23"/>
+          <p:cNvCxnSpPr/>
+          <p:nvPr/>
+        </p:nvCxnSpPr>
+        <p:spPr>
+          <a:xfrm flipV="1">
+            <a:off x="7982465" y="4311593"/>
+            <a:ext cx="3253947" cy="1"/>
+          </a:xfrm>
+          <a:prstGeom prst="line">
+            <a:avLst/>
+          </a:prstGeom>
+          <a:ln>
+            <a:solidFill>
+              <a:srgbClr val="FFFF00"/>
+            </a:solidFill>
+          </a:ln>
+          <a:effectLst>
+            <a:glow rad="63500">
+              <a:schemeClr val="accent4">
+                <a:satMod val="175000"/>
+                <a:alpha val="40000"/>
+              </a:schemeClr>
+            </a:glow>
+          </a:effectLst>
+        </p:spPr>
+        <p:style>
+          <a:lnRef idx="3">
+            <a:schemeClr val="accent2"/>
+          </a:lnRef>
+          <a:fillRef idx="0">
+            <a:schemeClr val="accent2"/>
+          </a:fillRef>
+          <a:effectRef idx="2">
+            <a:schemeClr val="accent2"/>
+          </a:effectRef>
+          <a:fontRef idx="minor">
+            <a:schemeClr val="tx1"/>
+          </a:fontRef>
+        </p:style>
+      </p:cxnSp>
+      <p:cxnSp>
+        <p:nvCxnSpPr>
+          <p:cNvPr id="27" name="Straight Connector 26"/>
+          <p:cNvCxnSpPr/>
+          <p:nvPr/>
+        </p:nvCxnSpPr>
+        <p:spPr>
+          <a:xfrm flipV="1">
+            <a:off x="7970109" y="3816864"/>
+            <a:ext cx="3253947" cy="1"/>
+          </a:xfrm>
+          <a:prstGeom prst="line">
+            <a:avLst/>
+          </a:prstGeom>
+          <a:ln w="12700">
+            <a:solidFill>
+              <a:schemeClr val="accent2">
+                <a:lumMod val="50000"/>
+              </a:schemeClr>
+            </a:solidFill>
+            <a:prstDash val="sysDash"/>
+          </a:ln>
+        </p:spPr>
+        <p:style>
+          <a:lnRef idx="1">
+            <a:schemeClr val="accent3"/>
+          </a:lnRef>
+          <a:fillRef idx="0">
+            <a:schemeClr val="accent3"/>
+          </a:fillRef>
+          <a:effectRef idx="0">
+            <a:schemeClr val="accent3"/>
+          </a:effectRef>
+          <a:fontRef idx="minor">
+            <a:schemeClr val="tx1"/>
+          </a:fontRef>
+        </p:style>
+      </p:cxnSp>
+      <p:cxnSp>
+        <p:nvCxnSpPr>
+          <p:cNvPr id="28" name="Straight Connector 27"/>
+          <p:cNvCxnSpPr/>
+          <p:nvPr/>
+        </p:nvCxnSpPr>
+        <p:spPr>
+          <a:xfrm flipV="1">
+            <a:off x="7970109" y="3152229"/>
             <a:ext cx="3253947" cy="1"/>
           </a:xfrm>
           <a:prstGeom prst="line">
@@ -3759,7 +4077,7 @@
 </p:sld>
 </file>
 
-<file path=ppt/slides/slide4.xml><?xml version="1.0" encoding="utf-8"?>
+<file path=ppt/slides/slide11.xml><?xml version="1.0" encoding="utf-8"?>
 <p:sld xmlns:a="http://schemas.openxmlformats.org/drawingml/2006/main" xmlns:r="http://schemas.openxmlformats.org/officeDocument/2006/relationships" xmlns:p="http://schemas.openxmlformats.org/presentationml/2006/main">
   <p:cSld>
     <p:spTree>
@@ -3778,7 +4096,3488 @@
       </p:grpSpPr>
       <p:pic>
         <p:nvPicPr>
+          <p:cNvPr id="9" name="Picture 8"/>
+          <p:cNvPicPr>
+            <a:picLocks noChangeAspect="1"/>
+          </p:cNvPicPr>
+          <p:nvPr/>
+        </p:nvPicPr>
+        <p:blipFill>
+          <a:blip r:embed="rId2">
+            <a:extLst>
+              <a:ext uri="{28A0092B-C50C-407E-A947-70E740481C1C}">
+                <a14:useLocalDpi xmlns:a14="http://schemas.microsoft.com/office/drawing/2010/main" val="0"/>
+              </a:ext>
+            </a:extLst>
+          </a:blip>
+          <a:stretch>
+            <a:fillRect/>
+          </a:stretch>
+        </p:blipFill>
+        <p:spPr>
+          <a:xfrm>
+            <a:off x="866041" y="1485313"/>
+            <a:ext cx="10399659" cy="4334987"/>
+          </a:xfrm>
+          <a:prstGeom prst="rect">
+            <a:avLst/>
+          </a:prstGeom>
+        </p:spPr>
+      </p:pic>
+      <p:cxnSp>
+        <p:nvCxnSpPr>
+          <p:cNvPr id="11" name="Straight Arrow Connector 10"/>
+          <p:cNvCxnSpPr/>
+          <p:nvPr/>
+        </p:nvCxnSpPr>
+        <p:spPr>
+          <a:xfrm flipH="1" flipV="1">
+            <a:off x="3833061" y="1415977"/>
+            <a:ext cx="2342" cy="252420"/>
+          </a:xfrm>
+          <a:prstGeom prst="straightConnector1">
+            <a:avLst/>
+          </a:prstGeom>
+          <a:ln>
+            <a:solidFill>
+              <a:schemeClr val="tx1"/>
+            </a:solidFill>
+            <a:tailEnd type="triangle"/>
+          </a:ln>
+        </p:spPr>
+        <p:style>
+          <a:lnRef idx="1">
+            <a:schemeClr val="accent1"/>
+          </a:lnRef>
+          <a:fillRef idx="0">
+            <a:schemeClr val="accent1"/>
+          </a:fillRef>
+          <a:effectRef idx="0">
+            <a:schemeClr val="accent1"/>
+          </a:effectRef>
+          <a:fontRef idx="minor">
+            <a:schemeClr val="tx1"/>
+          </a:fontRef>
+        </p:style>
+      </p:cxnSp>
+      <p:sp>
+        <p:nvSpPr>
+          <p:cNvPr id="16" name="Rectangle 15"/>
+          <p:cNvSpPr/>
+          <p:nvPr/>
+        </p:nvSpPr>
+        <p:spPr>
+          <a:xfrm>
+            <a:off x="2522121" y="937867"/>
+            <a:ext cx="1940927" cy="497643"/>
+          </a:xfrm>
+          <a:prstGeom prst="rect">
+            <a:avLst/>
+          </a:prstGeom>
+          <a:noFill/>
+          <a:ln>
+            <a:noFill/>
+          </a:ln>
+        </p:spPr>
+        <p:style>
+          <a:lnRef idx="2">
+            <a:schemeClr val="accent1">
+              <a:shade val="50000"/>
+            </a:schemeClr>
+          </a:lnRef>
+          <a:fillRef idx="1">
+            <a:schemeClr val="accent1"/>
+          </a:fillRef>
+          <a:effectRef idx="0">
+            <a:schemeClr val="accent1"/>
+          </a:effectRef>
+          <a:fontRef idx="minor">
+            <a:schemeClr val="lt1"/>
+          </a:fontRef>
+        </p:style>
+        <p:txBody>
+          <a:bodyPr rot="0" spcFirstLastPara="0" vertOverflow="overflow" horzOverflow="overflow" vert="horz" wrap="square" lIns="91440" tIns="45720" rIns="91440" bIns="45720" numCol="1" spcCol="0" rtlCol="0" fromWordArt="0" anchor="ctr" anchorCtr="0" forceAA="0" compatLnSpc="1">
+            <a:prstTxWarp prst="textNoShape">
+              <a:avLst/>
+            </a:prstTxWarp>
+            <a:noAutofit/>
+          </a:bodyPr>
+          <a:lstStyle/>
+          <a:p>
+            <a:r>
+              <a:rPr lang="en-US" sz="800" b="1" dirty="0">
+                <a:solidFill>
+                  <a:schemeClr val="tx1"/>
+                </a:solidFill>
+              </a:rPr>
+              <a:t>March 5</a:t>
+            </a:r>
+            <a:r>
+              <a:rPr lang="en-US" sz="800" b="1" baseline="30000" dirty="0">
+                <a:solidFill>
+                  <a:schemeClr val="tx1"/>
+                </a:solidFill>
+              </a:rPr>
+              <a:t>th</a:t>
+            </a:r>
+            <a:r>
+              <a:rPr lang="en-US" sz="800" b="1" dirty="0">
+                <a:solidFill>
+                  <a:schemeClr val="tx1"/>
+                </a:solidFill>
+              </a:rPr>
+              <a:t>:</a:t>
+            </a:r>
+            <a:br>
+              <a:rPr lang="en-US" sz="800" b="1" dirty="0">
+                <a:solidFill>
+                  <a:schemeClr val="tx1"/>
+                </a:solidFill>
+              </a:rPr>
+            </a:br>
+            <a:r>
+              <a:rPr lang="en-US" sz="800" b="1" dirty="0">
+                <a:solidFill>
+                  <a:schemeClr val="tx1"/>
+                </a:solidFill>
+              </a:rPr>
+              <a:t>Delayed skin reactions reported in County after first dose Moderna vaccines</a:t>
+            </a:r>
+          </a:p>
+        </p:txBody>
+      </p:sp>
+      <p:cxnSp>
+        <p:nvCxnSpPr>
+          <p:cNvPr id="18" name="Straight Arrow Connector 17"/>
+          <p:cNvCxnSpPr/>
+          <p:nvPr/>
+        </p:nvCxnSpPr>
+        <p:spPr>
+          <a:xfrm flipV="1">
+            <a:off x="4622427" y="1377683"/>
+            <a:ext cx="1" cy="985668"/>
+          </a:xfrm>
+          <a:prstGeom prst="straightConnector1">
+            <a:avLst/>
+          </a:prstGeom>
+          <a:ln>
+            <a:solidFill>
+              <a:schemeClr val="tx1"/>
+            </a:solidFill>
+            <a:tailEnd type="triangle"/>
+          </a:ln>
+        </p:spPr>
+        <p:style>
+          <a:lnRef idx="1">
+            <a:schemeClr val="accent1"/>
+          </a:lnRef>
+          <a:fillRef idx="0">
+            <a:schemeClr val="accent1"/>
+          </a:fillRef>
+          <a:effectRef idx="0">
+            <a:schemeClr val="accent1"/>
+          </a:effectRef>
+          <a:fontRef idx="minor">
+            <a:schemeClr val="tx1"/>
+          </a:fontRef>
+        </p:style>
+      </p:cxnSp>
+      <p:sp>
+        <p:nvSpPr>
+          <p:cNvPr id="19" name="Rectangle 18"/>
+          <p:cNvSpPr/>
+          <p:nvPr/>
+        </p:nvSpPr>
+        <p:spPr>
+          <a:xfrm>
+            <a:off x="4520831" y="879538"/>
+            <a:ext cx="1253067" cy="465667"/>
+          </a:xfrm>
+          <a:prstGeom prst="rect">
+            <a:avLst/>
+          </a:prstGeom>
+          <a:noFill/>
+          <a:ln>
+            <a:solidFill>
+              <a:schemeClr val="bg1"/>
+            </a:solidFill>
+          </a:ln>
+        </p:spPr>
+        <p:style>
+          <a:lnRef idx="2">
+            <a:schemeClr val="accent1">
+              <a:shade val="50000"/>
+            </a:schemeClr>
+          </a:lnRef>
+          <a:fillRef idx="1">
+            <a:schemeClr val="accent1"/>
+          </a:fillRef>
+          <a:effectRef idx="0">
+            <a:schemeClr val="accent1"/>
+          </a:effectRef>
+          <a:fontRef idx="minor">
+            <a:schemeClr val="lt1"/>
+          </a:fontRef>
+        </p:style>
+        <p:txBody>
+          <a:bodyPr rot="0" spcFirstLastPara="0" vertOverflow="overflow" horzOverflow="overflow" vert="horz" wrap="square" lIns="91440" tIns="45720" rIns="91440" bIns="45720" numCol="1" spcCol="0" rtlCol="0" fromWordArt="0" anchor="ctr" anchorCtr="0" forceAA="0" compatLnSpc="1">
+            <a:prstTxWarp prst="textNoShape">
+              <a:avLst/>
+            </a:prstTxWarp>
+            <a:noAutofit/>
+          </a:bodyPr>
+          <a:lstStyle/>
+          <a:p>
+            <a:r>
+              <a:rPr lang="en-US" sz="800" b="1" dirty="0">
+                <a:solidFill>
+                  <a:schemeClr val="tx1"/>
+                </a:solidFill>
+              </a:rPr>
+              <a:t>April 13</a:t>
+            </a:r>
+            <a:r>
+              <a:rPr lang="en-US" sz="800" b="1" baseline="30000" dirty="0">
+                <a:solidFill>
+                  <a:schemeClr val="tx1"/>
+                </a:solidFill>
+              </a:rPr>
+              <a:t>th</a:t>
+            </a:r>
+            <a:r>
+              <a:rPr lang="en-US" sz="800" b="1" dirty="0">
+                <a:solidFill>
+                  <a:schemeClr val="tx1"/>
+                </a:solidFill>
+              </a:rPr>
+              <a:t>:</a:t>
+            </a:r>
+            <a:br>
+              <a:rPr lang="en-US" sz="800" b="1" dirty="0">
+                <a:solidFill>
+                  <a:schemeClr val="tx1"/>
+                </a:solidFill>
+              </a:rPr>
+            </a:br>
+            <a:r>
+              <a:rPr lang="en-US" sz="800" b="1" dirty="0">
+                <a:solidFill>
+                  <a:schemeClr val="tx1"/>
+                </a:solidFill>
+              </a:rPr>
+              <a:t>CDC, FDA recommend pausing J&amp;J vaccine</a:t>
+            </a:r>
+          </a:p>
+        </p:txBody>
+      </p:sp>
+      <p:cxnSp>
+        <p:nvCxnSpPr>
+          <p:cNvPr id="21" name="Straight Arrow Connector 20"/>
+          <p:cNvCxnSpPr/>
+          <p:nvPr/>
+        </p:nvCxnSpPr>
+        <p:spPr>
+          <a:xfrm>
+            <a:off x="5672297" y="5538351"/>
+            <a:ext cx="0" cy="434009"/>
+          </a:xfrm>
+          <a:prstGeom prst="straightConnector1">
+            <a:avLst/>
+          </a:prstGeom>
+          <a:ln>
+            <a:solidFill>
+              <a:schemeClr val="tx1"/>
+            </a:solidFill>
+            <a:tailEnd type="triangle"/>
+          </a:ln>
+        </p:spPr>
+        <p:style>
+          <a:lnRef idx="1">
+            <a:schemeClr val="accent1"/>
+          </a:lnRef>
+          <a:fillRef idx="0">
+            <a:schemeClr val="accent1"/>
+          </a:fillRef>
+          <a:effectRef idx="0">
+            <a:schemeClr val="accent1"/>
+          </a:effectRef>
+          <a:fontRef idx="minor">
+            <a:schemeClr val="tx1"/>
+          </a:fontRef>
+        </p:style>
+      </p:cxnSp>
+      <p:sp>
+        <p:nvSpPr>
+          <p:cNvPr id="25" name="Rectangle 24"/>
+          <p:cNvSpPr/>
+          <p:nvPr/>
+        </p:nvSpPr>
+        <p:spPr>
+          <a:xfrm>
+            <a:off x="5545300" y="6031625"/>
+            <a:ext cx="1160301" cy="657036"/>
+          </a:xfrm>
+          <a:prstGeom prst="rect">
+            <a:avLst/>
+          </a:prstGeom>
+          <a:noFill/>
+          <a:ln>
+            <a:noFill/>
+          </a:ln>
+        </p:spPr>
+        <p:style>
+          <a:lnRef idx="2">
+            <a:schemeClr val="accent1">
+              <a:shade val="50000"/>
+            </a:schemeClr>
+          </a:lnRef>
+          <a:fillRef idx="1">
+            <a:schemeClr val="accent1"/>
+          </a:fillRef>
+          <a:effectRef idx="0">
+            <a:schemeClr val="accent1"/>
+          </a:effectRef>
+          <a:fontRef idx="minor">
+            <a:schemeClr val="lt1"/>
+          </a:fontRef>
+        </p:style>
+        <p:txBody>
+          <a:bodyPr rot="0" spcFirstLastPara="0" vertOverflow="overflow" horzOverflow="overflow" vert="horz" wrap="square" lIns="91440" tIns="45720" rIns="91440" bIns="45720" numCol="1" spcCol="0" rtlCol="0" fromWordArt="0" anchor="ctr" anchorCtr="0" forceAA="0" compatLnSpc="1">
+            <a:prstTxWarp prst="textNoShape">
+              <a:avLst/>
+            </a:prstTxWarp>
+            <a:noAutofit/>
+          </a:bodyPr>
+          <a:lstStyle/>
+          <a:p>
+            <a:r>
+              <a:rPr lang="en-US" sz="800" b="1" dirty="0">
+                <a:solidFill>
+                  <a:schemeClr val="tx1"/>
+                </a:solidFill>
+              </a:rPr>
+              <a:t>May 5</a:t>
+            </a:r>
+            <a:r>
+              <a:rPr lang="en-US" sz="800" b="1" baseline="30000" dirty="0">
+                <a:solidFill>
+                  <a:schemeClr val="tx1"/>
+                </a:solidFill>
+              </a:rPr>
+              <a:t>th</a:t>
+            </a:r>
+            <a:r>
+              <a:rPr lang="en-US" sz="800" b="1" dirty="0">
+                <a:solidFill>
+                  <a:schemeClr val="tx1"/>
+                </a:solidFill>
+              </a:rPr>
+              <a:t>: </a:t>
+            </a:r>
+            <a:br>
+              <a:rPr lang="en-US" sz="800" b="1" dirty="0">
+                <a:solidFill>
+                  <a:schemeClr val="tx1"/>
+                </a:solidFill>
+              </a:rPr>
+            </a:br>
+            <a:r>
+              <a:rPr lang="en-US" sz="800" b="1" dirty="0">
+                <a:solidFill>
+                  <a:schemeClr val="tx1"/>
+                </a:solidFill>
+              </a:rPr>
+              <a:t>Pause on J&amp;J COVID-19 vaccine lifted and Alpha variant detected</a:t>
+            </a:r>
+          </a:p>
+        </p:txBody>
+      </p:sp>
+      <p:cxnSp>
+        <p:nvCxnSpPr>
+          <p:cNvPr id="26" name="Straight Arrow Connector 25"/>
+          <p:cNvCxnSpPr/>
+          <p:nvPr/>
+        </p:nvCxnSpPr>
+        <p:spPr>
+          <a:xfrm>
+            <a:off x="5147365" y="5532091"/>
+            <a:ext cx="369" cy="440267"/>
+          </a:xfrm>
+          <a:prstGeom prst="straightConnector1">
+            <a:avLst/>
+          </a:prstGeom>
+          <a:ln>
+            <a:solidFill>
+              <a:schemeClr val="tx1"/>
+            </a:solidFill>
+            <a:tailEnd type="triangle"/>
+          </a:ln>
+        </p:spPr>
+        <p:style>
+          <a:lnRef idx="1">
+            <a:schemeClr val="accent1"/>
+          </a:lnRef>
+          <a:fillRef idx="0">
+            <a:schemeClr val="accent1"/>
+          </a:fillRef>
+          <a:effectRef idx="0">
+            <a:schemeClr val="accent1"/>
+          </a:effectRef>
+          <a:fontRef idx="minor">
+            <a:schemeClr val="tx1"/>
+          </a:fontRef>
+        </p:style>
+      </p:cxnSp>
+      <p:sp>
+        <p:nvSpPr>
+          <p:cNvPr id="27" name="Rectangle 26"/>
+          <p:cNvSpPr/>
+          <p:nvPr/>
+        </p:nvSpPr>
+        <p:spPr>
+          <a:xfrm>
+            <a:off x="4622428" y="6057027"/>
+            <a:ext cx="922873" cy="734391"/>
+          </a:xfrm>
+          <a:prstGeom prst="rect">
+            <a:avLst/>
+          </a:prstGeom>
+          <a:noFill/>
+          <a:ln>
+            <a:noFill/>
+          </a:ln>
+        </p:spPr>
+        <p:style>
+          <a:lnRef idx="2">
+            <a:schemeClr val="accent1">
+              <a:shade val="50000"/>
+            </a:schemeClr>
+          </a:lnRef>
+          <a:fillRef idx="1">
+            <a:schemeClr val="accent1"/>
+          </a:fillRef>
+          <a:effectRef idx="0">
+            <a:schemeClr val="accent1"/>
+          </a:effectRef>
+          <a:fontRef idx="minor">
+            <a:schemeClr val="lt1"/>
+          </a:fontRef>
+        </p:style>
+        <p:txBody>
+          <a:bodyPr rot="0" spcFirstLastPara="0" vertOverflow="overflow" horzOverflow="overflow" vert="horz" wrap="square" lIns="91440" tIns="45720" rIns="91440" bIns="45720" numCol="1" spcCol="0" rtlCol="0" fromWordArt="0" anchor="ctr" anchorCtr="0" forceAA="0" compatLnSpc="1">
+            <a:prstTxWarp prst="textNoShape">
+              <a:avLst/>
+            </a:prstTxWarp>
+            <a:noAutofit/>
+          </a:bodyPr>
+          <a:lstStyle/>
+          <a:p>
+            <a:r>
+              <a:rPr lang="en-US" sz="800" b="1" dirty="0">
+                <a:solidFill>
+                  <a:schemeClr val="tx1"/>
+                </a:solidFill>
+              </a:rPr>
+              <a:t>April 19</a:t>
+            </a:r>
+            <a:r>
+              <a:rPr lang="en-US" sz="800" b="1" baseline="30000" dirty="0">
+                <a:solidFill>
+                  <a:schemeClr val="tx1"/>
+                </a:solidFill>
+              </a:rPr>
+              <a:t>th</a:t>
+            </a:r>
+            <a:r>
+              <a:rPr lang="en-US" sz="800" b="1" dirty="0">
+                <a:solidFill>
+                  <a:schemeClr val="tx1"/>
+                </a:solidFill>
+              </a:rPr>
+              <a:t>:</a:t>
+            </a:r>
+            <a:br>
+              <a:rPr lang="en-US" sz="800" b="1" dirty="0">
+                <a:solidFill>
+                  <a:schemeClr val="tx1"/>
+                </a:solidFill>
+              </a:rPr>
+            </a:br>
+            <a:r>
+              <a:rPr lang="en-US" sz="800" b="1" dirty="0">
+                <a:solidFill>
+                  <a:schemeClr val="tx1"/>
+                </a:solidFill>
+              </a:rPr>
+              <a:t>Vaccine eligibility for all adults announced in Milwaukee County</a:t>
+            </a:r>
+          </a:p>
+        </p:txBody>
+      </p:sp>
+      <p:cxnSp>
+        <p:nvCxnSpPr>
+          <p:cNvPr id="30" name="Straight Arrow Connector 29"/>
+          <p:cNvCxnSpPr/>
+          <p:nvPr/>
+        </p:nvCxnSpPr>
+        <p:spPr>
+          <a:xfrm>
+            <a:off x="7799391" y="4801749"/>
+            <a:ext cx="18317" cy="1170609"/>
+          </a:xfrm>
+          <a:prstGeom prst="straightConnector1">
+            <a:avLst/>
+          </a:prstGeom>
+          <a:ln>
+            <a:solidFill>
+              <a:schemeClr val="tx1"/>
+            </a:solidFill>
+            <a:tailEnd type="triangle"/>
+          </a:ln>
+        </p:spPr>
+        <p:style>
+          <a:lnRef idx="1">
+            <a:schemeClr val="accent1"/>
+          </a:lnRef>
+          <a:fillRef idx="0">
+            <a:schemeClr val="accent1"/>
+          </a:fillRef>
+          <a:effectRef idx="0">
+            <a:schemeClr val="accent1"/>
+          </a:effectRef>
+          <a:fontRef idx="minor">
+            <a:schemeClr val="tx1"/>
+          </a:fontRef>
+        </p:style>
+      </p:cxnSp>
+      <p:sp>
+        <p:nvSpPr>
+          <p:cNvPr id="31" name="Rectangle 30"/>
+          <p:cNvSpPr/>
+          <p:nvPr/>
+        </p:nvSpPr>
+        <p:spPr>
+          <a:xfrm>
+            <a:off x="7682811" y="5992048"/>
+            <a:ext cx="1073311" cy="465667"/>
+          </a:xfrm>
+          <a:prstGeom prst="rect">
+            <a:avLst/>
+          </a:prstGeom>
+          <a:noFill/>
+          <a:ln>
+            <a:noFill/>
+          </a:ln>
+        </p:spPr>
+        <p:style>
+          <a:lnRef idx="2">
+            <a:schemeClr val="accent1">
+              <a:shade val="50000"/>
+            </a:schemeClr>
+          </a:lnRef>
+          <a:fillRef idx="1">
+            <a:schemeClr val="accent1"/>
+          </a:fillRef>
+          <a:effectRef idx="0">
+            <a:schemeClr val="accent1"/>
+          </a:effectRef>
+          <a:fontRef idx="minor">
+            <a:schemeClr val="lt1"/>
+          </a:fontRef>
+        </p:style>
+        <p:txBody>
+          <a:bodyPr rot="0" spcFirstLastPara="0" vertOverflow="overflow" horzOverflow="overflow" vert="horz" wrap="square" lIns="91440" tIns="45720" rIns="91440" bIns="45720" numCol="1" spcCol="0" rtlCol="0" fromWordArt="0" anchor="ctr" anchorCtr="0" forceAA="0" compatLnSpc="1">
+            <a:prstTxWarp prst="textNoShape">
+              <a:avLst/>
+            </a:prstTxWarp>
+            <a:noAutofit/>
+          </a:bodyPr>
+          <a:lstStyle/>
+          <a:p>
+            <a:r>
+              <a:rPr lang="en-US" sz="800" b="1" dirty="0">
+                <a:solidFill>
+                  <a:schemeClr val="tx1"/>
+                </a:solidFill>
+              </a:rPr>
+              <a:t>May 5</a:t>
+            </a:r>
+            <a:r>
+              <a:rPr lang="en-US" sz="800" b="1" baseline="30000" dirty="0">
+                <a:solidFill>
+                  <a:schemeClr val="tx1"/>
+                </a:solidFill>
+              </a:rPr>
+              <a:t>th</a:t>
+            </a:r>
+            <a:r>
+              <a:rPr lang="en-US" sz="800" b="1" dirty="0">
+                <a:solidFill>
+                  <a:schemeClr val="tx1"/>
+                </a:solidFill>
+              </a:rPr>
+              <a:t>: </a:t>
+            </a:r>
+            <a:br>
+              <a:rPr lang="en-US" sz="800" b="1" dirty="0">
+                <a:solidFill>
+                  <a:schemeClr val="tx1"/>
+                </a:solidFill>
+              </a:rPr>
+            </a:br>
+            <a:r>
+              <a:rPr lang="en-US" sz="800" b="1" dirty="0">
+                <a:solidFill>
+                  <a:schemeClr val="tx1"/>
+                </a:solidFill>
+              </a:rPr>
+              <a:t>Pause on J&amp;J COVID-19 vaccine lifted</a:t>
+            </a:r>
+          </a:p>
+        </p:txBody>
+      </p:sp>
+      <p:cxnSp>
+        <p:nvCxnSpPr>
+          <p:cNvPr id="32" name="Straight Arrow Connector 31"/>
+          <p:cNvCxnSpPr/>
+          <p:nvPr/>
+        </p:nvCxnSpPr>
+        <p:spPr>
+          <a:xfrm flipH="1">
+            <a:off x="10947401" y="4319149"/>
+            <a:ext cx="8467" cy="1554375"/>
+          </a:xfrm>
+          <a:prstGeom prst="straightConnector1">
+            <a:avLst/>
+          </a:prstGeom>
+          <a:ln>
+            <a:solidFill>
+              <a:schemeClr val="tx1"/>
+            </a:solidFill>
+            <a:tailEnd type="triangle"/>
+          </a:ln>
+        </p:spPr>
+        <p:style>
+          <a:lnRef idx="1">
+            <a:schemeClr val="accent1"/>
+          </a:lnRef>
+          <a:fillRef idx="0">
+            <a:schemeClr val="accent1"/>
+          </a:fillRef>
+          <a:effectRef idx="0">
+            <a:schemeClr val="accent1"/>
+          </a:effectRef>
+          <a:fontRef idx="minor">
+            <a:schemeClr val="tx1"/>
+          </a:fontRef>
+        </p:style>
+      </p:cxnSp>
+      <p:sp>
+        <p:nvSpPr>
+          <p:cNvPr id="33" name="Rectangle 32"/>
+          <p:cNvSpPr/>
+          <p:nvPr/>
+        </p:nvSpPr>
+        <p:spPr>
+          <a:xfrm>
+            <a:off x="10705413" y="5972359"/>
+            <a:ext cx="838571" cy="465667"/>
+          </a:xfrm>
+          <a:prstGeom prst="rect">
+            <a:avLst/>
+          </a:prstGeom>
+          <a:noFill/>
+          <a:ln>
+            <a:noFill/>
+          </a:ln>
+        </p:spPr>
+        <p:style>
+          <a:lnRef idx="2">
+            <a:schemeClr val="accent1">
+              <a:shade val="50000"/>
+            </a:schemeClr>
+          </a:lnRef>
+          <a:fillRef idx="1">
+            <a:schemeClr val="accent1"/>
+          </a:fillRef>
+          <a:effectRef idx="0">
+            <a:schemeClr val="accent1"/>
+          </a:effectRef>
+          <a:fontRef idx="minor">
+            <a:schemeClr val="lt1"/>
+          </a:fontRef>
+        </p:style>
+        <p:txBody>
+          <a:bodyPr rot="0" spcFirstLastPara="0" vertOverflow="overflow" horzOverflow="overflow" vert="horz" wrap="square" lIns="91440" tIns="45720" rIns="91440" bIns="45720" numCol="1" spcCol="0" rtlCol="0" fromWordArt="0" anchor="ctr" anchorCtr="0" forceAA="0" compatLnSpc="1">
+            <a:prstTxWarp prst="textNoShape">
+              <a:avLst/>
+            </a:prstTxWarp>
+            <a:noAutofit/>
+          </a:bodyPr>
+          <a:lstStyle/>
+          <a:p>
+            <a:r>
+              <a:rPr lang="en-US" sz="800" b="1" dirty="0">
+                <a:solidFill>
+                  <a:schemeClr val="tx1"/>
+                </a:solidFill>
+              </a:rPr>
+              <a:t>Sep 20</a:t>
+            </a:r>
+            <a:r>
+              <a:rPr lang="en-US" sz="800" b="1" baseline="30000" dirty="0">
+                <a:solidFill>
+                  <a:schemeClr val="tx1"/>
+                </a:solidFill>
+              </a:rPr>
+              <a:t>th</a:t>
+            </a:r>
+            <a:r>
+              <a:rPr lang="en-US" sz="800" b="1" dirty="0">
+                <a:solidFill>
+                  <a:schemeClr val="tx1"/>
+                </a:solidFill>
+              </a:rPr>
+              <a:t>: </a:t>
+            </a:r>
+            <a:br>
+              <a:rPr lang="en-US" sz="800" b="1" dirty="0">
+                <a:solidFill>
+                  <a:schemeClr val="tx1"/>
+                </a:solidFill>
+              </a:rPr>
+            </a:br>
+            <a:r>
+              <a:rPr lang="en-US" sz="800" b="1" dirty="0">
+                <a:solidFill>
+                  <a:schemeClr val="tx1"/>
+                </a:solidFill>
+              </a:rPr>
+              <a:t>COVID-19 booster shots made available</a:t>
+            </a:r>
+          </a:p>
+        </p:txBody>
+      </p:sp>
+      <p:cxnSp>
+        <p:nvCxnSpPr>
+          <p:cNvPr id="39" name="Straight Arrow Connector 38"/>
+          <p:cNvCxnSpPr/>
+          <p:nvPr/>
+        </p:nvCxnSpPr>
+        <p:spPr>
+          <a:xfrm>
+            <a:off x="3056098" y="5108263"/>
+            <a:ext cx="369" cy="864097"/>
+          </a:xfrm>
+          <a:prstGeom prst="straightConnector1">
+            <a:avLst/>
+          </a:prstGeom>
+          <a:ln>
+            <a:solidFill>
+              <a:schemeClr val="tx1"/>
+            </a:solidFill>
+            <a:tailEnd type="triangle"/>
+          </a:ln>
+        </p:spPr>
+        <p:style>
+          <a:lnRef idx="1">
+            <a:schemeClr val="accent1"/>
+          </a:lnRef>
+          <a:fillRef idx="0">
+            <a:schemeClr val="accent1"/>
+          </a:fillRef>
+          <a:effectRef idx="0">
+            <a:schemeClr val="accent1"/>
+          </a:effectRef>
+          <a:fontRef idx="minor">
+            <a:schemeClr val="tx1"/>
+          </a:fontRef>
+        </p:style>
+      </p:cxnSp>
+      <p:sp>
+        <p:nvSpPr>
+          <p:cNvPr id="40" name="Rectangle 39"/>
+          <p:cNvSpPr/>
+          <p:nvPr/>
+        </p:nvSpPr>
+        <p:spPr>
+          <a:xfrm>
+            <a:off x="2690067" y="6057026"/>
+            <a:ext cx="992932" cy="631635"/>
+          </a:xfrm>
+          <a:prstGeom prst="rect">
+            <a:avLst/>
+          </a:prstGeom>
+          <a:noFill/>
+          <a:ln>
+            <a:noFill/>
+          </a:ln>
+        </p:spPr>
+        <p:style>
+          <a:lnRef idx="2">
+            <a:schemeClr val="accent1">
+              <a:shade val="50000"/>
+            </a:schemeClr>
+          </a:lnRef>
+          <a:fillRef idx="1">
+            <a:schemeClr val="accent1"/>
+          </a:fillRef>
+          <a:effectRef idx="0">
+            <a:schemeClr val="accent1"/>
+          </a:effectRef>
+          <a:fontRef idx="minor">
+            <a:schemeClr val="lt1"/>
+          </a:fontRef>
+        </p:style>
+        <p:txBody>
+          <a:bodyPr rot="0" spcFirstLastPara="0" vertOverflow="overflow" horzOverflow="overflow" vert="horz" wrap="square" lIns="91440" tIns="45720" rIns="91440" bIns="45720" numCol="1" spcCol="0" rtlCol="0" fromWordArt="0" anchor="ctr" anchorCtr="0" forceAA="0" compatLnSpc="1">
+            <a:prstTxWarp prst="textNoShape">
+              <a:avLst/>
+            </a:prstTxWarp>
+            <a:noAutofit/>
+          </a:bodyPr>
+          <a:lstStyle/>
+          <a:p>
+            <a:r>
+              <a:rPr lang="en-US" sz="800" b="1" dirty="0">
+                <a:solidFill>
+                  <a:schemeClr val="tx1"/>
+                </a:solidFill>
+              </a:rPr>
+              <a:t>February 23</a:t>
+            </a:r>
+            <a:r>
+              <a:rPr lang="en-US" sz="800" b="1" baseline="30000" dirty="0">
+                <a:solidFill>
+                  <a:schemeClr val="tx1"/>
+                </a:solidFill>
+              </a:rPr>
+              <a:t>rd</a:t>
+            </a:r>
+            <a:r>
+              <a:rPr lang="en-US" sz="800" b="1" dirty="0">
+                <a:solidFill>
+                  <a:schemeClr val="tx1"/>
+                </a:solidFill>
+              </a:rPr>
+              <a:t>:</a:t>
+            </a:r>
+            <a:br>
+              <a:rPr lang="en-US" sz="800" b="1" dirty="0">
+                <a:solidFill>
+                  <a:schemeClr val="tx1"/>
+                </a:solidFill>
+              </a:rPr>
+            </a:br>
+            <a:r>
+              <a:rPr lang="en-US" sz="800" b="1" dirty="0">
+                <a:solidFill>
+                  <a:schemeClr val="tx1"/>
+                </a:solidFill>
+              </a:rPr>
+              <a:t>FDA announced expedite trials with vaccine boosters</a:t>
+            </a:r>
+          </a:p>
+        </p:txBody>
+      </p:sp>
+      <p:cxnSp>
+        <p:nvCxnSpPr>
+          <p:cNvPr id="44" name="Straight Arrow Connector 43"/>
+          <p:cNvCxnSpPr/>
+          <p:nvPr/>
+        </p:nvCxnSpPr>
+        <p:spPr>
+          <a:xfrm flipV="1">
+            <a:off x="1727429" y="1485313"/>
+            <a:ext cx="10755" cy="2190372"/>
+          </a:xfrm>
+          <a:prstGeom prst="straightConnector1">
+            <a:avLst/>
+          </a:prstGeom>
+          <a:ln>
+            <a:solidFill>
+              <a:schemeClr val="tx1"/>
+            </a:solidFill>
+            <a:tailEnd type="triangle"/>
+          </a:ln>
+        </p:spPr>
+        <p:style>
+          <a:lnRef idx="1">
+            <a:schemeClr val="accent1"/>
+          </a:lnRef>
+          <a:fillRef idx="0">
+            <a:schemeClr val="accent1"/>
+          </a:fillRef>
+          <a:effectRef idx="0">
+            <a:schemeClr val="accent1"/>
+          </a:effectRef>
+          <a:fontRef idx="minor">
+            <a:schemeClr val="tx1"/>
+          </a:fontRef>
+        </p:style>
+      </p:cxnSp>
+      <p:sp>
+        <p:nvSpPr>
+          <p:cNvPr id="45" name="Rectangle 44"/>
+          <p:cNvSpPr/>
+          <p:nvPr/>
+        </p:nvSpPr>
+        <p:spPr>
+          <a:xfrm>
+            <a:off x="1224633" y="848097"/>
+            <a:ext cx="1320520" cy="637216"/>
+          </a:xfrm>
+          <a:prstGeom prst="rect">
+            <a:avLst/>
+          </a:prstGeom>
+          <a:noFill/>
+          <a:ln>
+            <a:noFill/>
+          </a:ln>
+        </p:spPr>
+        <p:style>
+          <a:lnRef idx="2">
+            <a:schemeClr val="accent1">
+              <a:shade val="50000"/>
+            </a:schemeClr>
+          </a:lnRef>
+          <a:fillRef idx="1">
+            <a:schemeClr val="accent1"/>
+          </a:fillRef>
+          <a:effectRef idx="0">
+            <a:schemeClr val="accent1"/>
+          </a:effectRef>
+          <a:fontRef idx="minor">
+            <a:schemeClr val="lt1"/>
+          </a:fontRef>
+        </p:style>
+        <p:txBody>
+          <a:bodyPr rot="0" spcFirstLastPara="0" vertOverflow="overflow" horzOverflow="overflow" vert="horz" wrap="square" lIns="91440" tIns="45720" rIns="91440" bIns="45720" numCol="1" spcCol="0" rtlCol="0" fromWordArt="0" anchor="ctr" anchorCtr="0" forceAA="0" compatLnSpc="1">
+            <a:prstTxWarp prst="textNoShape">
+              <a:avLst/>
+            </a:prstTxWarp>
+            <a:noAutofit/>
+          </a:bodyPr>
+          <a:lstStyle/>
+          <a:p>
+            <a:r>
+              <a:rPr lang="en-US" sz="800" b="1" dirty="0">
+                <a:solidFill>
+                  <a:schemeClr val="tx1"/>
+                </a:solidFill>
+              </a:rPr>
+              <a:t>January 14</a:t>
+            </a:r>
+            <a:r>
+              <a:rPr lang="en-US" sz="800" b="1" baseline="30000" dirty="0">
+                <a:solidFill>
+                  <a:schemeClr val="tx1"/>
+                </a:solidFill>
+              </a:rPr>
+              <a:t>th</a:t>
+            </a:r>
+            <a:r>
+              <a:rPr lang="en-US" sz="800" b="1" dirty="0">
+                <a:solidFill>
+                  <a:schemeClr val="tx1"/>
+                </a:solidFill>
+              </a:rPr>
+              <a:t>:</a:t>
+            </a:r>
+            <a:br>
+              <a:rPr lang="en-US" sz="800" b="1" dirty="0">
+                <a:solidFill>
+                  <a:schemeClr val="tx1"/>
+                </a:solidFill>
+              </a:rPr>
+            </a:br>
+            <a:r>
+              <a:rPr lang="en-US" sz="800" b="1" dirty="0">
+                <a:solidFill>
+                  <a:schemeClr val="tx1"/>
+                </a:solidFill>
+              </a:rPr>
+              <a:t>Reported confusion about vaccine eligibility in the Milwaukee county</a:t>
+            </a:r>
+          </a:p>
+        </p:txBody>
+      </p:sp>
+      <p:cxnSp>
+        <p:nvCxnSpPr>
+          <p:cNvPr id="49" name="Straight Arrow Connector 48"/>
+          <p:cNvCxnSpPr/>
+          <p:nvPr/>
+        </p:nvCxnSpPr>
+        <p:spPr>
+          <a:xfrm flipH="1" flipV="1">
+            <a:off x="9638432" y="1330417"/>
+            <a:ext cx="5101" cy="2523067"/>
+          </a:xfrm>
+          <a:prstGeom prst="straightConnector1">
+            <a:avLst/>
+          </a:prstGeom>
+          <a:ln>
+            <a:solidFill>
+              <a:schemeClr val="tx1"/>
+            </a:solidFill>
+            <a:tailEnd type="triangle"/>
+          </a:ln>
+        </p:spPr>
+        <p:style>
+          <a:lnRef idx="1">
+            <a:schemeClr val="accent1"/>
+          </a:lnRef>
+          <a:fillRef idx="0">
+            <a:schemeClr val="accent1"/>
+          </a:fillRef>
+          <a:effectRef idx="0">
+            <a:schemeClr val="accent1"/>
+          </a:effectRef>
+          <a:fontRef idx="minor">
+            <a:schemeClr val="tx1"/>
+          </a:fontRef>
+        </p:style>
+      </p:cxnSp>
+      <p:sp>
+        <p:nvSpPr>
+          <p:cNvPr id="50" name="Rectangle 49"/>
+          <p:cNvSpPr/>
+          <p:nvPr/>
+        </p:nvSpPr>
+        <p:spPr>
+          <a:xfrm>
+            <a:off x="9302562" y="659950"/>
+            <a:ext cx="1086039" cy="653615"/>
+          </a:xfrm>
+          <a:prstGeom prst="rect">
+            <a:avLst/>
+          </a:prstGeom>
+          <a:noFill/>
+          <a:ln>
+            <a:noFill/>
+          </a:ln>
+        </p:spPr>
+        <p:style>
+          <a:lnRef idx="2">
+            <a:schemeClr val="accent1">
+              <a:shade val="50000"/>
+            </a:schemeClr>
+          </a:lnRef>
+          <a:fillRef idx="1">
+            <a:schemeClr val="accent1"/>
+          </a:fillRef>
+          <a:effectRef idx="0">
+            <a:schemeClr val="accent1"/>
+          </a:effectRef>
+          <a:fontRef idx="minor">
+            <a:schemeClr val="lt1"/>
+          </a:fontRef>
+        </p:style>
+        <p:txBody>
+          <a:bodyPr rot="0" spcFirstLastPara="0" vertOverflow="overflow" horzOverflow="overflow" vert="horz" wrap="square" lIns="91440" tIns="45720" rIns="91440" bIns="45720" numCol="1" spcCol="0" rtlCol="0" fromWordArt="0" anchor="ctr" anchorCtr="0" forceAA="0" compatLnSpc="1">
+            <a:prstTxWarp prst="textNoShape">
+              <a:avLst/>
+            </a:prstTxWarp>
+            <a:noAutofit/>
+          </a:bodyPr>
+          <a:lstStyle/>
+          <a:p>
+            <a:r>
+              <a:rPr lang="en-US" sz="800" b="1" dirty="0">
+                <a:solidFill>
+                  <a:schemeClr val="tx1"/>
+                </a:solidFill>
+              </a:rPr>
+              <a:t>August 13</a:t>
+            </a:r>
+            <a:r>
+              <a:rPr lang="en-US" sz="800" b="1" baseline="30000" dirty="0">
+                <a:solidFill>
+                  <a:schemeClr val="tx1"/>
+                </a:solidFill>
+              </a:rPr>
+              <a:t>th</a:t>
+            </a:r>
+            <a:r>
+              <a:rPr lang="en-US" sz="800" b="1" dirty="0">
+                <a:solidFill>
+                  <a:schemeClr val="tx1"/>
+                </a:solidFill>
+              </a:rPr>
+              <a:t>: </a:t>
+            </a:r>
+            <a:br>
+              <a:rPr lang="en-US" sz="800" b="1" dirty="0">
+                <a:solidFill>
+                  <a:schemeClr val="tx1"/>
+                </a:solidFill>
+              </a:rPr>
+            </a:br>
+            <a:r>
+              <a:rPr lang="en-US" sz="800" b="1" dirty="0">
+                <a:solidFill>
+                  <a:schemeClr val="tx1"/>
+                </a:solidFill>
+              </a:rPr>
+              <a:t>Governor announced $100 VISA gift card for vaccinated people</a:t>
+            </a:r>
+          </a:p>
+        </p:txBody>
+      </p:sp>
+      <p:cxnSp>
+        <p:nvCxnSpPr>
+          <p:cNvPr id="54" name="Straight Arrow Connector 53"/>
+          <p:cNvCxnSpPr/>
+          <p:nvPr/>
+        </p:nvCxnSpPr>
+        <p:spPr>
+          <a:xfrm flipH="1" flipV="1">
+            <a:off x="6467567" y="1112372"/>
+            <a:ext cx="967" cy="530623"/>
+          </a:xfrm>
+          <a:prstGeom prst="straightConnector1">
+            <a:avLst/>
+          </a:prstGeom>
+          <a:ln>
+            <a:solidFill>
+              <a:schemeClr val="tx1"/>
+            </a:solidFill>
+            <a:tailEnd type="triangle"/>
+          </a:ln>
+        </p:spPr>
+        <p:style>
+          <a:lnRef idx="1">
+            <a:schemeClr val="accent1"/>
+          </a:lnRef>
+          <a:fillRef idx="0">
+            <a:schemeClr val="accent1"/>
+          </a:fillRef>
+          <a:effectRef idx="0">
+            <a:schemeClr val="accent1"/>
+          </a:effectRef>
+          <a:fontRef idx="minor">
+            <a:schemeClr val="tx1"/>
+          </a:fontRef>
+        </p:style>
+      </p:cxnSp>
+      <p:sp>
+        <p:nvSpPr>
+          <p:cNvPr id="55" name="Rectangle 54"/>
+          <p:cNvSpPr/>
+          <p:nvPr/>
+        </p:nvSpPr>
+        <p:spPr>
+          <a:xfrm>
+            <a:off x="6264372" y="583749"/>
+            <a:ext cx="1253067" cy="594755"/>
+          </a:xfrm>
+          <a:prstGeom prst="rect">
+            <a:avLst/>
+          </a:prstGeom>
+          <a:noFill/>
+          <a:ln>
+            <a:noFill/>
+          </a:ln>
+        </p:spPr>
+        <p:style>
+          <a:lnRef idx="2">
+            <a:schemeClr val="accent1">
+              <a:shade val="50000"/>
+            </a:schemeClr>
+          </a:lnRef>
+          <a:fillRef idx="1">
+            <a:schemeClr val="accent1"/>
+          </a:fillRef>
+          <a:effectRef idx="0">
+            <a:schemeClr val="accent1"/>
+          </a:effectRef>
+          <a:fontRef idx="minor">
+            <a:schemeClr val="lt1"/>
+          </a:fontRef>
+        </p:style>
+        <p:txBody>
+          <a:bodyPr rot="0" spcFirstLastPara="0" vertOverflow="overflow" horzOverflow="overflow" vert="horz" wrap="square" lIns="91440" tIns="45720" rIns="91440" bIns="45720" numCol="1" spcCol="0" rtlCol="0" fromWordArt="0" anchor="ctr" anchorCtr="0" forceAA="0" compatLnSpc="1">
+            <a:prstTxWarp prst="textNoShape">
+              <a:avLst/>
+            </a:prstTxWarp>
+            <a:noAutofit/>
+          </a:bodyPr>
+          <a:lstStyle/>
+          <a:p>
+            <a:r>
+              <a:rPr lang="en-US" sz="800" b="1" dirty="0">
+                <a:solidFill>
+                  <a:schemeClr val="tx1"/>
+                </a:solidFill>
+              </a:rPr>
+              <a:t>May 23</a:t>
+            </a:r>
+            <a:r>
+              <a:rPr lang="en-US" sz="800" b="1" baseline="30000" dirty="0">
+                <a:solidFill>
+                  <a:schemeClr val="tx1"/>
+                </a:solidFill>
+              </a:rPr>
+              <a:t>rd</a:t>
+            </a:r>
+            <a:r>
+              <a:rPr lang="en-US" sz="800" b="1" dirty="0">
+                <a:solidFill>
+                  <a:schemeClr val="tx1"/>
+                </a:solidFill>
+              </a:rPr>
+              <a:t>:</a:t>
+            </a:r>
+            <a:br>
+              <a:rPr lang="en-US" sz="800" b="1" dirty="0">
+                <a:solidFill>
+                  <a:schemeClr val="tx1"/>
+                </a:solidFill>
+              </a:rPr>
+            </a:br>
+            <a:r>
+              <a:rPr lang="en-US" sz="800" b="1" dirty="0">
+                <a:solidFill>
+                  <a:schemeClr val="tx1"/>
+                </a:solidFill>
+              </a:rPr>
+              <a:t>Final day the FEMA mass vaccination and low transmission rate</a:t>
+            </a:r>
+          </a:p>
+        </p:txBody>
+      </p:sp>
+      <p:sp>
+        <p:nvSpPr>
+          <p:cNvPr id="61" name="Title 1"/>
+          <p:cNvSpPr>
+            <a:spLocks noGrp="1"/>
+          </p:cNvSpPr>
+          <p:nvPr>
+            <p:ph type="title"/>
+          </p:nvPr>
+        </p:nvSpPr>
+        <p:spPr>
+          <a:xfrm>
+            <a:off x="414867" y="237439"/>
+            <a:ext cx="10515600" cy="528680"/>
+          </a:xfrm>
+        </p:spPr>
+        <p:txBody>
+          <a:bodyPr>
+            <a:noAutofit/>
+          </a:bodyPr>
+          <a:lstStyle/>
+          <a:p>
+            <a:r>
+              <a:rPr lang="en-US" dirty="0" smtClean="0"/>
+              <a:t>Vaccination Interest </a:t>
+            </a:r>
+            <a:endParaRPr lang="en-US" dirty="0"/>
+          </a:p>
+        </p:txBody>
+      </p:sp>
+      <p:sp>
+        <p:nvSpPr>
+          <p:cNvPr id="65" name="Rectangle 64"/>
+          <p:cNvSpPr/>
+          <p:nvPr/>
+        </p:nvSpPr>
+        <p:spPr>
+          <a:xfrm>
+            <a:off x="0" y="0"/>
+            <a:ext cx="12192000" cy="6858000"/>
+          </a:xfrm>
+          <a:prstGeom prst="rect">
+            <a:avLst/>
+          </a:prstGeom>
+          <a:noFill/>
+          <a:ln w="60325">
+            <a:solidFill>
+              <a:srgbClr val="00461B"/>
+            </a:solidFill>
+          </a:ln>
+        </p:spPr>
+        <p:style>
+          <a:lnRef idx="2">
+            <a:schemeClr val="accent1">
+              <a:shade val="50000"/>
+            </a:schemeClr>
+          </a:lnRef>
+          <a:fillRef idx="1">
+            <a:schemeClr val="accent1"/>
+          </a:fillRef>
+          <a:effectRef idx="0">
+            <a:schemeClr val="accent1"/>
+          </a:effectRef>
+          <a:fontRef idx="minor">
+            <a:schemeClr val="lt1"/>
+          </a:fontRef>
+        </p:style>
+        <p:txBody>
+          <a:bodyPr rtlCol="0" anchor="ctr"/>
+          <a:lstStyle/>
+          <a:p>
+            <a:pPr algn="ctr"/>
+            <a:endParaRPr lang="en-US"/>
+          </a:p>
+        </p:txBody>
+      </p:sp>
+    </p:spTree>
+    <p:extLst>
+      <p:ext uri="{BB962C8B-B14F-4D97-AF65-F5344CB8AC3E}">
+        <p14:creationId xmlns:p14="http://schemas.microsoft.com/office/powerpoint/2010/main" val="760852456"/>
+      </p:ext>
+    </p:extLst>
+  </p:cSld>
+  <p:clrMapOvr>
+    <a:masterClrMapping/>
+  </p:clrMapOvr>
+  <p:timing>
+    <p:tnLst>
+      <p:par>
+        <p:cTn id="1" dur="indefinite" restart="never" nodeType="tmRoot"/>
+      </p:par>
+    </p:tnLst>
+  </p:timing>
+</p:sld>
+</file>
+
+<file path=ppt/slides/slide12.xml><?xml version="1.0" encoding="utf-8"?>
+<p:sld xmlns:a="http://schemas.openxmlformats.org/drawingml/2006/main" xmlns:r="http://schemas.openxmlformats.org/officeDocument/2006/relationships" xmlns:p="http://schemas.openxmlformats.org/presentationml/2006/main">
+  <p:cSld>
+    <p:spTree>
+      <p:nvGrpSpPr>
+        <p:cNvPr id="1" name=""/>
+        <p:cNvGrpSpPr/>
+        <p:nvPr/>
+      </p:nvGrpSpPr>
+      <p:grpSpPr>
+        <a:xfrm>
+          <a:off x="0" y="0"/>
+          <a:ext cx="0" cy="0"/>
+          <a:chOff x="0" y="0"/>
+          <a:chExt cx="0" cy="0"/>
+        </a:xfrm>
+      </p:grpSpPr>
+      <p:sp>
+        <p:nvSpPr>
+          <p:cNvPr id="2" name="Title 1"/>
+          <p:cNvSpPr>
+            <a:spLocks noGrp="1"/>
+          </p:cNvSpPr>
+          <p:nvPr>
+            <p:ph type="title"/>
+          </p:nvPr>
+        </p:nvSpPr>
+        <p:spPr>
+          <a:xfrm>
+            <a:off x="838200" y="365127"/>
+            <a:ext cx="10515600" cy="656365"/>
+          </a:xfrm>
+        </p:spPr>
+        <p:txBody>
+          <a:bodyPr>
+            <a:normAutofit fontScale="90000"/>
+          </a:bodyPr>
+          <a:lstStyle/>
+          <a:p>
+            <a:r>
+              <a:rPr lang="en-US" dirty="0" smtClean="0"/>
+              <a:t>Why do these Results Matter?</a:t>
+            </a:r>
+            <a:endParaRPr lang="en-US" dirty="0"/>
+          </a:p>
+        </p:txBody>
+      </p:sp>
+      <p:sp>
+        <p:nvSpPr>
+          <p:cNvPr id="3" name="Content Placeholder 2"/>
+          <p:cNvSpPr>
+            <a:spLocks noGrp="1"/>
+          </p:cNvSpPr>
+          <p:nvPr>
+            <p:ph idx="1"/>
+          </p:nvPr>
+        </p:nvSpPr>
+        <p:spPr>
+          <a:xfrm>
+            <a:off x="838200" y="1825625"/>
+            <a:ext cx="10752438" cy="4351338"/>
+          </a:xfrm>
+        </p:spPr>
+        <p:txBody>
+          <a:bodyPr/>
+          <a:lstStyle/>
+          <a:p>
+            <a:r>
+              <a:rPr lang="en-US" dirty="0" smtClean="0"/>
+              <a:t>Regression analysis helps improve the mask mandate policy and understand the health concerns of people before being hospitalized</a:t>
+            </a:r>
+          </a:p>
+          <a:p>
+            <a:r>
+              <a:rPr lang="en-US" dirty="0" smtClean="0"/>
+              <a:t>Correlation analysis stresses on the urgency of treatment for citizens by understanding the common symptoms</a:t>
+            </a:r>
+          </a:p>
+          <a:p>
+            <a:r>
+              <a:rPr lang="en-US" dirty="0" smtClean="0"/>
+              <a:t>Both analysis combined will help in isolating, tracking and treating the citizens of Milwaukee effectively</a:t>
+            </a:r>
+            <a:endParaRPr lang="en-US" dirty="0"/>
+          </a:p>
+        </p:txBody>
+      </p:sp>
+      <p:sp>
+        <p:nvSpPr>
+          <p:cNvPr id="4" name="Rectangle 3"/>
+          <p:cNvSpPr/>
+          <p:nvPr/>
+        </p:nvSpPr>
+        <p:spPr>
+          <a:xfrm>
+            <a:off x="0" y="0"/>
+            <a:ext cx="12192000" cy="6858000"/>
+          </a:xfrm>
+          <a:prstGeom prst="rect">
+            <a:avLst/>
+          </a:prstGeom>
+          <a:noFill/>
+          <a:ln w="60325">
+            <a:solidFill>
+              <a:srgbClr val="00461B"/>
+            </a:solidFill>
+          </a:ln>
+        </p:spPr>
+        <p:style>
+          <a:lnRef idx="2">
+            <a:schemeClr val="accent1">
+              <a:shade val="50000"/>
+            </a:schemeClr>
+          </a:lnRef>
+          <a:fillRef idx="1">
+            <a:schemeClr val="accent1"/>
+          </a:fillRef>
+          <a:effectRef idx="0">
+            <a:schemeClr val="accent1"/>
+          </a:effectRef>
+          <a:fontRef idx="minor">
+            <a:schemeClr val="lt1"/>
+          </a:fontRef>
+        </p:style>
+        <p:txBody>
+          <a:bodyPr rtlCol="0" anchor="ctr"/>
+          <a:lstStyle/>
+          <a:p>
+            <a:pPr algn="ctr"/>
+            <a:endParaRPr lang="en-US"/>
+          </a:p>
+        </p:txBody>
+      </p:sp>
+    </p:spTree>
+    <p:extLst>
+      <p:ext uri="{BB962C8B-B14F-4D97-AF65-F5344CB8AC3E}">
+        <p14:creationId xmlns:p14="http://schemas.microsoft.com/office/powerpoint/2010/main" val="3706869582"/>
+      </p:ext>
+    </p:extLst>
+  </p:cSld>
+  <p:clrMapOvr>
+    <a:masterClrMapping/>
+  </p:clrMapOvr>
+  <p:timing>
+    <p:tnLst>
+      <p:par>
+        <p:cTn id="1" dur="indefinite" restart="never" nodeType="tmRoot"/>
+      </p:par>
+    </p:tnLst>
+  </p:timing>
+</p:sld>
+</file>
+
+<file path=ppt/slides/slide2.xml><?xml version="1.0" encoding="utf-8"?>
+<p:sld xmlns:a="http://schemas.openxmlformats.org/drawingml/2006/main" xmlns:r="http://schemas.openxmlformats.org/officeDocument/2006/relationships" xmlns:p="http://schemas.openxmlformats.org/presentationml/2006/main">
+  <p:cSld>
+    <p:spTree>
+      <p:nvGrpSpPr>
+        <p:cNvPr id="1" name=""/>
+        <p:cNvGrpSpPr/>
+        <p:nvPr/>
+      </p:nvGrpSpPr>
+      <p:grpSpPr>
+        <a:xfrm>
+          <a:off x="0" y="0"/>
+          <a:ext cx="0" cy="0"/>
+          <a:chOff x="0" y="0"/>
+          <a:chExt cx="0" cy="0"/>
+        </a:xfrm>
+      </p:grpSpPr>
+      <p:sp>
+        <p:nvSpPr>
+          <p:cNvPr id="2" name="Title 1"/>
+          <p:cNvSpPr>
+            <a:spLocks noGrp="1"/>
+          </p:cNvSpPr>
+          <p:nvPr>
+            <p:ph type="title"/>
+          </p:nvPr>
+        </p:nvSpPr>
+        <p:spPr>
+          <a:xfrm>
+            <a:off x="838200" y="365127"/>
+            <a:ext cx="10515600" cy="779461"/>
+          </a:xfrm>
+        </p:spPr>
+        <p:txBody>
+          <a:bodyPr/>
+          <a:lstStyle/>
+          <a:p>
+            <a:r>
+              <a:rPr lang="en-US" dirty="0" smtClean="0"/>
+              <a:t>Problems Addressing</a:t>
+            </a:r>
+            <a:endParaRPr lang="en-US" dirty="0"/>
+          </a:p>
+        </p:txBody>
+      </p:sp>
+      <p:sp>
+        <p:nvSpPr>
+          <p:cNvPr id="3" name="Content Placeholder 2"/>
+          <p:cNvSpPr>
+            <a:spLocks noGrp="1"/>
+          </p:cNvSpPr>
+          <p:nvPr>
+            <p:ph idx="1"/>
+          </p:nvPr>
+        </p:nvSpPr>
+        <p:spPr>
+          <a:xfrm>
+            <a:off x="838200" y="1509715"/>
+            <a:ext cx="10515600" cy="4351338"/>
+          </a:xfrm>
+        </p:spPr>
+        <p:txBody>
+          <a:bodyPr>
+            <a:normAutofit/>
+          </a:bodyPr>
+          <a:lstStyle/>
+          <a:p>
+            <a:r>
+              <a:rPr lang="en-US" sz="2400" dirty="0"/>
+              <a:t>How does the Public Mask Mandate in the county impacts the search for all COVID-19 symptoms</a:t>
+            </a:r>
+            <a:r>
+              <a:rPr lang="en-US" sz="2400" dirty="0" smtClean="0"/>
+              <a:t>?</a:t>
+            </a:r>
+          </a:p>
+          <a:p>
+            <a:endParaRPr lang="en-US" sz="2400" dirty="0" smtClean="0"/>
+          </a:p>
+          <a:p>
+            <a:r>
+              <a:rPr lang="en-US" sz="2400" dirty="0" smtClean="0"/>
+              <a:t>What </a:t>
+            </a:r>
+            <a:r>
+              <a:rPr lang="en-US" sz="2400" dirty="0"/>
+              <a:t>are the highly correlated </a:t>
+            </a:r>
+            <a:r>
+              <a:rPr lang="en-US" sz="2400" dirty="0" smtClean="0"/>
+              <a:t>and impacted symptom </a:t>
+            </a:r>
+            <a:r>
+              <a:rPr lang="en-US" sz="2400" dirty="0"/>
+              <a:t>search terms with the daily confirmed COVID-19 cases and fatalities before and after the mask mandate policy? </a:t>
+            </a:r>
+            <a:endParaRPr lang="en-US" sz="2400" dirty="0" smtClean="0"/>
+          </a:p>
+          <a:p>
+            <a:endParaRPr lang="en-US" sz="2400" dirty="0" smtClean="0"/>
+          </a:p>
+          <a:p>
+            <a:r>
+              <a:rPr lang="en-US" sz="2400" dirty="0"/>
+              <a:t>How are vaccination intent and side effect search terms correlated with mask mandate policies? </a:t>
+            </a:r>
+          </a:p>
+        </p:txBody>
+      </p:sp>
+      <p:sp>
+        <p:nvSpPr>
+          <p:cNvPr id="5" name="Rectangle 4"/>
+          <p:cNvSpPr/>
+          <p:nvPr/>
+        </p:nvSpPr>
+        <p:spPr>
+          <a:xfrm>
+            <a:off x="0" y="0"/>
+            <a:ext cx="12192000" cy="6858000"/>
+          </a:xfrm>
+          <a:prstGeom prst="rect">
+            <a:avLst/>
+          </a:prstGeom>
+          <a:noFill/>
+          <a:ln w="60325">
+            <a:solidFill>
+              <a:srgbClr val="00461B"/>
+            </a:solidFill>
+          </a:ln>
+        </p:spPr>
+        <p:style>
+          <a:lnRef idx="2">
+            <a:schemeClr val="accent1">
+              <a:shade val="50000"/>
+            </a:schemeClr>
+          </a:lnRef>
+          <a:fillRef idx="1">
+            <a:schemeClr val="accent1"/>
+          </a:fillRef>
+          <a:effectRef idx="0">
+            <a:schemeClr val="accent1"/>
+          </a:effectRef>
+          <a:fontRef idx="minor">
+            <a:schemeClr val="lt1"/>
+          </a:fontRef>
+        </p:style>
+        <p:txBody>
+          <a:bodyPr rtlCol="0" anchor="ctr"/>
+          <a:lstStyle/>
+          <a:p>
+            <a:pPr algn="ctr"/>
+            <a:endParaRPr lang="en-US"/>
+          </a:p>
+        </p:txBody>
+      </p:sp>
+    </p:spTree>
+    <p:extLst>
+      <p:ext uri="{BB962C8B-B14F-4D97-AF65-F5344CB8AC3E}">
+        <p14:creationId xmlns:p14="http://schemas.microsoft.com/office/powerpoint/2010/main" val="2989468879"/>
+      </p:ext>
+    </p:extLst>
+  </p:cSld>
+  <p:clrMapOvr>
+    <a:masterClrMapping/>
+  </p:clrMapOvr>
+  <p:timing>
+    <p:tnLst>
+      <p:par>
+        <p:cTn id="1" dur="indefinite" restart="never" nodeType="tmRoot"/>
+      </p:par>
+    </p:tnLst>
+  </p:timing>
+</p:sld>
+</file>
+
+<file path=ppt/slides/slide3.xml><?xml version="1.0" encoding="utf-8"?>
+<p:sld xmlns:a="http://schemas.openxmlformats.org/drawingml/2006/main" xmlns:r="http://schemas.openxmlformats.org/officeDocument/2006/relationships" xmlns:p="http://schemas.openxmlformats.org/presentationml/2006/main">
+  <p:cSld>
+    <p:spTree>
+      <p:nvGrpSpPr>
+        <p:cNvPr id="1" name=""/>
+        <p:cNvGrpSpPr/>
+        <p:nvPr/>
+      </p:nvGrpSpPr>
+      <p:grpSpPr>
+        <a:xfrm>
+          <a:off x="0" y="0"/>
+          <a:ext cx="0" cy="0"/>
+          <a:chOff x="0" y="0"/>
+          <a:chExt cx="0" cy="0"/>
+        </a:xfrm>
+      </p:grpSpPr>
+      <p:sp>
+        <p:nvSpPr>
+          <p:cNvPr id="2" name="Title 1"/>
+          <p:cNvSpPr>
+            <a:spLocks noGrp="1"/>
+          </p:cNvSpPr>
+          <p:nvPr>
+            <p:ph type="title"/>
+          </p:nvPr>
+        </p:nvSpPr>
+        <p:spPr>
+          <a:xfrm>
+            <a:off x="838200" y="365128"/>
+            <a:ext cx="10515600" cy="615175"/>
+          </a:xfrm>
+        </p:spPr>
+        <p:txBody>
+          <a:bodyPr>
+            <a:normAutofit fontScale="90000"/>
+          </a:bodyPr>
+          <a:lstStyle/>
+          <a:p>
+            <a:r>
+              <a:rPr lang="en-US" dirty="0" smtClean="0"/>
+              <a:t>How is it Human Centered?</a:t>
+            </a:r>
+            <a:endParaRPr lang="en-US" dirty="0"/>
+          </a:p>
+        </p:txBody>
+      </p:sp>
+      <p:sp>
+        <p:nvSpPr>
+          <p:cNvPr id="4" name="Rectangle 3"/>
+          <p:cNvSpPr/>
+          <p:nvPr/>
+        </p:nvSpPr>
+        <p:spPr>
+          <a:xfrm>
+            <a:off x="2438400" y="1276865"/>
+            <a:ext cx="3657599" cy="2158314"/>
+          </a:xfrm>
+          <a:prstGeom prst="rect">
+            <a:avLst/>
+          </a:prstGeom>
+          <a:solidFill>
+            <a:srgbClr val="00461B"/>
+          </a:solidFill>
+          <a:ln>
+            <a:solidFill>
+              <a:srgbClr val="00461B"/>
+            </a:solidFill>
+          </a:ln>
+        </p:spPr>
+        <p:style>
+          <a:lnRef idx="2">
+            <a:schemeClr val="accent1">
+              <a:shade val="50000"/>
+            </a:schemeClr>
+          </a:lnRef>
+          <a:fillRef idx="1">
+            <a:schemeClr val="accent1"/>
+          </a:fillRef>
+          <a:effectRef idx="0">
+            <a:schemeClr val="accent1"/>
+          </a:effectRef>
+          <a:fontRef idx="minor">
+            <a:schemeClr val="lt1"/>
+          </a:fontRef>
+        </p:style>
+        <p:txBody>
+          <a:bodyPr rtlCol="0" anchor="ctr"/>
+          <a:lstStyle/>
+          <a:p>
+            <a:pPr algn="ctr"/>
+            <a:r>
+              <a:rPr lang="en-US" sz="2400" b="1" dirty="0" smtClean="0">
+                <a:solidFill>
+                  <a:srgbClr val="EEE1C8"/>
+                </a:solidFill>
+              </a:rPr>
+              <a:t>People-Centered</a:t>
+            </a:r>
+          </a:p>
+          <a:p>
+            <a:pPr algn="ctr"/>
+            <a:r>
+              <a:rPr lang="en-US" sz="1200" dirty="0" smtClean="0">
+                <a:solidFill>
+                  <a:schemeClr val="bg1"/>
+                </a:solidFill>
+              </a:rPr>
+              <a:t>(</a:t>
+            </a:r>
+            <a:r>
+              <a:rPr lang="en-US" sz="1200" dirty="0">
+                <a:solidFill>
+                  <a:schemeClr val="bg1"/>
+                </a:solidFill>
+              </a:rPr>
+              <a:t>e</a:t>
+            </a:r>
+            <a:r>
+              <a:rPr lang="en-US" sz="1200" dirty="0" smtClean="0">
+                <a:solidFill>
+                  <a:schemeClr val="bg1"/>
+                </a:solidFill>
+              </a:rPr>
+              <a:t>mbedding the end users' thoughts and concerns)</a:t>
+            </a:r>
+            <a:endParaRPr lang="en-US" sz="1200" dirty="0">
+              <a:solidFill>
+                <a:schemeClr val="bg1"/>
+              </a:solidFill>
+            </a:endParaRPr>
+          </a:p>
+        </p:txBody>
+      </p:sp>
+      <p:sp>
+        <p:nvSpPr>
+          <p:cNvPr id="6" name="Rectangle 5"/>
+          <p:cNvSpPr/>
+          <p:nvPr/>
+        </p:nvSpPr>
+        <p:spPr>
+          <a:xfrm>
+            <a:off x="6481120" y="1276864"/>
+            <a:ext cx="3725562" cy="2158315"/>
+          </a:xfrm>
+          <a:prstGeom prst="rect">
+            <a:avLst/>
+          </a:prstGeom>
+          <a:solidFill>
+            <a:srgbClr val="00461B"/>
+          </a:solidFill>
+          <a:ln>
+            <a:solidFill>
+              <a:srgbClr val="00461B"/>
+            </a:solidFill>
+          </a:ln>
+        </p:spPr>
+        <p:style>
+          <a:lnRef idx="2">
+            <a:schemeClr val="accent1">
+              <a:shade val="50000"/>
+            </a:schemeClr>
+          </a:lnRef>
+          <a:fillRef idx="1">
+            <a:schemeClr val="accent1"/>
+          </a:fillRef>
+          <a:effectRef idx="0">
+            <a:schemeClr val="accent1"/>
+          </a:effectRef>
+          <a:fontRef idx="minor">
+            <a:schemeClr val="lt1"/>
+          </a:fontRef>
+        </p:style>
+        <p:txBody>
+          <a:bodyPr rtlCol="0" anchor="ctr"/>
+          <a:lstStyle/>
+          <a:p>
+            <a:pPr algn="ctr"/>
+            <a:r>
+              <a:rPr lang="en-US" sz="2400" b="1" dirty="0" smtClean="0">
+                <a:solidFill>
+                  <a:srgbClr val="EEE1C8"/>
+                </a:solidFill>
+              </a:rPr>
+              <a:t>Participatory Design</a:t>
+            </a:r>
+          </a:p>
+          <a:p>
+            <a:pPr algn="ctr"/>
+            <a:r>
+              <a:rPr lang="en-US" sz="1200" dirty="0" smtClean="0">
+                <a:solidFill>
+                  <a:schemeClr val="bg1"/>
+                </a:solidFill>
+              </a:rPr>
+              <a:t>(</a:t>
+            </a:r>
+            <a:r>
+              <a:rPr lang="en-US" sz="1200" dirty="0" smtClean="0"/>
+              <a:t>real-time</a:t>
+            </a:r>
+            <a:r>
+              <a:rPr lang="en-US" sz="1200" dirty="0"/>
+              <a:t>, immediate, quick, and cheap </a:t>
+            </a:r>
+            <a:r>
+              <a:rPr lang="en-US" sz="1200" dirty="0" smtClean="0"/>
+              <a:t>feedback</a:t>
+            </a:r>
+            <a:r>
+              <a:rPr lang="en-US" sz="1200" dirty="0" smtClean="0">
+                <a:solidFill>
+                  <a:schemeClr val="bg1"/>
+                </a:solidFill>
+              </a:rPr>
+              <a:t>)</a:t>
+            </a:r>
+            <a:endParaRPr lang="en-US" sz="1200" dirty="0">
+              <a:solidFill>
+                <a:schemeClr val="bg1"/>
+              </a:solidFill>
+            </a:endParaRPr>
+          </a:p>
+        </p:txBody>
+      </p:sp>
+      <p:sp>
+        <p:nvSpPr>
+          <p:cNvPr id="8" name="Rectangle 7"/>
+          <p:cNvSpPr/>
+          <p:nvPr/>
+        </p:nvSpPr>
+        <p:spPr>
+          <a:xfrm>
+            <a:off x="2438400" y="3735858"/>
+            <a:ext cx="3657599" cy="2211861"/>
+          </a:xfrm>
+          <a:prstGeom prst="rect">
+            <a:avLst/>
+          </a:prstGeom>
+          <a:solidFill>
+            <a:srgbClr val="00461B"/>
+          </a:solidFill>
+          <a:ln>
+            <a:solidFill>
+              <a:srgbClr val="00461B"/>
+            </a:solidFill>
+          </a:ln>
+        </p:spPr>
+        <p:style>
+          <a:lnRef idx="2">
+            <a:schemeClr val="accent1">
+              <a:shade val="50000"/>
+            </a:schemeClr>
+          </a:lnRef>
+          <a:fillRef idx="1">
+            <a:schemeClr val="accent1"/>
+          </a:fillRef>
+          <a:effectRef idx="0">
+            <a:schemeClr val="accent1"/>
+          </a:effectRef>
+          <a:fontRef idx="minor">
+            <a:schemeClr val="lt1"/>
+          </a:fontRef>
+        </p:style>
+        <p:txBody>
+          <a:bodyPr rtlCol="0" anchor="ctr"/>
+          <a:lstStyle/>
+          <a:p>
+            <a:pPr algn="ctr"/>
+            <a:r>
+              <a:rPr lang="en-US" sz="2400" b="1" dirty="0" smtClean="0">
+                <a:solidFill>
+                  <a:srgbClr val="EEE1C8"/>
+                </a:solidFill>
+              </a:rPr>
+              <a:t>Ethical</a:t>
+            </a:r>
+          </a:p>
+          <a:p>
+            <a:pPr algn="ctr"/>
+            <a:r>
+              <a:rPr lang="en-US" sz="1200" dirty="0" smtClean="0">
+                <a:solidFill>
+                  <a:schemeClr val="bg1"/>
+                </a:solidFill>
+              </a:rPr>
+              <a:t>(</a:t>
+            </a:r>
+            <a:r>
+              <a:rPr lang="en-US" sz="1200" dirty="0" smtClean="0">
+                <a:solidFill>
+                  <a:schemeClr val="bg1"/>
+                </a:solidFill>
+              </a:rPr>
+              <a:t>Masked data and free of demographic bias)</a:t>
+            </a:r>
+            <a:endParaRPr lang="en-US" sz="1200" dirty="0">
+              <a:solidFill>
+                <a:schemeClr val="bg1"/>
+              </a:solidFill>
+            </a:endParaRPr>
+          </a:p>
+        </p:txBody>
+      </p:sp>
+      <p:sp>
+        <p:nvSpPr>
+          <p:cNvPr id="9" name="Rectangle 8"/>
+          <p:cNvSpPr/>
+          <p:nvPr/>
+        </p:nvSpPr>
+        <p:spPr>
+          <a:xfrm>
+            <a:off x="6481119" y="3735858"/>
+            <a:ext cx="3725563" cy="2211861"/>
+          </a:xfrm>
+          <a:prstGeom prst="rect">
+            <a:avLst/>
+          </a:prstGeom>
+          <a:solidFill>
+            <a:srgbClr val="00461B"/>
+          </a:solidFill>
+          <a:ln>
+            <a:solidFill>
+              <a:srgbClr val="00461B"/>
+            </a:solidFill>
+          </a:ln>
+        </p:spPr>
+        <p:style>
+          <a:lnRef idx="2">
+            <a:schemeClr val="accent1">
+              <a:shade val="50000"/>
+            </a:schemeClr>
+          </a:lnRef>
+          <a:fillRef idx="1">
+            <a:schemeClr val="accent1"/>
+          </a:fillRef>
+          <a:effectRef idx="0">
+            <a:schemeClr val="accent1"/>
+          </a:effectRef>
+          <a:fontRef idx="minor">
+            <a:schemeClr val="lt1"/>
+          </a:fontRef>
+        </p:style>
+        <p:txBody>
+          <a:bodyPr rtlCol="0" anchor="ctr"/>
+          <a:lstStyle/>
+          <a:p>
+            <a:pPr algn="ctr"/>
+            <a:r>
+              <a:rPr lang="en-US" sz="2400" b="1" dirty="0" smtClean="0">
+                <a:solidFill>
+                  <a:srgbClr val="EEE1C8"/>
+                </a:solidFill>
+              </a:rPr>
+              <a:t>Viable</a:t>
+            </a:r>
+          </a:p>
+          <a:p>
+            <a:pPr algn="ctr"/>
+            <a:r>
+              <a:rPr lang="en-US" sz="1200" dirty="0" smtClean="0">
+                <a:solidFill>
+                  <a:schemeClr val="bg1"/>
+                </a:solidFill>
+              </a:rPr>
+              <a:t>(Possible data incorporation and implementation</a:t>
+            </a:r>
+            <a:r>
+              <a:rPr lang="en-US" sz="1200" dirty="0" smtClean="0">
+                <a:solidFill>
+                  <a:schemeClr val="bg1"/>
+                </a:solidFill>
+              </a:rPr>
+              <a:t>)</a:t>
+            </a:r>
+            <a:endParaRPr lang="en-US" sz="1200" dirty="0">
+              <a:solidFill>
+                <a:schemeClr val="bg1"/>
+              </a:solidFill>
+            </a:endParaRPr>
+          </a:p>
+        </p:txBody>
+      </p:sp>
+      <p:sp>
+        <p:nvSpPr>
+          <p:cNvPr id="10" name="Rectangle 9"/>
+          <p:cNvSpPr/>
+          <p:nvPr/>
+        </p:nvSpPr>
+        <p:spPr>
+          <a:xfrm>
+            <a:off x="0" y="0"/>
+            <a:ext cx="12192000" cy="6858000"/>
+          </a:xfrm>
+          <a:prstGeom prst="rect">
+            <a:avLst/>
+          </a:prstGeom>
+          <a:noFill/>
+          <a:ln w="60325">
+            <a:solidFill>
+              <a:srgbClr val="00461B"/>
+            </a:solidFill>
+          </a:ln>
+        </p:spPr>
+        <p:style>
+          <a:lnRef idx="2">
+            <a:schemeClr val="accent1">
+              <a:shade val="50000"/>
+            </a:schemeClr>
+          </a:lnRef>
+          <a:fillRef idx="1">
+            <a:schemeClr val="accent1"/>
+          </a:fillRef>
+          <a:effectRef idx="0">
+            <a:schemeClr val="accent1"/>
+          </a:effectRef>
+          <a:fontRef idx="minor">
+            <a:schemeClr val="lt1"/>
+          </a:fontRef>
+        </p:style>
+        <p:txBody>
+          <a:bodyPr rtlCol="0" anchor="ctr"/>
+          <a:lstStyle/>
+          <a:p>
+            <a:pPr algn="ctr"/>
+            <a:endParaRPr lang="en-US"/>
+          </a:p>
+        </p:txBody>
+      </p:sp>
+    </p:spTree>
+    <p:extLst>
+      <p:ext uri="{BB962C8B-B14F-4D97-AF65-F5344CB8AC3E}">
+        <p14:creationId xmlns:p14="http://schemas.microsoft.com/office/powerpoint/2010/main" val="2631894280"/>
+      </p:ext>
+    </p:extLst>
+  </p:cSld>
+  <p:clrMapOvr>
+    <a:masterClrMapping/>
+  </p:clrMapOvr>
+  <p:timing>
+    <p:tnLst>
+      <p:par>
+        <p:cTn id="1" dur="indefinite" restart="never" nodeType="tmRoot"/>
+      </p:par>
+    </p:tnLst>
+  </p:timing>
+</p:sld>
+</file>
+
+<file path=ppt/slides/slide4.xml><?xml version="1.0" encoding="utf-8"?>
+<p:sld xmlns:a="http://schemas.openxmlformats.org/drawingml/2006/main" xmlns:r="http://schemas.openxmlformats.org/officeDocument/2006/relationships" xmlns:p="http://schemas.openxmlformats.org/presentationml/2006/main">
+  <p:cSld>
+    <p:spTree>
+      <p:nvGrpSpPr>
+        <p:cNvPr id="1" name=""/>
+        <p:cNvGrpSpPr/>
+        <p:nvPr/>
+      </p:nvGrpSpPr>
+      <p:grpSpPr>
+        <a:xfrm>
+          <a:off x="0" y="0"/>
+          <a:ext cx="0" cy="0"/>
+          <a:chOff x="0" y="0"/>
+          <a:chExt cx="0" cy="0"/>
+        </a:xfrm>
+      </p:grpSpPr>
+      <p:sp>
+        <p:nvSpPr>
+          <p:cNvPr id="2" name="Title 1"/>
+          <p:cNvSpPr>
+            <a:spLocks noGrp="1"/>
+          </p:cNvSpPr>
+          <p:nvPr>
+            <p:ph type="title"/>
+          </p:nvPr>
+        </p:nvSpPr>
+        <p:spPr>
+          <a:xfrm>
+            <a:off x="838200" y="365128"/>
+            <a:ext cx="10515600" cy="697554"/>
+          </a:xfrm>
+        </p:spPr>
+        <p:txBody>
+          <a:bodyPr/>
+          <a:lstStyle/>
+          <a:p>
+            <a:r>
+              <a:rPr lang="en-US" dirty="0" smtClean="0"/>
+              <a:t>Data Used</a:t>
+            </a:r>
+            <a:endParaRPr lang="en-US" dirty="0"/>
+          </a:p>
+        </p:txBody>
+      </p:sp>
+      <p:sp>
+        <p:nvSpPr>
+          <p:cNvPr id="3" name="Content Placeholder 2"/>
+          <p:cNvSpPr>
+            <a:spLocks noGrp="1"/>
+          </p:cNvSpPr>
+          <p:nvPr>
+            <p:ph idx="1"/>
+          </p:nvPr>
+        </p:nvSpPr>
+        <p:spPr>
+          <a:xfrm>
+            <a:off x="838200" y="1339593"/>
+            <a:ext cx="6402859" cy="4351338"/>
+          </a:xfrm>
+        </p:spPr>
+        <p:txBody>
+          <a:bodyPr>
+            <a:noAutofit/>
+          </a:bodyPr>
+          <a:lstStyle/>
+          <a:p>
+            <a:pPr marL="0" indent="0">
+              <a:buNone/>
+            </a:pPr>
+            <a:r>
+              <a:rPr lang="en-US" sz="2200" b="1" dirty="0"/>
+              <a:t>Data Source 1: </a:t>
+            </a:r>
+            <a:r>
+              <a:rPr lang="en-US" sz="2200" dirty="0" smtClean="0">
+                <a:hlinkClick r:id="rId2"/>
+              </a:rPr>
+              <a:t>COVID-19 </a:t>
+            </a:r>
+            <a:r>
+              <a:rPr lang="en-US" sz="2200" dirty="0">
+                <a:hlinkClick r:id="rId2"/>
+              </a:rPr>
+              <a:t>Search Trends symptoms dataset</a:t>
+            </a:r>
+            <a:r>
+              <a:rPr lang="en-US" sz="2200" dirty="0"/>
+              <a:t> </a:t>
+            </a:r>
+          </a:p>
+          <a:p>
+            <a:pPr marL="0" indent="0">
+              <a:buNone/>
+            </a:pPr>
+            <a:r>
+              <a:rPr lang="en-US" sz="2200" dirty="0" smtClean="0"/>
+              <a:t>Aggregated and anonymized relative symptom search trends </a:t>
+            </a:r>
+            <a:r>
+              <a:rPr lang="en-US" sz="2200" dirty="0"/>
+              <a:t>in Google </a:t>
+            </a:r>
+            <a:r>
+              <a:rPr lang="en-US" sz="2200" dirty="0" smtClean="0"/>
+              <a:t>for </a:t>
+            </a:r>
+            <a:r>
+              <a:rPr lang="en-US" sz="2200" dirty="0"/>
+              <a:t>more than 400 health </a:t>
+            </a:r>
+            <a:r>
+              <a:rPr lang="en-US" sz="2200" dirty="0" smtClean="0"/>
+              <a:t>symptoms, signs, and conditions.</a:t>
+            </a:r>
+          </a:p>
+          <a:p>
+            <a:pPr marL="0" indent="0">
+              <a:buNone/>
+            </a:pPr>
+            <a:endParaRPr lang="en-US" sz="2200" dirty="0"/>
+          </a:p>
+          <a:p>
+            <a:pPr marL="0" indent="0">
+              <a:buNone/>
+            </a:pPr>
+            <a:r>
+              <a:rPr lang="en-US" sz="2200" b="1" dirty="0"/>
+              <a:t>Data Source 2: </a:t>
+            </a:r>
+            <a:r>
+              <a:rPr lang="en-US" sz="2200" dirty="0" smtClean="0">
+                <a:hlinkClick r:id="rId3"/>
+              </a:rPr>
+              <a:t>COVID-19 </a:t>
+            </a:r>
+            <a:r>
+              <a:rPr lang="en-US" sz="2200" dirty="0">
+                <a:hlinkClick r:id="rId3"/>
+              </a:rPr>
+              <a:t>Vaccination Search Insights </a:t>
+            </a:r>
+            <a:endParaRPr lang="en-US" sz="2200" dirty="0"/>
+          </a:p>
+          <a:p>
+            <a:pPr marL="0" indent="0">
+              <a:buNone/>
+            </a:pPr>
+            <a:r>
+              <a:rPr lang="en-US" sz="2200" dirty="0" smtClean="0"/>
+              <a:t>Aggregated and anonymized </a:t>
+            </a:r>
+            <a:r>
+              <a:rPr lang="en-US" sz="2200" dirty="0" smtClean="0"/>
+              <a:t>relative interest in Google searches related to COVID-19 vaccination, intention and side-effects.</a:t>
+            </a:r>
+            <a:endParaRPr lang="en-US" sz="2200" dirty="0"/>
+          </a:p>
+        </p:txBody>
+      </p:sp>
+      <p:pic>
+        <p:nvPicPr>
+          <p:cNvPr id="5" name="Picture 4"/>
+          <p:cNvPicPr>
+            <a:picLocks noChangeAspect="1"/>
+          </p:cNvPicPr>
+          <p:nvPr/>
+        </p:nvPicPr>
+        <p:blipFill>
+          <a:blip r:embed="rId4"/>
+          <a:stretch>
+            <a:fillRect/>
+          </a:stretch>
+        </p:blipFill>
+        <p:spPr>
+          <a:xfrm>
+            <a:off x="7471717" y="3152260"/>
+            <a:ext cx="4222170" cy="1680395"/>
+          </a:xfrm>
+          <a:prstGeom prst="rect">
+            <a:avLst/>
+          </a:prstGeom>
+        </p:spPr>
+      </p:pic>
+      <p:pic>
+        <p:nvPicPr>
+          <p:cNvPr id="6" name="Picture 5"/>
+          <p:cNvPicPr>
+            <a:picLocks noChangeAspect="1"/>
+          </p:cNvPicPr>
+          <p:nvPr/>
+        </p:nvPicPr>
+        <p:blipFill>
+          <a:blip r:embed="rId5"/>
+          <a:stretch>
+            <a:fillRect/>
+          </a:stretch>
+        </p:blipFill>
+        <p:spPr>
+          <a:xfrm>
+            <a:off x="7471718" y="1318055"/>
+            <a:ext cx="4216674" cy="1487412"/>
+          </a:xfrm>
+          <a:prstGeom prst="rect">
+            <a:avLst/>
+          </a:prstGeom>
+        </p:spPr>
+      </p:pic>
+      <p:sp>
+        <p:nvSpPr>
+          <p:cNvPr id="8" name="Rectangle 7"/>
+          <p:cNvSpPr/>
+          <p:nvPr/>
+        </p:nvSpPr>
+        <p:spPr>
+          <a:xfrm>
+            <a:off x="0" y="0"/>
+            <a:ext cx="12192000" cy="6858000"/>
+          </a:xfrm>
+          <a:prstGeom prst="rect">
+            <a:avLst/>
+          </a:prstGeom>
+          <a:noFill/>
+          <a:ln w="60325">
+            <a:solidFill>
+              <a:srgbClr val="00461B"/>
+            </a:solidFill>
+          </a:ln>
+        </p:spPr>
+        <p:style>
+          <a:lnRef idx="2">
+            <a:schemeClr val="accent1">
+              <a:shade val="50000"/>
+            </a:schemeClr>
+          </a:lnRef>
+          <a:fillRef idx="1">
+            <a:schemeClr val="accent1"/>
+          </a:fillRef>
+          <a:effectRef idx="0">
+            <a:schemeClr val="accent1"/>
+          </a:effectRef>
+          <a:fontRef idx="minor">
+            <a:schemeClr val="lt1"/>
+          </a:fontRef>
+        </p:style>
+        <p:txBody>
+          <a:bodyPr rtlCol="0" anchor="ctr"/>
+          <a:lstStyle/>
+          <a:p>
+            <a:pPr algn="ctr"/>
+            <a:endParaRPr lang="en-US"/>
+          </a:p>
+        </p:txBody>
+      </p:sp>
+    </p:spTree>
+    <p:extLst>
+      <p:ext uri="{BB962C8B-B14F-4D97-AF65-F5344CB8AC3E}">
+        <p14:creationId xmlns:p14="http://schemas.microsoft.com/office/powerpoint/2010/main" val="1523321927"/>
+      </p:ext>
+    </p:extLst>
+  </p:cSld>
+  <p:clrMapOvr>
+    <a:masterClrMapping/>
+  </p:clrMapOvr>
+  <p:timing>
+    <p:tnLst>
+      <p:par>
+        <p:cTn id="1" dur="indefinite" restart="never" nodeType="tmRoot"/>
+      </p:par>
+    </p:tnLst>
+  </p:timing>
+</p:sld>
+</file>
+
+<file path=ppt/slides/slide5.xml><?xml version="1.0" encoding="utf-8"?>
+<p:sld xmlns:a="http://schemas.openxmlformats.org/drawingml/2006/main" xmlns:r="http://schemas.openxmlformats.org/officeDocument/2006/relationships" xmlns:p="http://schemas.openxmlformats.org/presentationml/2006/main">
+  <p:cSld>
+    <p:spTree>
+      <p:nvGrpSpPr>
+        <p:cNvPr id="1" name=""/>
+        <p:cNvGrpSpPr/>
+        <p:nvPr/>
+      </p:nvGrpSpPr>
+      <p:grpSpPr>
+        <a:xfrm>
+          <a:off x="0" y="0"/>
+          <a:ext cx="0" cy="0"/>
+          <a:chOff x="0" y="0"/>
+          <a:chExt cx="0" cy="0"/>
+        </a:xfrm>
+      </p:grpSpPr>
+      <p:sp>
+        <p:nvSpPr>
+          <p:cNvPr id="2" name="Title 1"/>
+          <p:cNvSpPr>
+            <a:spLocks noGrp="1"/>
+          </p:cNvSpPr>
+          <p:nvPr>
+            <p:ph type="title"/>
+          </p:nvPr>
+        </p:nvSpPr>
+        <p:spPr>
+          <a:xfrm>
+            <a:off x="838200" y="365128"/>
+            <a:ext cx="10515600" cy="722268"/>
+          </a:xfrm>
+        </p:spPr>
+        <p:txBody>
+          <a:bodyPr/>
+          <a:lstStyle/>
+          <a:p>
+            <a:r>
+              <a:rPr lang="en-US" dirty="0" smtClean="0"/>
+              <a:t>Change Point Detection</a:t>
+            </a:r>
+            <a:endParaRPr lang="en-US" dirty="0"/>
+          </a:p>
+        </p:txBody>
+      </p:sp>
+      <p:sp>
+        <p:nvSpPr>
+          <p:cNvPr id="3" name="Content Placeholder 2"/>
+          <p:cNvSpPr>
+            <a:spLocks noGrp="1"/>
+          </p:cNvSpPr>
+          <p:nvPr>
+            <p:ph idx="1"/>
+          </p:nvPr>
+        </p:nvSpPr>
+        <p:spPr>
+          <a:xfrm>
+            <a:off x="838199" y="1243914"/>
+            <a:ext cx="10974860" cy="3300493"/>
+          </a:xfrm>
+        </p:spPr>
+        <p:txBody>
+          <a:bodyPr>
+            <a:normAutofit/>
+          </a:bodyPr>
+          <a:lstStyle/>
+          <a:p>
+            <a:pPr marL="0" indent="0">
+              <a:buNone/>
+            </a:pPr>
+            <a:r>
+              <a:rPr lang="en-US" sz="2400" b="1" dirty="0" smtClean="0"/>
+              <a:t>What?</a:t>
+            </a:r>
+          </a:p>
+          <a:p>
+            <a:pPr marL="0" indent="0">
+              <a:buNone/>
+            </a:pPr>
+            <a:r>
+              <a:rPr lang="en-US" sz="2400" dirty="0"/>
+              <a:t>Change point detection (CPD) </a:t>
+            </a:r>
+            <a:r>
+              <a:rPr lang="en-US" sz="2400" dirty="0" smtClean="0"/>
+              <a:t>finds abrupt </a:t>
+            </a:r>
+            <a:r>
+              <a:rPr lang="en-US" sz="2400" dirty="0"/>
+              <a:t>changes in </a:t>
+            </a:r>
+            <a:r>
+              <a:rPr lang="en-US" sz="2400" dirty="0" smtClean="0"/>
+              <a:t>time series when the </a:t>
+            </a:r>
+            <a:r>
+              <a:rPr lang="en-US" sz="2400" dirty="0"/>
+              <a:t>property </a:t>
+            </a:r>
+            <a:r>
+              <a:rPr lang="en-US" sz="2400" dirty="0" smtClean="0"/>
+              <a:t>of signal changes</a:t>
+            </a:r>
+          </a:p>
+          <a:p>
+            <a:pPr marL="0" indent="0">
+              <a:buNone/>
+            </a:pPr>
+            <a:r>
+              <a:rPr lang="en-US" sz="2400" b="1" dirty="0" smtClean="0"/>
+              <a:t>Why?</a:t>
+            </a:r>
+          </a:p>
+          <a:p>
+            <a:pPr marL="0" indent="0">
+              <a:buNone/>
+            </a:pPr>
+            <a:r>
+              <a:rPr lang="en-US" sz="2400" dirty="0" smtClean="0"/>
+              <a:t>Identify the pivot points in virus progression and draw inference for detected changes</a:t>
+            </a:r>
+          </a:p>
+          <a:p>
+            <a:pPr marL="0" indent="0">
+              <a:buNone/>
+            </a:pPr>
+            <a:r>
+              <a:rPr lang="en-US" sz="2400" b="1" dirty="0" smtClean="0"/>
+              <a:t>How?</a:t>
+            </a:r>
+          </a:p>
+          <a:p>
+            <a:pPr marL="0" indent="0">
+              <a:buNone/>
+            </a:pPr>
+            <a:r>
+              <a:rPr lang="en-US" sz="2400" dirty="0" smtClean="0"/>
+              <a:t>Ruptures – Detect the change in derivative of the infection rate</a:t>
+            </a:r>
+            <a:endParaRPr lang="en-US" sz="2400" dirty="0"/>
+          </a:p>
+        </p:txBody>
+      </p:sp>
+      <p:pic>
+        <p:nvPicPr>
+          <p:cNvPr id="4" name="Picture 3"/>
+          <p:cNvPicPr>
+            <a:picLocks noChangeAspect="1"/>
+          </p:cNvPicPr>
+          <p:nvPr/>
+        </p:nvPicPr>
+        <p:blipFill>
+          <a:blip r:embed="rId2" cstate="print">
+            <a:extLst>
+              <a:ext uri="{28A0092B-C50C-407E-A947-70E740481C1C}">
+                <a14:useLocalDpi xmlns:a14="http://schemas.microsoft.com/office/drawing/2010/main" val="0"/>
+              </a:ext>
+            </a:extLst>
+          </a:blip>
+          <a:stretch>
+            <a:fillRect/>
+          </a:stretch>
+        </p:blipFill>
+        <p:spPr>
+          <a:xfrm>
+            <a:off x="1266164" y="4544407"/>
+            <a:ext cx="9242855" cy="1768600"/>
+          </a:xfrm>
+          <a:prstGeom prst="rect">
+            <a:avLst/>
+          </a:prstGeom>
+        </p:spPr>
+      </p:pic>
+      <p:sp>
+        <p:nvSpPr>
+          <p:cNvPr id="5" name="Rectangle 4"/>
+          <p:cNvSpPr/>
+          <p:nvPr/>
+        </p:nvSpPr>
+        <p:spPr>
+          <a:xfrm>
+            <a:off x="0" y="0"/>
+            <a:ext cx="12192000" cy="6858000"/>
+          </a:xfrm>
+          <a:prstGeom prst="rect">
+            <a:avLst/>
+          </a:prstGeom>
+          <a:noFill/>
+          <a:ln w="60325">
+            <a:solidFill>
+              <a:srgbClr val="00461B"/>
+            </a:solidFill>
+          </a:ln>
+        </p:spPr>
+        <p:style>
+          <a:lnRef idx="2">
+            <a:schemeClr val="accent1">
+              <a:shade val="50000"/>
+            </a:schemeClr>
+          </a:lnRef>
+          <a:fillRef idx="1">
+            <a:schemeClr val="accent1"/>
+          </a:fillRef>
+          <a:effectRef idx="0">
+            <a:schemeClr val="accent1"/>
+          </a:effectRef>
+          <a:fontRef idx="minor">
+            <a:schemeClr val="lt1"/>
+          </a:fontRef>
+        </p:style>
+        <p:txBody>
+          <a:bodyPr rtlCol="0" anchor="ctr"/>
+          <a:lstStyle/>
+          <a:p>
+            <a:pPr algn="ctr"/>
+            <a:endParaRPr lang="en-US"/>
+          </a:p>
+        </p:txBody>
+      </p:sp>
+    </p:spTree>
+    <p:extLst>
+      <p:ext uri="{BB962C8B-B14F-4D97-AF65-F5344CB8AC3E}">
+        <p14:creationId xmlns:p14="http://schemas.microsoft.com/office/powerpoint/2010/main" val="3678125716"/>
+      </p:ext>
+    </p:extLst>
+  </p:cSld>
+  <p:clrMapOvr>
+    <a:masterClrMapping/>
+  </p:clrMapOvr>
+  <p:timing>
+    <p:tnLst>
+      <p:par>
+        <p:cTn id="1" dur="indefinite" restart="never" nodeType="tmRoot"/>
+      </p:par>
+    </p:tnLst>
+  </p:timing>
+</p:sld>
+</file>
+
+<file path=ppt/slides/slide6.xml><?xml version="1.0" encoding="utf-8"?>
+<p:sld xmlns:a="http://schemas.openxmlformats.org/drawingml/2006/main" xmlns:r="http://schemas.openxmlformats.org/officeDocument/2006/relationships" xmlns:p="http://schemas.openxmlformats.org/presentationml/2006/main">
+  <p:cSld>
+    <p:spTree>
+      <p:nvGrpSpPr>
+        <p:cNvPr id="1" name=""/>
+        <p:cNvGrpSpPr/>
+        <p:nvPr/>
+      </p:nvGrpSpPr>
+      <p:grpSpPr>
+        <a:xfrm>
+          <a:off x="0" y="0"/>
+          <a:ext cx="0" cy="0"/>
+          <a:chOff x="0" y="0"/>
+          <a:chExt cx="0" cy="0"/>
+        </a:xfrm>
+      </p:grpSpPr>
+      <p:pic>
+        <p:nvPicPr>
+          <p:cNvPr id="11" name="Picture 10"/>
+          <p:cNvPicPr>
+            <a:picLocks noChangeAspect="1"/>
+          </p:cNvPicPr>
+          <p:nvPr/>
+        </p:nvPicPr>
+        <p:blipFill>
+          <a:blip r:embed="rId2">
+            <a:extLst>
+              <a:ext uri="{28A0092B-C50C-407E-A947-70E740481C1C}">
+                <a14:useLocalDpi xmlns:a14="http://schemas.microsoft.com/office/drawing/2010/main" val="0"/>
+              </a:ext>
+            </a:extLst>
+          </a:blip>
+          <a:stretch>
+            <a:fillRect/>
+          </a:stretch>
+        </p:blipFill>
+        <p:spPr>
+          <a:xfrm>
+            <a:off x="3374787" y="4670410"/>
+            <a:ext cx="8419601" cy="1625349"/>
+          </a:xfrm>
+          <a:prstGeom prst="rect">
+            <a:avLst/>
+          </a:prstGeom>
+        </p:spPr>
+      </p:pic>
+      <p:pic>
+        <p:nvPicPr>
+          <p:cNvPr id="12" name="Picture 11"/>
+          <p:cNvPicPr>
+            <a:picLocks noChangeAspect="1"/>
+          </p:cNvPicPr>
+          <p:nvPr/>
+        </p:nvPicPr>
+        <p:blipFill>
+          <a:blip r:embed="rId3">
+            <a:extLst>
+              <a:ext uri="{28A0092B-C50C-407E-A947-70E740481C1C}">
+                <a14:useLocalDpi xmlns:a14="http://schemas.microsoft.com/office/drawing/2010/main" val="0"/>
+              </a:ext>
+            </a:extLst>
+          </a:blip>
+          <a:stretch>
+            <a:fillRect/>
+          </a:stretch>
+        </p:blipFill>
+        <p:spPr>
+          <a:xfrm>
+            <a:off x="3374787" y="3042229"/>
+            <a:ext cx="8419600" cy="1628181"/>
+          </a:xfrm>
+          <a:prstGeom prst="rect">
+            <a:avLst/>
+          </a:prstGeom>
+        </p:spPr>
+      </p:pic>
+      <p:pic>
+        <p:nvPicPr>
           <p:cNvPr id="13" name="Picture 12"/>
+          <p:cNvPicPr>
+            <a:picLocks noChangeAspect="1"/>
+          </p:cNvPicPr>
+          <p:nvPr/>
+        </p:nvPicPr>
+        <p:blipFill>
+          <a:blip r:embed="rId4">
+            <a:extLst>
+              <a:ext uri="{28A0092B-C50C-407E-A947-70E740481C1C}">
+                <a14:useLocalDpi xmlns:a14="http://schemas.microsoft.com/office/drawing/2010/main" val="0"/>
+              </a:ext>
+            </a:extLst>
+          </a:blip>
+          <a:stretch>
+            <a:fillRect/>
+          </a:stretch>
+        </p:blipFill>
+        <p:spPr>
+          <a:xfrm>
+            <a:off x="3374789" y="1456197"/>
+            <a:ext cx="8419600" cy="1628181"/>
+          </a:xfrm>
+          <a:prstGeom prst="rect">
+            <a:avLst/>
+          </a:prstGeom>
+        </p:spPr>
+      </p:pic>
+      <p:sp>
+        <p:nvSpPr>
+          <p:cNvPr id="18" name="Rectangle 17"/>
+          <p:cNvSpPr/>
+          <p:nvPr/>
+        </p:nvSpPr>
+        <p:spPr>
+          <a:xfrm>
+            <a:off x="428371" y="1573419"/>
+            <a:ext cx="2608931" cy="1342768"/>
+          </a:xfrm>
+          <a:prstGeom prst="rect">
+            <a:avLst/>
+          </a:prstGeom>
+          <a:noFill/>
+          <a:ln>
+            <a:solidFill>
+              <a:srgbClr val="00461B"/>
+            </a:solidFill>
+          </a:ln>
+        </p:spPr>
+        <p:style>
+          <a:lnRef idx="2">
+            <a:schemeClr val="accent1">
+              <a:shade val="50000"/>
+            </a:schemeClr>
+          </a:lnRef>
+          <a:fillRef idx="1">
+            <a:schemeClr val="accent1"/>
+          </a:fillRef>
+          <a:effectRef idx="0">
+            <a:schemeClr val="accent1"/>
+          </a:effectRef>
+          <a:fontRef idx="minor">
+            <a:schemeClr val="lt1"/>
+          </a:fontRef>
+        </p:style>
+        <p:txBody>
+          <a:bodyPr rtlCol="0" anchor="ctr"/>
+          <a:lstStyle/>
+          <a:p>
+            <a:pPr marL="285750" indent="-285750">
+              <a:buFont typeface="Arial" panose="020B0604020202020204" pitchFamily="34" charset="0"/>
+              <a:buChar char="•"/>
+            </a:pPr>
+            <a:r>
+              <a:rPr lang="en-US" sz="1200" b="1" dirty="0" smtClean="0">
+                <a:solidFill>
+                  <a:schemeClr val="tx1"/>
+                </a:solidFill>
+              </a:rPr>
+              <a:t>FEVER</a:t>
+            </a:r>
+            <a:r>
+              <a:rPr lang="en-US" sz="1200" dirty="0" smtClean="0">
+                <a:solidFill>
+                  <a:schemeClr val="tx1"/>
+                </a:solidFill>
+              </a:rPr>
+              <a:t> symptom search term is strongly associated with daily COVID-19 </a:t>
+            </a:r>
+            <a:r>
+              <a:rPr lang="en-US" sz="1200" b="1" dirty="0" smtClean="0">
+                <a:solidFill>
+                  <a:srgbClr val="0070C0"/>
+                </a:solidFill>
+              </a:rPr>
+              <a:t>confirmed cases</a:t>
+            </a:r>
+          </a:p>
+          <a:p>
+            <a:pPr marL="285750" indent="-285750">
+              <a:buFont typeface="Arial" panose="020B0604020202020204" pitchFamily="34" charset="0"/>
+              <a:buChar char="•"/>
+            </a:pPr>
+            <a:r>
+              <a:rPr lang="en-US" sz="1200" dirty="0" smtClean="0">
+                <a:solidFill>
+                  <a:schemeClr val="tx1"/>
+                </a:solidFill>
+              </a:rPr>
+              <a:t>Change points detected for search term closely align with those of the </a:t>
+            </a:r>
+            <a:r>
+              <a:rPr lang="en-US" sz="1200" b="1" dirty="0" smtClean="0">
+                <a:solidFill>
+                  <a:schemeClr val="accent4">
+                    <a:lumMod val="50000"/>
+                  </a:schemeClr>
+                </a:solidFill>
+              </a:rPr>
+              <a:t>infection rate</a:t>
+            </a:r>
+            <a:endParaRPr lang="en-US" sz="1200" b="1" dirty="0">
+              <a:solidFill>
+                <a:schemeClr val="accent4">
+                  <a:lumMod val="50000"/>
+                </a:schemeClr>
+              </a:solidFill>
+            </a:endParaRPr>
+          </a:p>
+        </p:txBody>
+      </p:sp>
+      <p:sp>
+        <p:nvSpPr>
+          <p:cNvPr id="19" name="Rectangle 18"/>
+          <p:cNvSpPr/>
+          <p:nvPr/>
+        </p:nvSpPr>
+        <p:spPr>
+          <a:xfrm>
+            <a:off x="428370" y="3201600"/>
+            <a:ext cx="2608931" cy="1304490"/>
+          </a:xfrm>
+          <a:prstGeom prst="rect">
+            <a:avLst/>
+          </a:prstGeom>
+          <a:noFill/>
+          <a:ln>
+            <a:solidFill>
+              <a:srgbClr val="00461B"/>
+            </a:solidFill>
+          </a:ln>
+        </p:spPr>
+        <p:style>
+          <a:lnRef idx="2">
+            <a:schemeClr val="accent1">
+              <a:shade val="50000"/>
+            </a:schemeClr>
+          </a:lnRef>
+          <a:fillRef idx="1">
+            <a:schemeClr val="accent1"/>
+          </a:fillRef>
+          <a:effectRef idx="0">
+            <a:schemeClr val="accent1"/>
+          </a:effectRef>
+          <a:fontRef idx="minor">
+            <a:schemeClr val="lt1"/>
+          </a:fontRef>
+        </p:style>
+        <p:txBody>
+          <a:bodyPr rtlCol="0" anchor="ctr"/>
+          <a:lstStyle/>
+          <a:p>
+            <a:pPr marL="285750" indent="-285750">
+              <a:buFont typeface="Arial" panose="020B0604020202020204" pitchFamily="34" charset="0"/>
+              <a:buChar char="•"/>
+            </a:pPr>
+            <a:r>
+              <a:rPr lang="en-US" sz="1200" b="1" dirty="0" smtClean="0">
+                <a:solidFill>
+                  <a:schemeClr val="tx1"/>
+                </a:solidFill>
+              </a:rPr>
+              <a:t>COUGH</a:t>
+            </a:r>
+            <a:r>
+              <a:rPr lang="en-US" sz="1200" dirty="0" smtClean="0">
+                <a:solidFill>
+                  <a:schemeClr val="tx1"/>
+                </a:solidFill>
+              </a:rPr>
+              <a:t> </a:t>
+            </a:r>
+            <a:r>
+              <a:rPr lang="en-US" sz="1200" dirty="0" smtClean="0">
+                <a:solidFill>
+                  <a:schemeClr val="tx1"/>
+                </a:solidFill>
+              </a:rPr>
+              <a:t>is the </a:t>
+            </a:r>
+            <a:r>
+              <a:rPr lang="en-US" sz="1200" dirty="0" smtClean="0">
+                <a:solidFill>
+                  <a:schemeClr val="tx1"/>
+                </a:solidFill>
+              </a:rPr>
+              <a:t>highest searched  symptom with high RSV</a:t>
+            </a:r>
+          </a:p>
+          <a:p>
+            <a:pPr marL="285750" indent="-285750">
+              <a:buFont typeface="Arial" panose="020B0604020202020204" pitchFamily="34" charset="0"/>
+              <a:buChar char="•"/>
+            </a:pPr>
+            <a:endParaRPr lang="en-US" sz="1200" dirty="0" smtClean="0">
+              <a:solidFill>
+                <a:schemeClr val="tx1"/>
+              </a:solidFill>
+            </a:endParaRPr>
+          </a:p>
+          <a:p>
+            <a:pPr marL="285750" indent="-285750">
+              <a:buFont typeface="Arial" panose="020B0604020202020204" pitchFamily="34" charset="0"/>
+              <a:buChar char="•"/>
+            </a:pPr>
+            <a:r>
+              <a:rPr lang="en-US" sz="1200" dirty="0" smtClean="0">
+                <a:solidFill>
+                  <a:schemeClr val="tx1"/>
+                </a:solidFill>
+              </a:rPr>
+              <a:t>Moderately correlated with COVID-19 </a:t>
+            </a:r>
+            <a:r>
+              <a:rPr lang="en-US" sz="1200" b="1" dirty="0" smtClean="0">
+                <a:solidFill>
+                  <a:schemeClr val="accent1">
+                    <a:lumMod val="75000"/>
+                  </a:schemeClr>
+                </a:solidFill>
+              </a:rPr>
+              <a:t>confirmed cases</a:t>
+            </a:r>
+            <a:endParaRPr lang="en-US" sz="1200" dirty="0" smtClean="0">
+              <a:solidFill>
+                <a:schemeClr val="tx1"/>
+              </a:solidFill>
+            </a:endParaRPr>
+          </a:p>
+        </p:txBody>
+      </p:sp>
+      <p:sp>
+        <p:nvSpPr>
+          <p:cNvPr id="20" name="Rectangle 19"/>
+          <p:cNvSpPr/>
+          <p:nvPr/>
+        </p:nvSpPr>
+        <p:spPr>
+          <a:xfrm>
+            <a:off x="428370" y="4791503"/>
+            <a:ext cx="2608931" cy="1304490"/>
+          </a:xfrm>
+          <a:prstGeom prst="rect">
+            <a:avLst/>
+          </a:prstGeom>
+          <a:noFill/>
+          <a:ln>
+            <a:solidFill>
+              <a:srgbClr val="00461B"/>
+            </a:solidFill>
+          </a:ln>
+        </p:spPr>
+        <p:style>
+          <a:lnRef idx="2">
+            <a:schemeClr val="accent1">
+              <a:shade val="50000"/>
+            </a:schemeClr>
+          </a:lnRef>
+          <a:fillRef idx="1">
+            <a:schemeClr val="accent1"/>
+          </a:fillRef>
+          <a:effectRef idx="0">
+            <a:schemeClr val="accent1"/>
+          </a:effectRef>
+          <a:fontRef idx="minor">
+            <a:schemeClr val="lt1"/>
+          </a:fontRef>
+        </p:style>
+        <p:txBody>
+          <a:bodyPr rtlCol="0" anchor="ctr"/>
+          <a:lstStyle/>
+          <a:p>
+            <a:pPr marL="285750" indent="-285750">
+              <a:buFont typeface="Arial" panose="020B0604020202020204" pitchFamily="34" charset="0"/>
+              <a:buChar char="•"/>
+            </a:pPr>
+            <a:r>
+              <a:rPr lang="en-US" sz="1200" b="1" dirty="0" smtClean="0">
+                <a:solidFill>
+                  <a:schemeClr val="tx1"/>
+                </a:solidFill>
+              </a:rPr>
+              <a:t>PNEUMONIA</a:t>
+            </a:r>
+            <a:r>
+              <a:rPr lang="en-US" sz="1200" dirty="0" smtClean="0">
+                <a:solidFill>
+                  <a:schemeClr val="tx1"/>
+                </a:solidFill>
+              </a:rPr>
+              <a:t> symptom search term is strongly associated with daily COVID-19 </a:t>
+            </a:r>
+            <a:r>
+              <a:rPr lang="en-US" sz="1200" b="1" dirty="0" smtClean="0">
+                <a:solidFill>
+                  <a:srgbClr val="C00000"/>
+                </a:solidFill>
+              </a:rPr>
+              <a:t>fatalities</a:t>
+            </a:r>
+          </a:p>
+          <a:p>
+            <a:pPr marL="285750" indent="-285750">
+              <a:buFont typeface="Arial" panose="020B0604020202020204" pitchFamily="34" charset="0"/>
+              <a:buChar char="•"/>
+            </a:pPr>
+            <a:r>
+              <a:rPr lang="en-US" sz="1200" dirty="0" smtClean="0">
+                <a:solidFill>
+                  <a:schemeClr val="tx1"/>
+                </a:solidFill>
+              </a:rPr>
+              <a:t>Lag delay observed in change points between search term and fatalities</a:t>
+            </a:r>
+          </a:p>
+        </p:txBody>
+      </p:sp>
+      <p:sp>
+        <p:nvSpPr>
+          <p:cNvPr id="23" name="Title 1"/>
+          <p:cNvSpPr txBox="1">
+            <a:spLocks/>
+          </p:cNvSpPr>
+          <p:nvPr/>
+        </p:nvSpPr>
+        <p:spPr>
+          <a:xfrm>
+            <a:off x="838200" y="365128"/>
+            <a:ext cx="10515600" cy="722268"/>
+          </a:xfrm>
+          <a:prstGeom prst="rect">
+            <a:avLst/>
+          </a:prstGeom>
+        </p:spPr>
+        <p:txBody>
+          <a:bodyPr vert="horz" lIns="91440" tIns="45720" rIns="91440" bIns="45720" rtlCol="0" anchor="b">
+            <a:normAutofit/>
+          </a:bodyPr>
+          <a:lstStyle>
+            <a:lvl1pPr algn="ctr" defTabSz="914377" rtl="0" eaLnBrk="1" latinLnBrk="0" hangingPunct="1">
+              <a:lnSpc>
+                <a:spcPct val="90000"/>
+              </a:lnSpc>
+              <a:spcBef>
+                <a:spcPct val="0"/>
+              </a:spcBef>
+              <a:buNone/>
+              <a:defRPr sz="6000" kern="1200">
+                <a:solidFill>
+                  <a:schemeClr val="tx1"/>
+                </a:solidFill>
+                <a:latin typeface="+mj-lt"/>
+                <a:ea typeface="+mj-ea"/>
+                <a:cs typeface="+mj-cs"/>
+              </a:defRPr>
+            </a:lvl1pPr>
+          </a:lstStyle>
+          <a:p>
+            <a:pPr algn="l"/>
+            <a:r>
+              <a:rPr lang="en-US" sz="4400" dirty="0" smtClean="0"/>
+              <a:t>Google Symptom Search Trends</a:t>
+            </a:r>
+            <a:endParaRPr lang="en-US" sz="4400" dirty="0"/>
+          </a:p>
+        </p:txBody>
+      </p:sp>
+      <p:sp>
+        <p:nvSpPr>
+          <p:cNvPr id="26" name="Rectangle 25"/>
+          <p:cNvSpPr/>
+          <p:nvPr/>
+        </p:nvSpPr>
+        <p:spPr>
+          <a:xfrm>
+            <a:off x="0" y="0"/>
+            <a:ext cx="12192000" cy="6858000"/>
+          </a:xfrm>
+          <a:prstGeom prst="rect">
+            <a:avLst/>
+          </a:prstGeom>
+          <a:noFill/>
+          <a:ln w="60325">
+            <a:solidFill>
+              <a:srgbClr val="00461B"/>
+            </a:solidFill>
+          </a:ln>
+        </p:spPr>
+        <p:style>
+          <a:lnRef idx="2">
+            <a:schemeClr val="accent1">
+              <a:shade val="50000"/>
+            </a:schemeClr>
+          </a:lnRef>
+          <a:fillRef idx="1">
+            <a:schemeClr val="accent1"/>
+          </a:fillRef>
+          <a:effectRef idx="0">
+            <a:schemeClr val="accent1"/>
+          </a:effectRef>
+          <a:fontRef idx="minor">
+            <a:schemeClr val="lt1"/>
+          </a:fontRef>
+        </p:style>
+        <p:txBody>
+          <a:bodyPr rtlCol="0" anchor="ctr"/>
+          <a:lstStyle/>
+          <a:p>
+            <a:pPr algn="ctr"/>
+            <a:endParaRPr lang="en-US"/>
+          </a:p>
+        </p:txBody>
+      </p:sp>
+    </p:spTree>
+    <p:extLst>
+      <p:ext uri="{BB962C8B-B14F-4D97-AF65-F5344CB8AC3E}">
+        <p14:creationId xmlns:p14="http://schemas.microsoft.com/office/powerpoint/2010/main" val="1254385945"/>
+      </p:ext>
+    </p:extLst>
+  </p:cSld>
+  <p:clrMapOvr>
+    <a:masterClrMapping/>
+  </p:clrMapOvr>
+  <p:timing>
+    <p:tnLst>
+      <p:par>
+        <p:cTn id="1" dur="indefinite" restart="never" nodeType="tmRoot"/>
+      </p:par>
+    </p:tnLst>
+  </p:timing>
+</p:sld>
+</file>
+
+<file path=ppt/slides/slide7.xml><?xml version="1.0" encoding="utf-8"?>
+<p:sld xmlns:a="http://schemas.openxmlformats.org/drawingml/2006/main" xmlns:r="http://schemas.openxmlformats.org/officeDocument/2006/relationships" xmlns:p="http://schemas.openxmlformats.org/presentationml/2006/main">
+  <p:cSld>
+    <p:spTree>
+      <p:nvGrpSpPr>
+        <p:cNvPr id="1" name=""/>
+        <p:cNvGrpSpPr/>
+        <p:nvPr/>
+      </p:nvGrpSpPr>
+      <p:grpSpPr>
+        <a:xfrm>
+          <a:off x="0" y="0"/>
+          <a:ext cx="0" cy="0"/>
+          <a:chOff x="0" y="0"/>
+          <a:chExt cx="0" cy="0"/>
+        </a:xfrm>
+      </p:grpSpPr>
+      <p:sp>
+        <p:nvSpPr>
+          <p:cNvPr id="2" name="Title 1"/>
+          <p:cNvSpPr>
+            <a:spLocks noGrp="1"/>
+          </p:cNvSpPr>
+          <p:nvPr>
+            <p:ph type="title"/>
+          </p:nvPr>
+        </p:nvSpPr>
+        <p:spPr>
+          <a:xfrm>
+            <a:off x="838200" y="365126"/>
+            <a:ext cx="10515600" cy="771697"/>
+          </a:xfrm>
+        </p:spPr>
+        <p:txBody>
+          <a:bodyPr/>
+          <a:lstStyle/>
+          <a:p>
+            <a:r>
+              <a:rPr lang="en-US" dirty="0" smtClean="0"/>
+              <a:t>Difference-in-Difference (DID)</a:t>
+            </a:r>
+            <a:endParaRPr lang="en-US" dirty="0"/>
+          </a:p>
+        </p:txBody>
+      </p:sp>
+      <p:sp>
+        <p:nvSpPr>
+          <p:cNvPr id="3" name="Content Placeholder 2"/>
+          <p:cNvSpPr>
+            <a:spLocks noGrp="1"/>
+          </p:cNvSpPr>
+          <p:nvPr>
+            <p:ph idx="1"/>
+          </p:nvPr>
+        </p:nvSpPr>
+        <p:spPr>
+          <a:xfrm>
+            <a:off x="838200" y="1293341"/>
+            <a:ext cx="4738816" cy="4883623"/>
+          </a:xfrm>
+        </p:spPr>
+        <p:txBody>
+          <a:bodyPr>
+            <a:noAutofit/>
+          </a:bodyPr>
+          <a:lstStyle/>
+          <a:p>
+            <a:pPr marL="0" indent="0">
+              <a:buNone/>
+            </a:pPr>
+            <a:r>
+              <a:rPr lang="en-US" sz="2200" b="1" dirty="0" smtClean="0"/>
+              <a:t>What?</a:t>
+            </a:r>
+          </a:p>
+          <a:p>
+            <a:pPr marL="0" indent="0">
+              <a:buNone/>
+            </a:pPr>
+            <a:r>
+              <a:rPr lang="en-US" sz="2200" dirty="0"/>
+              <a:t>DID is </a:t>
+            </a:r>
+            <a:r>
+              <a:rPr lang="en-US" sz="2200" dirty="0" smtClean="0"/>
+              <a:t>an experimental design technique that uses longitudinal </a:t>
+            </a:r>
+            <a:r>
+              <a:rPr lang="en-US" sz="2200" dirty="0"/>
+              <a:t>data </a:t>
+            </a:r>
+            <a:r>
+              <a:rPr lang="en-US" sz="2200" dirty="0" smtClean="0"/>
+              <a:t>to estimate </a:t>
+            </a:r>
+            <a:r>
+              <a:rPr lang="en-US" sz="2200" dirty="0"/>
+              <a:t>a causal </a:t>
+            </a:r>
+            <a:r>
+              <a:rPr lang="en-US" sz="2200" dirty="0" smtClean="0"/>
+              <a:t>effect</a:t>
+            </a:r>
+          </a:p>
+          <a:p>
+            <a:pPr marL="0" indent="0">
+              <a:buNone/>
+            </a:pPr>
+            <a:r>
+              <a:rPr lang="en-US" sz="2200" b="1" dirty="0" smtClean="0"/>
+              <a:t>Why?</a:t>
+            </a:r>
+          </a:p>
+          <a:p>
+            <a:pPr marL="0" indent="0">
+              <a:buNone/>
+            </a:pPr>
+            <a:r>
+              <a:rPr lang="en-US" sz="2200" dirty="0" smtClean="0"/>
+              <a:t>Estimate the </a:t>
+            </a:r>
+            <a:r>
+              <a:rPr lang="en-US" sz="2200" dirty="0"/>
+              <a:t>effect of </a:t>
+            </a:r>
+            <a:r>
+              <a:rPr lang="en-US" sz="2200" dirty="0" smtClean="0"/>
+              <a:t>mask mandate on Symptom searches (proxy for symptoms) by </a:t>
+            </a:r>
+            <a:r>
+              <a:rPr lang="en-US" sz="2200" dirty="0"/>
+              <a:t>comparing the </a:t>
+            </a:r>
+            <a:r>
+              <a:rPr lang="en-US" sz="2200" dirty="0" smtClean="0"/>
+              <a:t>counties </a:t>
+            </a:r>
+          </a:p>
+          <a:p>
+            <a:pPr marL="0" indent="0">
+              <a:buNone/>
+            </a:pPr>
+            <a:r>
+              <a:rPr lang="en-US" sz="2200" b="1" dirty="0" smtClean="0"/>
+              <a:t>How?</a:t>
+            </a:r>
+          </a:p>
+          <a:p>
+            <a:pPr marL="0" indent="0">
+              <a:buNone/>
+            </a:pPr>
+            <a:r>
+              <a:rPr lang="en-US" sz="2200" dirty="0" smtClean="0"/>
+              <a:t>Fit a regression line between the control group (other county) and treatment group (Milwaukee) and obtain the coefficients</a:t>
+            </a:r>
+          </a:p>
+        </p:txBody>
+      </p:sp>
+      <p:pic>
+        <p:nvPicPr>
+          <p:cNvPr id="3076" name="Picture 4" descr="Difference-in-Difference Estimation | Columbia Public Health"/>
+          <p:cNvPicPr>
+            <a:picLocks noChangeAspect="1" noChangeArrowheads="1"/>
+          </p:cNvPicPr>
+          <p:nvPr/>
+        </p:nvPicPr>
+        <p:blipFill>
+          <a:blip r:embed="rId2">
+            <a:extLst>
+              <a:ext uri="{28A0092B-C50C-407E-A947-70E740481C1C}">
+                <a14:useLocalDpi xmlns:a14="http://schemas.microsoft.com/office/drawing/2010/main" val="0"/>
+              </a:ext>
+            </a:extLst>
+          </a:blip>
+          <a:srcRect/>
+          <a:stretch>
+            <a:fillRect/>
+          </a:stretch>
+        </p:blipFill>
+        <p:spPr bwMode="auto">
+          <a:xfrm>
+            <a:off x="6038336" y="1825625"/>
+            <a:ext cx="5582251" cy="3411376"/>
+          </a:xfrm>
+          <a:prstGeom prst="rect">
+            <a:avLst/>
+          </a:prstGeom>
+          <a:noFill/>
+          <a:extLst>
+            <a:ext uri="{909E8E84-426E-40DD-AFC4-6F175D3DCCD1}">
+              <a14:hiddenFill xmlns:a14="http://schemas.microsoft.com/office/drawing/2010/main">
+                <a:solidFill>
+                  <a:srgbClr val="FFFFFF"/>
+                </a:solidFill>
+              </a14:hiddenFill>
+            </a:ext>
+          </a:extLst>
+        </p:spPr>
+      </p:pic>
+      <p:sp>
+        <p:nvSpPr>
+          <p:cNvPr id="7" name="Rectangle 6"/>
+          <p:cNvSpPr/>
+          <p:nvPr/>
+        </p:nvSpPr>
+        <p:spPr>
+          <a:xfrm>
+            <a:off x="0" y="0"/>
+            <a:ext cx="12192000" cy="6858000"/>
+          </a:xfrm>
+          <a:prstGeom prst="rect">
+            <a:avLst/>
+          </a:prstGeom>
+          <a:noFill/>
+          <a:ln w="60325">
+            <a:solidFill>
+              <a:srgbClr val="00461B"/>
+            </a:solidFill>
+          </a:ln>
+        </p:spPr>
+        <p:style>
+          <a:lnRef idx="2">
+            <a:schemeClr val="accent1">
+              <a:shade val="50000"/>
+            </a:schemeClr>
+          </a:lnRef>
+          <a:fillRef idx="1">
+            <a:schemeClr val="accent1"/>
+          </a:fillRef>
+          <a:effectRef idx="0">
+            <a:schemeClr val="accent1"/>
+          </a:effectRef>
+          <a:fontRef idx="minor">
+            <a:schemeClr val="lt1"/>
+          </a:fontRef>
+        </p:style>
+        <p:txBody>
+          <a:bodyPr rtlCol="0" anchor="ctr"/>
+          <a:lstStyle/>
+          <a:p>
+            <a:pPr algn="ctr"/>
+            <a:endParaRPr lang="en-US"/>
+          </a:p>
+        </p:txBody>
+      </p:sp>
+    </p:spTree>
+    <p:extLst>
+      <p:ext uri="{BB962C8B-B14F-4D97-AF65-F5344CB8AC3E}">
+        <p14:creationId xmlns:p14="http://schemas.microsoft.com/office/powerpoint/2010/main" val="960260220"/>
+      </p:ext>
+    </p:extLst>
+  </p:cSld>
+  <p:clrMapOvr>
+    <a:masterClrMapping/>
+  </p:clrMapOvr>
+  <p:timing>
+    <p:tnLst>
+      <p:par>
+        <p:cTn id="1" dur="indefinite" restart="never" nodeType="tmRoot"/>
+      </p:par>
+    </p:tnLst>
+  </p:timing>
+</p:sld>
+</file>
+
+<file path=ppt/slides/slide8.xml><?xml version="1.0" encoding="utf-8"?>
+<p:sld xmlns:a="http://schemas.openxmlformats.org/drawingml/2006/main" xmlns:r="http://schemas.openxmlformats.org/officeDocument/2006/relationships" xmlns:p="http://schemas.openxmlformats.org/presentationml/2006/main">
+  <p:cSld>
+    <p:spTree>
+      <p:nvGrpSpPr>
+        <p:cNvPr id="1" name=""/>
+        <p:cNvGrpSpPr/>
+        <p:nvPr/>
+      </p:nvGrpSpPr>
+      <p:grpSpPr>
+        <a:xfrm>
+          <a:off x="0" y="0"/>
+          <a:ext cx="0" cy="0"/>
+          <a:chOff x="0" y="0"/>
+          <a:chExt cx="0" cy="0"/>
+        </a:xfrm>
+      </p:grpSpPr>
+      <p:sp>
+        <p:nvSpPr>
+          <p:cNvPr id="2" name="Title 1"/>
+          <p:cNvSpPr>
+            <a:spLocks noGrp="1"/>
+          </p:cNvSpPr>
+          <p:nvPr>
+            <p:ph type="title"/>
+          </p:nvPr>
+        </p:nvSpPr>
+        <p:spPr>
+          <a:xfrm>
+            <a:off x="772297" y="449509"/>
+            <a:ext cx="10515600" cy="475135"/>
+          </a:xfrm>
+        </p:spPr>
+        <p:txBody>
+          <a:bodyPr>
+            <a:noAutofit/>
+          </a:bodyPr>
+          <a:lstStyle/>
+          <a:p>
+            <a:r>
+              <a:rPr lang="en-US" dirty="0"/>
+              <a:t>Impact of Mask Mandate Removal</a:t>
+            </a:r>
+          </a:p>
+        </p:txBody>
+      </p:sp>
+      <p:pic>
+        <p:nvPicPr>
+          <p:cNvPr id="4" name="Picture 3"/>
           <p:cNvPicPr>
             <a:picLocks noChangeAspect="1"/>
           </p:cNvPicPr>
@@ -3792,19 +7591,205 @@
               </a:ext>
             </a:extLst>
           </a:blip>
-          <a:srcRect t="11651"/>
+          <a:srcRect t="14835"/>
           <a:stretch/>
         </p:blipFill>
         <p:spPr>
           <a:xfrm>
-            <a:off x="7809471" y="799987"/>
-            <a:ext cx="4091062" cy="5646865"/>
+            <a:off x="5305168" y="1186255"/>
+            <a:ext cx="6812697" cy="5053568"/>
           </a:xfrm>
           <a:prstGeom prst="rect">
             <a:avLst/>
           </a:prstGeom>
         </p:spPr>
       </p:pic>
+      <p:sp>
+        <p:nvSpPr>
+          <p:cNvPr id="6" name="Rectangle 5"/>
+          <p:cNvSpPr/>
+          <p:nvPr/>
+        </p:nvSpPr>
+        <p:spPr>
+          <a:xfrm>
+            <a:off x="772297" y="1186254"/>
+            <a:ext cx="4120979" cy="5262979"/>
+          </a:xfrm>
+          <a:prstGeom prst="rect">
+            <a:avLst/>
+          </a:prstGeom>
+        </p:spPr>
+        <p:txBody>
+          <a:bodyPr wrap="square">
+            <a:spAutoFit/>
+          </a:bodyPr>
+          <a:lstStyle/>
+          <a:p>
+            <a:pPr marL="285750" indent="-285750">
+              <a:buFont typeface="Arial" panose="020B0604020202020204" pitchFamily="34" charset="0"/>
+              <a:buChar char="•"/>
+            </a:pPr>
+            <a:r>
+              <a:rPr lang="en-US" sz="2400" dirty="0" smtClean="0"/>
+              <a:t>Shortness of Breath is highly impacted by the removal of </a:t>
+            </a:r>
+            <a:r>
+              <a:rPr lang="en-US" sz="2400" dirty="0"/>
+              <a:t>m</a:t>
+            </a:r>
+            <a:r>
+              <a:rPr lang="en-US" sz="2400" dirty="0" smtClean="0"/>
+              <a:t>ask mandate in Milwaukee county (20% greater than other </a:t>
+            </a:r>
+            <a:r>
+              <a:rPr lang="en-US" sz="2400" dirty="0"/>
+              <a:t>c</a:t>
+            </a:r>
+            <a:r>
+              <a:rPr lang="en-US" sz="2400" dirty="0" smtClean="0"/>
+              <a:t>ounty with continuous </a:t>
+            </a:r>
+            <a:r>
+              <a:rPr lang="en-US" sz="2400" dirty="0"/>
+              <a:t>m</a:t>
+            </a:r>
+            <a:r>
+              <a:rPr lang="en-US" sz="2400" dirty="0" smtClean="0"/>
+              <a:t>ask </a:t>
+            </a:r>
+            <a:r>
+              <a:rPr lang="en-US" sz="2400" dirty="0"/>
+              <a:t>m</a:t>
+            </a:r>
+            <a:r>
+              <a:rPr lang="en-US" sz="2400" dirty="0" smtClean="0"/>
+              <a:t>andate)</a:t>
+            </a:r>
+          </a:p>
+          <a:p>
+            <a:pPr marL="285750" indent="-285750">
+              <a:buFont typeface="Arial" panose="020B0604020202020204" pitchFamily="34" charset="0"/>
+              <a:buChar char="•"/>
+            </a:pPr>
+            <a:endParaRPr lang="en-US" sz="2400" dirty="0" smtClean="0"/>
+          </a:p>
+          <a:p>
+            <a:pPr marL="285750" indent="-285750">
+              <a:buFont typeface="Arial" panose="020B0604020202020204" pitchFamily="34" charset="0"/>
+              <a:buChar char="•"/>
+            </a:pPr>
+            <a:r>
+              <a:rPr lang="en-US" sz="2400" dirty="0" smtClean="0"/>
+              <a:t>Fever symptom search growth rate is approximately same without mask mandate</a:t>
+            </a:r>
+          </a:p>
+          <a:p>
+            <a:pPr marL="285750" indent="-285750">
+              <a:buFont typeface="Arial" panose="020B0604020202020204" pitchFamily="34" charset="0"/>
+              <a:buChar char="•"/>
+            </a:pPr>
+            <a:endParaRPr lang="en-US" sz="2400" dirty="0" smtClean="0"/>
+          </a:p>
+          <a:p>
+            <a:pPr marL="285750" indent="-285750">
+              <a:buFont typeface="Arial" panose="020B0604020202020204" pitchFamily="34" charset="0"/>
+              <a:buChar char="•"/>
+            </a:pPr>
+            <a:r>
+              <a:rPr lang="en-US" sz="2400" dirty="0" smtClean="0"/>
+              <a:t>Pneumonia symptom search term is the least impacte</a:t>
+            </a:r>
+            <a:r>
+              <a:rPr lang="en-US" sz="2400" dirty="0" smtClean="0"/>
+              <a:t>d with decent RSVs</a:t>
+            </a:r>
+            <a:endParaRPr lang="en-US" sz="2400" dirty="0"/>
+          </a:p>
+        </p:txBody>
+      </p:sp>
+      <p:sp>
+        <p:nvSpPr>
+          <p:cNvPr id="7" name="Rectangle 6"/>
+          <p:cNvSpPr/>
+          <p:nvPr/>
+        </p:nvSpPr>
+        <p:spPr>
+          <a:xfrm>
+            <a:off x="0" y="0"/>
+            <a:ext cx="12192000" cy="6858000"/>
+          </a:xfrm>
+          <a:prstGeom prst="rect">
+            <a:avLst/>
+          </a:prstGeom>
+          <a:noFill/>
+          <a:ln w="60325">
+            <a:solidFill>
+              <a:srgbClr val="00461B"/>
+            </a:solidFill>
+          </a:ln>
+        </p:spPr>
+        <p:style>
+          <a:lnRef idx="2">
+            <a:schemeClr val="accent1">
+              <a:shade val="50000"/>
+            </a:schemeClr>
+          </a:lnRef>
+          <a:fillRef idx="1">
+            <a:schemeClr val="accent1"/>
+          </a:fillRef>
+          <a:effectRef idx="0">
+            <a:schemeClr val="accent1"/>
+          </a:effectRef>
+          <a:fontRef idx="minor">
+            <a:schemeClr val="lt1"/>
+          </a:fontRef>
+        </p:style>
+        <p:txBody>
+          <a:bodyPr rtlCol="0" anchor="ctr"/>
+          <a:lstStyle/>
+          <a:p>
+            <a:pPr algn="ctr"/>
+            <a:endParaRPr lang="en-US"/>
+          </a:p>
+        </p:txBody>
+      </p:sp>
+    </p:spTree>
+    <p:extLst>
+      <p:ext uri="{BB962C8B-B14F-4D97-AF65-F5344CB8AC3E}">
+        <p14:creationId xmlns:p14="http://schemas.microsoft.com/office/powerpoint/2010/main" val="2001365770"/>
+      </p:ext>
+    </p:extLst>
+  </p:cSld>
+  <p:clrMapOvr>
+    <a:masterClrMapping/>
+  </p:clrMapOvr>
+  <p:timing>
+    <p:tnLst>
+      <p:par>
+        <p:cTn id="1" dur="indefinite" restart="never" nodeType="tmRoot"/>
+      </p:par>
+    </p:tnLst>
+  </p:timing>
+</p:sld>
+</file>
+
+<file path=ppt/slides/slide9.xml><?xml version="1.0" encoding="utf-8"?>
+<p:sld xmlns:a="http://schemas.openxmlformats.org/drawingml/2006/main" xmlns:r="http://schemas.openxmlformats.org/officeDocument/2006/relationships" xmlns:p="http://schemas.openxmlformats.org/presentationml/2006/main">
+  <p:cSld>
+    <p:spTree>
+      <p:nvGrpSpPr>
+        <p:cNvPr id="1" name=""/>
+        <p:cNvGrpSpPr/>
+        <p:nvPr/>
+      </p:nvGrpSpPr>
+      <p:grpSpPr>
+        <a:xfrm>
+          <a:off x="0" y="0"/>
+          <a:ext cx="0" cy="0"/>
+          <a:chOff x="0" y="0"/>
+          <a:chExt cx="0" cy="0"/>
+        </a:xfrm>
+      </p:grpSpPr>
       <p:sp>
         <p:nvSpPr>
           <p:cNvPr id="2" name="Title 1"/>
@@ -3817,8 +7802,8 @@
         </p:nvSpPr>
         <p:spPr>
           <a:xfrm>
-            <a:off x="414867" y="212725"/>
-            <a:ext cx="10515600" cy="320675"/>
+            <a:off x="838200" y="365127"/>
+            <a:ext cx="10515600" cy="639889"/>
           </a:xfrm>
         </p:spPr>
         <p:txBody>
@@ -3827,7 +7812,121 @@
           </a:bodyPr>
           <a:lstStyle/>
           <a:p>
-            <a:endParaRPr lang="en-US"/>
+            <a:r>
+              <a:rPr lang="en-US" dirty="0" smtClean="0"/>
+              <a:t>Rolling Windowed Time Lagged Correlation</a:t>
+            </a:r>
+            <a:endParaRPr lang="en-US" dirty="0"/>
+          </a:p>
+        </p:txBody>
+      </p:sp>
+      <p:sp>
+        <p:nvSpPr>
+          <p:cNvPr id="3" name="Content Placeholder 2"/>
+          <p:cNvSpPr>
+            <a:spLocks noGrp="1"/>
+          </p:cNvSpPr>
+          <p:nvPr>
+            <p:ph idx="1"/>
+          </p:nvPr>
+        </p:nvSpPr>
+        <p:spPr>
+          <a:xfrm>
+            <a:off x="838200" y="1314880"/>
+            <a:ext cx="10515600" cy="4351338"/>
+          </a:xfrm>
+        </p:spPr>
+        <p:txBody>
+          <a:bodyPr>
+            <a:normAutofit lnSpcReduction="10000"/>
+          </a:bodyPr>
+          <a:lstStyle/>
+          <a:p>
+            <a:pPr marL="0" indent="0">
+              <a:buNone/>
+            </a:pPr>
+            <a:r>
+              <a:rPr lang="en-US" sz="2400" b="1" dirty="0" smtClean="0"/>
+              <a:t>What?</a:t>
+            </a:r>
+          </a:p>
+          <a:p>
+            <a:pPr marL="0" indent="0">
+              <a:buNone/>
+            </a:pPr>
+            <a:r>
+              <a:rPr lang="en-US" sz="2400" dirty="0"/>
+              <a:t>W</a:t>
+            </a:r>
+            <a:r>
+              <a:rPr lang="en-US" sz="2400" dirty="0" smtClean="0"/>
+              <a:t>indowed TLCC is a synchrony measurement technique which obtains the correlation values with lag between signals</a:t>
+            </a:r>
+          </a:p>
+          <a:p>
+            <a:pPr marL="0" indent="0">
+              <a:buNone/>
+            </a:pPr>
+            <a:endParaRPr lang="en-US" sz="2400" dirty="0" smtClean="0"/>
+          </a:p>
+          <a:p>
+            <a:pPr marL="0" indent="0">
+              <a:buNone/>
+            </a:pPr>
+            <a:r>
+              <a:rPr lang="en-US" sz="2400" b="1" dirty="0" smtClean="0"/>
+              <a:t>Why?</a:t>
+            </a:r>
+          </a:p>
+          <a:p>
+            <a:pPr marL="0" indent="0">
+              <a:buNone/>
+            </a:pPr>
+            <a:r>
+              <a:rPr lang="en-US" sz="2400" dirty="0" smtClean="0"/>
+              <a:t>Identify directionality, synchrony and leader-follower relationship between symptom searches and COVID-19 daily </a:t>
+            </a:r>
+            <a:r>
+              <a:rPr lang="en-US" sz="2400" b="1" dirty="0" smtClean="0">
+                <a:solidFill>
+                  <a:schemeClr val="accent1">
+                    <a:lumMod val="75000"/>
+                  </a:schemeClr>
+                </a:solidFill>
+              </a:rPr>
+              <a:t>confirmed cases</a:t>
+            </a:r>
+            <a:endParaRPr lang="en-US" sz="2400" b="1" dirty="0">
+              <a:solidFill>
+                <a:schemeClr val="accent1">
+                  <a:lumMod val="75000"/>
+                </a:schemeClr>
+              </a:solidFill>
+            </a:endParaRPr>
+          </a:p>
+          <a:p>
+            <a:pPr marL="0" indent="0">
+              <a:buNone/>
+            </a:pPr>
+            <a:endParaRPr lang="en-US" sz="2400" dirty="0" smtClean="0"/>
+          </a:p>
+          <a:p>
+            <a:pPr marL="0" indent="0">
+              <a:buNone/>
+            </a:pPr>
+            <a:r>
+              <a:rPr lang="en-US" sz="2400" b="1" dirty="0" smtClean="0"/>
+              <a:t>How?</a:t>
+            </a:r>
+          </a:p>
+          <a:p>
+            <a:pPr marL="0" indent="0">
+              <a:buNone/>
+            </a:pPr>
+            <a:r>
+              <a:rPr lang="en-US" sz="2400" dirty="0" smtClean="0"/>
+              <a:t>Uses sliding window offset and calculates Pearson correlation values for each lag value between the cases and COVID-19 top searched symptoms</a:t>
+            </a:r>
           </a:p>
         </p:txBody>
       </p:sp>
@@ -3839,18 +7938,16 @@
         </p:nvSpPr>
         <p:spPr>
           <a:xfrm>
-            <a:off x="6606745" y="2496065"/>
-            <a:ext cx="1367481" cy="238897"/>
+            <a:off x="0" y="0"/>
+            <a:ext cx="12192000" cy="6858000"/>
           </a:xfrm>
           <a:prstGeom prst="rect">
             <a:avLst/>
           </a:prstGeom>
           <a:noFill/>
-          <a:ln>
+          <a:ln w="60325">
             <a:solidFill>
-              <a:schemeClr val="accent1">
-                <a:lumMod val="75000"/>
-              </a:schemeClr>
+              <a:srgbClr val="00461B"/>
             </a:solidFill>
           </a:ln>
         </p:spPr>
@@ -3875,400 +7972,14 @@
           <a:lstStyle/>
           <a:p>
             <a:pPr algn="ctr"/>
-            <a:r>
-              <a:rPr lang="en-US" sz="1000" dirty="0" smtClean="0">
-                <a:solidFill>
-                  <a:schemeClr val="tx1"/>
-                </a:solidFill>
-              </a:rPr>
-              <a:t>Mask Mandate Started</a:t>
-            </a:r>
-            <a:endParaRPr lang="en-US" sz="1000" dirty="0">
-              <a:solidFill>
-                <a:schemeClr val="tx1"/>
-              </a:solidFill>
-            </a:endParaRPr>
-          </a:p>
-        </p:txBody>
-      </p:sp>
-      <p:sp>
-        <p:nvSpPr>
-          <p:cNvPr id="7" name="Rectangle 6"/>
-          <p:cNvSpPr/>
-          <p:nvPr/>
-        </p:nvSpPr>
-        <p:spPr>
-          <a:xfrm>
-            <a:off x="6606745" y="4192143"/>
-            <a:ext cx="1367481" cy="238897"/>
-          </a:xfrm>
-          <a:prstGeom prst="rect">
-            <a:avLst/>
-          </a:prstGeom>
-          <a:noFill/>
-          <a:ln>
-            <a:solidFill>
-              <a:schemeClr val="accent1">
-                <a:lumMod val="75000"/>
-              </a:schemeClr>
-            </a:solidFill>
-          </a:ln>
-        </p:spPr>
-        <p:style>
-          <a:lnRef idx="2">
-            <a:schemeClr val="accent1">
-              <a:shade val="50000"/>
-            </a:schemeClr>
-          </a:lnRef>
-          <a:fillRef idx="1">
-            <a:schemeClr val="accent1"/>
-          </a:fillRef>
-          <a:effectRef idx="0">
-            <a:schemeClr val="accent1"/>
-          </a:effectRef>
-          <a:fontRef idx="minor">
-            <a:schemeClr val="lt1"/>
-          </a:fontRef>
-        </p:style>
-        <p:txBody>
-          <a:bodyPr rtlCol="0" anchor="ctr"/>
-          <a:lstStyle/>
-          <a:p>
-            <a:pPr algn="ctr"/>
-            <a:r>
-              <a:rPr lang="en-US" sz="1000" dirty="0" smtClean="0">
-                <a:solidFill>
-                  <a:schemeClr val="tx1"/>
-                </a:solidFill>
-              </a:rPr>
-              <a:t>Mask Mandate Ended</a:t>
-            </a:r>
-            <a:endParaRPr lang="en-US" sz="1000" dirty="0">
-              <a:solidFill>
-                <a:schemeClr val="tx1"/>
-              </a:solidFill>
-            </a:endParaRPr>
-          </a:p>
-        </p:txBody>
-      </p:sp>
-      <p:cxnSp>
-        <p:nvCxnSpPr>
-          <p:cNvPr id="9" name="Straight Connector 8"/>
-          <p:cNvCxnSpPr/>
-          <p:nvPr/>
-        </p:nvCxnSpPr>
-        <p:spPr>
-          <a:xfrm flipV="1">
-            <a:off x="7990702" y="2615513"/>
-            <a:ext cx="3253947" cy="1"/>
-          </a:xfrm>
-          <a:prstGeom prst="line">
-            <a:avLst/>
-          </a:prstGeom>
-          <a:ln>
-            <a:solidFill>
-              <a:srgbClr val="FFFF00"/>
-            </a:solidFill>
-          </a:ln>
-          <a:effectLst>
-            <a:glow rad="63500">
-              <a:schemeClr val="accent4">
-                <a:satMod val="175000"/>
-                <a:alpha val="40000"/>
-              </a:schemeClr>
-            </a:glow>
-          </a:effectLst>
-        </p:spPr>
-        <p:style>
-          <a:lnRef idx="3">
-            <a:schemeClr val="accent2"/>
-          </a:lnRef>
-          <a:fillRef idx="0">
-            <a:schemeClr val="accent2"/>
-          </a:fillRef>
-          <a:effectRef idx="2">
-            <a:schemeClr val="accent2"/>
-          </a:effectRef>
-          <a:fontRef idx="minor">
-            <a:schemeClr val="tx1"/>
-          </a:fontRef>
-        </p:style>
-      </p:cxnSp>
-      <p:cxnSp>
-        <p:nvCxnSpPr>
-          <p:cNvPr id="10" name="Straight Connector 9"/>
-          <p:cNvCxnSpPr/>
-          <p:nvPr/>
-        </p:nvCxnSpPr>
-        <p:spPr>
-          <a:xfrm flipV="1">
-            <a:off x="7982464" y="4311591"/>
-            <a:ext cx="3253947" cy="1"/>
-          </a:xfrm>
-          <a:prstGeom prst="line">
-            <a:avLst/>
-          </a:prstGeom>
-          <a:ln>
-            <a:solidFill>
-              <a:srgbClr val="FFFF00"/>
-            </a:solidFill>
-          </a:ln>
-          <a:effectLst>
-            <a:glow rad="63500">
-              <a:schemeClr val="accent4">
-                <a:satMod val="175000"/>
-                <a:alpha val="40000"/>
-              </a:schemeClr>
-            </a:glow>
-          </a:effectLst>
-        </p:spPr>
-        <p:style>
-          <a:lnRef idx="3">
-            <a:schemeClr val="accent2"/>
-          </a:lnRef>
-          <a:fillRef idx="0">
-            <a:schemeClr val="accent2"/>
-          </a:fillRef>
-          <a:effectRef idx="2">
-            <a:schemeClr val="accent2"/>
-          </a:effectRef>
-          <a:fontRef idx="minor">
-            <a:schemeClr val="tx1"/>
-          </a:fontRef>
-        </p:style>
-      </p:cxnSp>
-      <p:sp>
-        <p:nvSpPr>
-          <p:cNvPr id="11" name="Rectangle 10"/>
-          <p:cNvSpPr/>
-          <p:nvPr/>
-        </p:nvSpPr>
-        <p:spPr>
-          <a:xfrm>
-            <a:off x="6606744" y="3031065"/>
-            <a:ext cx="1367481" cy="238897"/>
-          </a:xfrm>
-          <a:prstGeom prst="rect">
-            <a:avLst/>
-          </a:prstGeom>
-          <a:noFill/>
-          <a:ln>
-            <a:solidFill>
-              <a:schemeClr val="accent1">
-                <a:lumMod val="75000"/>
-              </a:schemeClr>
-            </a:solidFill>
-          </a:ln>
-        </p:spPr>
-        <p:style>
-          <a:lnRef idx="2">
-            <a:schemeClr val="accent1">
-              <a:shade val="50000"/>
-            </a:schemeClr>
-          </a:lnRef>
-          <a:fillRef idx="1">
-            <a:schemeClr val="accent1"/>
-          </a:fillRef>
-          <a:effectRef idx="0">
-            <a:schemeClr val="accent1"/>
-          </a:effectRef>
-          <a:fontRef idx="minor">
-            <a:schemeClr val="lt1"/>
-          </a:fontRef>
-        </p:style>
-        <p:txBody>
-          <a:bodyPr rtlCol="0" anchor="ctr"/>
-          <a:lstStyle/>
-          <a:p>
-            <a:pPr algn="ctr"/>
-            <a:r>
-              <a:rPr lang="en-US" sz="1000" dirty="0" smtClean="0">
-                <a:solidFill>
-                  <a:schemeClr val="tx1"/>
-                </a:solidFill>
-              </a:rPr>
-              <a:t>5</a:t>
-            </a:r>
-            <a:r>
-              <a:rPr lang="en-US" sz="1000" baseline="30000" dirty="0" smtClean="0">
-                <a:solidFill>
-                  <a:schemeClr val="tx1"/>
-                </a:solidFill>
-              </a:rPr>
-              <a:t>th</a:t>
-            </a:r>
-            <a:r>
-              <a:rPr lang="en-US" sz="1000" dirty="0" smtClean="0">
-                <a:solidFill>
-                  <a:schemeClr val="tx1"/>
-                </a:solidFill>
-              </a:rPr>
-              <a:t> Change Point</a:t>
-            </a:r>
-            <a:endParaRPr lang="en-US" sz="1000" dirty="0">
-              <a:solidFill>
-                <a:schemeClr val="tx1"/>
-              </a:solidFill>
-            </a:endParaRPr>
-          </a:p>
-        </p:txBody>
-      </p:sp>
-      <p:sp>
-        <p:nvSpPr>
-          <p:cNvPr id="12" name="Rectangle 11"/>
-          <p:cNvSpPr/>
-          <p:nvPr/>
-        </p:nvSpPr>
-        <p:spPr>
-          <a:xfrm>
-            <a:off x="6606743" y="3700504"/>
-            <a:ext cx="1367481" cy="238897"/>
-          </a:xfrm>
-          <a:prstGeom prst="rect">
-            <a:avLst/>
-          </a:prstGeom>
-          <a:noFill/>
-          <a:ln>
-            <a:solidFill>
-              <a:schemeClr val="accent1">
-                <a:lumMod val="75000"/>
-              </a:schemeClr>
-            </a:solidFill>
-          </a:ln>
-        </p:spPr>
-        <p:style>
-          <a:lnRef idx="2">
-            <a:schemeClr val="accent1">
-              <a:shade val="50000"/>
-            </a:schemeClr>
-          </a:lnRef>
-          <a:fillRef idx="1">
-            <a:schemeClr val="accent1"/>
-          </a:fillRef>
-          <a:effectRef idx="0">
-            <a:schemeClr val="accent1"/>
-          </a:effectRef>
-          <a:fontRef idx="minor">
-            <a:schemeClr val="lt1"/>
-          </a:fontRef>
-        </p:style>
-        <p:txBody>
-          <a:bodyPr rtlCol="0" anchor="ctr"/>
-          <a:lstStyle/>
-          <a:p>
-            <a:pPr algn="ctr"/>
-            <a:r>
-              <a:rPr lang="en-US" sz="1000" dirty="0">
-                <a:solidFill>
-                  <a:schemeClr val="tx1"/>
-                </a:solidFill>
-              </a:rPr>
-              <a:t>8</a:t>
-            </a:r>
-            <a:r>
-              <a:rPr lang="en-US" sz="1000" baseline="30000" dirty="0" smtClean="0">
-                <a:solidFill>
-                  <a:schemeClr val="tx1"/>
-                </a:solidFill>
-              </a:rPr>
-              <a:t>th</a:t>
-            </a:r>
-            <a:r>
-              <a:rPr lang="en-US" sz="1000" dirty="0" smtClean="0">
-                <a:solidFill>
-                  <a:schemeClr val="tx1"/>
-                </a:solidFill>
-              </a:rPr>
-              <a:t> Change Point</a:t>
-            </a:r>
-            <a:endParaRPr lang="en-US" sz="1000" dirty="0">
-              <a:solidFill>
-                <a:schemeClr val="tx1"/>
-              </a:solidFill>
-            </a:endParaRPr>
-          </a:p>
-        </p:txBody>
-      </p:sp>
-      <p:cxnSp>
-        <p:nvCxnSpPr>
-          <p:cNvPr id="14" name="Straight Connector 13"/>
-          <p:cNvCxnSpPr/>
-          <p:nvPr/>
-        </p:nvCxnSpPr>
-        <p:spPr>
-          <a:xfrm flipV="1">
-            <a:off x="7970109" y="3816862"/>
-            <a:ext cx="3253947" cy="1"/>
-          </a:xfrm>
-          <a:prstGeom prst="line">
-            <a:avLst/>
-          </a:prstGeom>
-          <a:ln w="12700">
-            <a:solidFill>
-              <a:schemeClr val="accent2">
-                <a:lumMod val="50000"/>
-              </a:schemeClr>
-            </a:solidFill>
-            <a:prstDash val="sysDash"/>
-          </a:ln>
-        </p:spPr>
-        <p:style>
-          <a:lnRef idx="1">
-            <a:schemeClr val="accent3"/>
-          </a:lnRef>
-          <a:fillRef idx="0">
-            <a:schemeClr val="accent3"/>
-          </a:fillRef>
-          <a:effectRef idx="0">
-            <a:schemeClr val="accent3"/>
-          </a:effectRef>
-          <a:fontRef idx="minor">
-            <a:schemeClr val="tx1"/>
-          </a:fontRef>
-        </p:style>
-      </p:cxnSp>
-      <p:cxnSp>
-        <p:nvCxnSpPr>
-          <p:cNvPr id="15" name="Straight Connector 14"/>
-          <p:cNvCxnSpPr/>
-          <p:nvPr/>
-        </p:nvCxnSpPr>
-        <p:spPr>
-          <a:xfrm flipV="1">
-            <a:off x="7970109" y="3152227"/>
-            <a:ext cx="3253947" cy="1"/>
-          </a:xfrm>
-          <a:prstGeom prst="line">
-            <a:avLst/>
-          </a:prstGeom>
-          <a:ln w="12700">
-            <a:solidFill>
-              <a:schemeClr val="accent2">
-                <a:lumMod val="50000"/>
-              </a:schemeClr>
-            </a:solidFill>
-            <a:prstDash val="sysDash"/>
-          </a:ln>
-        </p:spPr>
-        <p:style>
-          <a:lnRef idx="1">
-            <a:schemeClr val="accent3"/>
-          </a:lnRef>
-          <a:fillRef idx="0">
-            <a:schemeClr val="accent3"/>
-          </a:fillRef>
-          <a:effectRef idx="0">
-            <a:schemeClr val="accent3"/>
-          </a:effectRef>
-          <a:fontRef idx="minor">
-            <a:schemeClr val="tx1"/>
-          </a:fontRef>
-        </p:style>
-      </p:cxnSp>
+            <a:endParaRPr lang="en-US"/>
+          </a:p>
+        </p:txBody>
+      </p:sp>
     </p:spTree>
     <p:extLst>
       <p:ext uri="{BB962C8B-B14F-4D97-AF65-F5344CB8AC3E}">
-        <p14:creationId xmlns:p14="http://schemas.microsoft.com/office/powerpoint/2010/main" val="546777309"/>
+        <p14:creationId xmlns:p14="http://schemas.microsoft.com/office/powerpoint/2010/main" val="4005650621"/>
       </p:ext>
     </p:extLst>
   </p:cSld>
